--- a/First approach.pptx
+++ b/First approach.pptx
@@ -2,7 +2,7 @@
 <file path=ppt/presentation.xml><?xml version="1.0" encoding="utf-8"?>
 <p:presentation xmlns:a="http://schemas.openxmlformats.org/drawingml/2006/main" xmlns:r="http://schemas.openxmlformats.org/officeDocument/2006/relationships" xmlns:p="http://schemas.openxmlformats.org/presentationml/2006/main" saveSubsetFonts="1">
   <p:sldMasterIdLst>
-    <p:sldMasterId id="2147483648" r:id="rId4"/>
+    <p:sldMasterId id="2147483678" r:id="rId4"/>
   </p:sldMasterIdLst>
   <p:notesMasterIdLst>
     <p:notesMasterId r:id="rId19"/>
@@ -27,9 +27,9 @@
   <p:notesSz cx="6858000" cy="9144000"/>
   <p:defaultTextStyle>
     <a:defPPr>
-      <a:defRPr lang="fr-FR"/>
+      <a:defRPr lang="en-US"/>
     </a:defPPr>
-    <a:lvl1pPr marL="0" algn="l" defTabSz="914400" rtl="0" eaLnBrk="1" latinLnBrk="0" hangingPunct="1">
+    <a:lvl1pPr marL="0" algn="l" defTabSz="457200" rtl="0" eaLnBrk="1" latinLnBrk="0" hangingPunct="1">
       <a:defRPr sz="1800" kern="1200">
         <a:solidFill>
           <a:schemeClr val="tx1"/>
@@ -39,7 +39,7 @@
         <a:cs typeface="+mn-cs"/>
       </a:defRPr>
     </a:lvl1pPr>
-    <a:lvl2pPr marL="457200" algn="l" defTabSz="914400" rtl="0" eaLnBrk="1" latinLnBrk="0" hangingPunct="1">
+    <a:lvl2pPr marL="457200" algn="l" defTabSz="457200" rtl="0" eaLnBrk="1" latinLnBrk="0" hangingPunct="1">
       <a:defRPr sz="1800" kern="1200">
         <a:solidFill>
           <a:schemeClr val="tx1"/>
@@ -49,7 +49,7 @@
         <a:cs typeface="+mn-cs"/>
       </a:defRPr>
     </a:lvl2pPr>
-    <a:lvl3pPr marL="914400" algn="l" defTabSz="914400" rtl="0" eaLnBrk="1" latinLnBrk="0" hangingPunct="1">
+    <a:lvl3pPr marL="914400" algn="l" defTabSz="457200" rtl="0" eaLnBrk="1" latinLnBrk="0" hangingPunct="1">
       <a:defRPr sz="1800" kern="1200">
         <a:solidFill>
           <a:schemeClr val="tx1"/>
@@ -59,7 +59,7 @@
         <a:cs typeface="+mn-cs"/>
       </a:defRPr>
     </a:lvl3pPr>
-    <a:lvl4pPr marL="1371600" algn="l" defTabSz="914400" rtl="0" eaLnBrk="1" latinLnBrk="0" hangingPunct="1">
+    <a:lvl4pPr marL="1371600" algn="l" defTabSz="457200" rtl="0" eaLnBrk="1" latinLnBrk="0" hangingPunct="1">
       <a:defRPr sz="1800" kern="1200">
         <a:solidFill>
           <a:schemeClr val="tx1"/>
@@ -69,7 +69,7 @@
         <a:cs typeface="+mn-cs"/>
       </a:defRPr>
     </a:lvl4pPr>
-    <a:lvl5pPr marL="1828800" algn="l" defTabSz="914400" rtl="0" eaLnBrk="1" latinLnBrk="0" hangingPunct="1">
+    <a:lvl5pPr marL="1828800" algn="l" defTabSz="457200" rtl="0" eaLnBrk="1" latinLnBrk="0" hangingPunct="1">
       <a:defRPr sz="1800" kern="1200">
         <a:solidFill>
           <a:schemeClr val="tx1"/>
@@ -79,7 +79,7 @@
         <a:cs typeface="+mn-cs"/>
       </a:defRPr>
     </a:lvl5pPr>
-    <a:lvl6pPr marL="2286000" algn="l" defTabSz="914400" rtl="0" eaLnBrk="1" latinLnBrk="0" hangingPunct="1">
+    <a:lvl6pPr marL="2286000" algn="l" defTabSz="457200" rtl="0" eaLnBrk="1" latinLnBrk="0" hangingPunct="1">
       <a:defRPr sz="1800" kern="1200">
         <a:solidFill>
           <a:schemeClr val="tx1"/>
@@ -89,7 +89,7 @@
         <a:cs typeface="+mn-cs"/>
       </a:defRPr>
     </a:lvl6pPr>
-    <a:lvl7pPr marL="2743200" algn="l" defTabSz="914400" rtl="0" eaLnBrk="1" latinLnBrk="0" hangingPunct="1">
+    <a:lvl7pPr marL="2743200" algn="l" defTabSz="457200" rtl="0" eaLnBrk="1" latinLnBrk="0" hangingPunct="1">
       <a:defRPr sz="1800" kern="1200">
         <a:solidFill>
           <a:schemeClr val="tx1"/>
@@ -99,7 +99,7 @@
         <a:cs typeface="+mn-cs"/>
       </a:defRPr>
     </a:lvl7pPr>
-    <a:lvl8pPr marL="3200400" algn="l" defTabSz="914400" rtl="0" eaLnBrk="1" latinLnBrk="0" hangingPunct="1">
+    <a:lvl8pPr marL="3200400" algn="l" defTabSz="457200" rtl="0" eaLnBrk="1" latinLnBrk="0" hangingPunct="1">
       <a:defRPr sz="1800" kern="1200">
         <a:solidFill>
           <a:schemeClr val="tx1"/>
@@ -109,7 +109,7 @@
         <a:cs typeface="+mn-cs"/>
       </a:defRPr>
     </a:lvl8pPr>
-    <a:lvl9pPr marL="3657600" algn="l" defTabSz="914400" rtl="0" eaLnBrk="1" latinLnBrk="0" hangingPunct="1">
+    <a:lvl9pPr marL="3657600" algn="l" defTabSz="457200" rtl="0" eaLnBrk="1" latinLnBrk="0" hangingPunct="1">
       <a:defRPr sz="1800" kern="1200">
         <a:solidFill>
           <a:schemeClr val="tx1"/>
@@ -120,6 +120,11 @@
       </a:defRPr>
     </a:lvl9pPr>
   </p:defaultTextStyle>
+  <p:extLst>
+    <p:ext uri="{EFAFB233-063F-42B5-8137-9DF3F51BA10A}">
+      <p15:sldGuideLst xmlns:p15="http://schemas.microsoft.com/office/powerpoint/2012/main"/>
+    </p:ext>
+  </p:extLst>
 </p:presentation>
 </file>
 
@@ -205,7 +210,7 @@
           <a:p>
             <a:fld id="{10FBB8E4-7974-4DA4-B09B-730BBFE597AE}" type="datetimeFigureOut">
               <a:rPr lang="en-GB" smtClean="0"/>
-              <a:t>08/11/2020</a:t>
+              <a:t>09/11/2020</a:t>
             </a:fld>
             <a:endParaRPr lang="en-GB"/>
           </a:p>
@@ -364,7 +369,7 @@
           <a:p>
             <a:fld id="{A660CF17-288A-40F6-BFE9-6E1180196A7F}" type="slidenum">
               <a:rPr lang="en-GB" smtClean="0"/>
-              <a:t>‹N°›</a:t>
+              <a:t>‹Nº›</a:t>
             </a:fld>
             <a:endParaRPr lang="en-GB"/>
           </a:p>
@@ -1114,9 +1119,9 @@
 </p:notes>
 </file>
 
-<file path=ppt/slideLayouts/slideLayout1.xml><?xml version="1.0" encoding="utf-8"?>
-<p:sldLayout xmlns:a="http://schemas.openxmlformats.org/drawingml/2006/main" xmlns:r="http://schemas.openxmlformats.org/officeDocument/2006/relationships" xmlns:p="http://schemas.openxmlformats.org/presentationml/2006/main" type="title" preserve="1">
-  <p:cSld name="Diapositive de titre">
+<file path=ppt/notesSlides/notesSlide5.xml><?xml version="1.0" encoding="utf-8"?>
+<p:notes xmlns:a="http://schemas.openxmlformats.org/drawingml/2006/main" xmlns:r="http://schemas.openxmlformats.org/officeDocument/2006/relationships" xmlns:p="http://schemas.openxmlformats.org/presentationml/2006/main">
+  <p:cSld>
     <p:spTree>
       <p:nvGrpSpPr>
         <p:cNvPr id="1" name=""/>
@@ -1133,127 +1138,87 @@
       </p:grpSpPr>
       <p:sp>
         <p:nvSpPr>
-          <p:cNvPr id="2" name="Titre 1">
-            <a:extLst>
-              <a:ext uri="{FF2B5EF4-FFF2-40B4-BE49-F238E27FC236}">
-                <a16:creationId xmlns:a16="http://schemas.microsoft.com/office/drawing/2014/main" id="{05BD4947-CD6A-4430-AEB5-8CF5EA8AD516}"/>
-              </a:ext>
-            </a:extLst>
-          </p:cNvPr>
-          <p:cNvSpPr>
-            <a:spLocks noGrp="1"/>
-          </p:cNvSpPr>
-          <p:nvPr>
-            <p:ph type="ctrTitle"/>
-          </p:nvPr>
-        </p:nvSpPr>
-        <p:spPr>
-          <a:xfrm>
-            <a:off x="1524000" y="1122363"/>
-            <a:ext cx="9144000" cy="2387600"/>
-          </a:xfrm>
-        </p:spPr>
-        <p:txBody>
-          <a:bodyPr anchor="b"/>
-          <a:lstStyle>
-            <a:lvl1pPr algn="ctr">
-              <a:defRPr sz="6000"/>
-            </a:lvl1pPr>
-          </a:lstStyle>
-          <a:p>
-            <a:r>
-              <a:rPr lang="fr-FR"/>
-              <a:t>Modifiez le style du titre</a:t>
-            </a:r>
-            <a:endParaRPr lang="en-GB"/>
-          </a:p>
-        </p:txBody>
-      </p:sp>
-      <p:sp>
-        <p:nvSpPr>
-          <p:cNvPr id="3" name="Sous-titre 2">
-            <a:extLst>
-              <a:ext uri="{FF2B5EF4-FFF2-40B4-BE49-F238E27FC236}">
-                <a16:creationId xmlns:a16="http://schemas.microsoft.com/office/drawing/2014/main" id="{041B44D7-6C45-4E99-90E7-392917E2AF4A}"/>
-              </a:ext>
-            </a:extLst>
-          </p:cNvPr>
-          <p:cNvSpPr>
-            <a:spLocks noGrp="1"/>
-          </p:cNvSpPr>
-          <p:nvPr>
-            <p:ph type="subTitle" idx="1"/>
-          </p:nvPr>
-        </p:nvSpPr>
-        <p:spPr>
-          <a:xfrm>
-            <a:off x="1524000" y="3602038"/>
-            <a:ext cx="9144000" cy="1655762"/>
-          </a:xfrm>
-        </p:spPr>
+          <p:cNvPr id="2" name="Marcador de imagen de diapositiva 1"/>
+          <p:cNvSpPr>
+            <a:spLocks noGrp="1" noRot="1" noChangeAspect="1"/>
+          </p:cNvSpPr>
+          <p:nvPr>
+            <p:ph type="sldImg"/>
+          </p:nvPr>
+        </p:nvSpPr>
+        <p:spPr/>
+      </p:sp>
+      <p:sp>
+        <p:nvSpPr>
+          <p:cNvPr id="3" name="Marcador de notas 2"/>
+          <p:cNvSpPr>
+            <a:spLocks noGrp="1"/>
+          </p:cNvSpPr>
+          <p:nvPr>
+            <p:ph type="body" idx="1"/>
+          </p:nvPr>
+        </p:nvSpPr>
+        <p:spPr/>
         <p:txBody>
           <a:bodyPr/>
-          <a:lstStyle>
-            <a:lvl1pPr marL="0" indent="0" algn="ctr">
-              <a:buNone/>
-              <a:defRPr sz="2400"/>
-            </a:lvl1pPr>
-            <a:lvl2pPr marL="457200" indent="0" algn="ctr">
-              <a:buNone/>
-              <a:defRPr sz="2000"/>
-            </a:lvl2pPr>
-            <a:lvl3pPr marL="914400" indent="0" algn="ctr">
-              <a:buNone/>
-              <a:defRPr sz="1800"/>
-            </a:lvl3pPr>
-            <a:lvl4pPr marL="1371600" indent="0" algn="ctr">
-              <a:buNone/>
-              <a:defRPr sz="1600"/>
-            </a:lvl4pPr>
-            <a:lvl5pPr marL="1828800" indent="0" algn="ctr">
-              <a:buNone/>
-              <a:defRPr sz="1600"/>
-            </a:lvl5pPr>
-            <a:lvl6pPr marL="2286000" indent="0" algn="ctr">
-              <a:buNone/>
-              <a:defRPr sz="1600"/>
-            </a:lvl6pPr>
-            <a:lvl7pPr marL="2743200" indent="0" algn="ctr">
-              <a:buNone/>
-              <a:defRPr sz="1600"/>
-            </a:lvl7pPr>
-            <a:lvl8pPr marL="3200400" indent="0" algn="ctr">
-              <a:buNone/>
-              <a:defRPr sz="1600"/>
-            </a:lvl8pPr>
-            <a:lvl9pPr marL="3657600" indent="0" algn="ctr">
-              <a:buNone/>
-              <a:defRPr sz="1600"/>
-            </a:lvl9pPr>
-          </a:lstStyle>
-          <a:p>
-            <a:r>
-              <a:rPr lang="fr-FR"/>
-              <a:t>Modifiez le style des sous-titres du masque</a:t>
-            </a:r>
-            <a:endParaRPr lang="en-GB"/>
-          </a:p>
-        </p:txBody>
-      </p:sp>
-      <p:sp>
-        <p:nvSpPr>
-          <p:cNvPr id="4" name="Espace réservé de la date 3">
-            <a:extLst>
-              <a:ext uri="{FF2B5EF4-FFF2-40B4-BE49-F238E27FC236}">
-                <a16:creationId xmlns:a16="http://schemas.microsoft.com/office/drawing/2014/main" id="{22178C48-821D-4CCE-BC8B-5C80AD64AAAC}"/>
-              </a:ext>
-            </a:extLst>
-          </p:cNvPr>
-          <p:cNvSpPr>
-            <a:spLocks noGrp="1"/>
-          </p:cNvSpPr>
-          <p:nvPr>
-            <p:ph type="dt" sz="half" idx="10"/>
+          <a:lstStyle/>
+          <a:p>
+            <a:r>
+              <a:rPr lang="es-ES" dirty="0" err="1"/>
+              <a:t>Scatter</a:t>
+            </a:r>
+            <a:r>
+              <a:rPr lang="es-ES" dirty="0"/>
+              <a:t> Matrix :</a:t>
+            </a:r>
+            <a:r>
+              <a:rPr lang="en-US" dirty="0"/>
+              <a:t>A scatter matrix is a estimation of covariance matrix when covariance cannot be calculated or costly to calculate. The scatter matrix is also used in lot of dimensionality reduction exercises</a:t>
+            </a:r>
+          </a:p>
+          <a:p>
+            <a:endParaRPr lang="en-US" dirty="0"/>
+          </a:p>
+          <a:p>
+            <a:r>
+              <a:rPr lang="en-US" b="1" dirty="0"/>
+              <a:t>covariance</a:t>
+            </a:r>
+            <a:r>
+              <a:rPr lang="en-US" dirty="0"/>
+              <a:t> is a measure of the joint variability of two </a:t>
+            </a:r>
+            <a:r>
+              <a:rPr lang="en-US" dirty="0">
+                <a:hlinkClick r:id="rId3" tooltip="Random variable"/>
+              </a:rPr>
+              <a:t>random variables</a:t>
+            </a:r>
+            <a:r>
+              <a:rPr lang="en-US" dirty="0"/>
+              <a:t>.</a:t>
+            </a:r>
+            <a:r>
+              <a:rPr lang="en-US" baseline="30000" dirty="0">
+                <a:hlinkClick r:id="rId4"/>
+              </a:rPr>
+              <a:t>[1]</a:t>
+            </a:r>
+            <a:r>
+              <a:rPr lang="en-US" dirty="0"/>
+              <a:t> If the greater values of one variable mainly correspond with the greater values of the other variable, and the same holds for the lesser values, (i.e., the variables tend to show similar behavior), the covariance is positive.</a:t>
+            </a:r>
+          </a:p>
+        </p:txBody>
+      </p:sp>
+      <p:sp>
+        <p:nvSpPr>
+          <p:cNvPr id="4" name="Marcador de número de diapositiva 3"/>
+          <p:cNvSpPr>
+            <a:spLocks noGrp="1"/>
+          </p:cNvSpPr>
+          <p:nvPr>
+            <p:ph type="sldNum" sz="quarter" idx="5"/>
           </p:nvPr>
         </p:nvSpPr>
         <p:spPr/>
@@ -1261,63 +1226,9 @@
           <a:bodyPr/>
           <a:lstStyle/>
           <a:p>
-            <a:fld id="{5BDF422D-3A9D-4522-B8A8-3A175308D352}" type="datetimeFigureOut">
+            <a:fld id="{A660CF17-288A-40F6-BFE9-6E1180196A7F}" type="slidenum">
               <a:rPr lang="en-GB" smtClean="0"/>
-              <a:t>08/11/2020</a:t>
-            </a:fld>
-            <a:endParaRPr lang="en-GB"/>
-          </a:p>
-        </p:txBody>
-      </p:sp>
-      <p:sp>
-        <p:nvSpPr>
-          <p:cNvPr id="5" name="Espace réservé du pied de page 4">
-            <a:extLst>
-              <a:ext uri="{FF2B5EF4-FFF2-40B4-BE49-F238E27FC236}">
-                <a16:creationId xmlns:a16="http://schemas.microsoft.com/office/drawing/2014/main" id="{86407BAB-DC65-4942-ACA4-C47C43EB8BD8}"/>
-              </a:ext>
-            </a:extLst>
-          </p:cNvPr>
-          <p:cNvSpPr>
-            <a:spLocks noGrp="1"/>
-          </p:cNvSpPr>
-          <p:nvPr>
-            <p:ph type="ftr" sz="quarter" idx="11"/>
-          </p:nvPr>
-        </p:nvSpPr>
-        <p:spPr/>
-        <p:txBody>
-          <a:bodyPr/>
-          <a:lstStyle/>
-          <a:p>
-            <a:endParaRPr lang="en-GB"/>
-          </a:p>
-        </p:txBody>
-      </p:sp>
-      <p:sp>
-        <p:nvSpPr>
-          <p:cNvPr id="6" name="Espace réservé du numéro de diapositive 5">
-            <a:extLst>
-              <a:ext uri="{FF2B5EF4-FFF2-40B4-BE49-F238E27FC236}">
-                <a16:creationId xmlns:a16="http://schemas.microsoft.com/office/drawing/2014/main" id="{3B3C2771-9A0A-4B0D-9673-A99BB7128EE6}"/>
-              </a:ext>
-            </a:extLst>
-          </p:cNvPr>
-          <p:cNvSpPr>
-            <a:spLocks noGrp="1"/>
-          </p:cNvSpPr>
-          <p:nvPr>
-            <p:ph type="sldNum" sz="quarter" idx="12"/>
-          </p:nvPr>
-        </p:nvSpPr>
-        <p:spPr/>
-        <p:txBody>
-          <a:bodyPr/>
-          <a:lstStyle/>
-          <a:p>
-            <a:fld id="{72EF6A0C-AC1E-4942-ADEA-CE8CB825CBDD}" type="slidenum">
-              <a:rPr lang="en-GB" smtClean="0"/>
-              <a:t>‹N°›</a:t>
+              <a:t>13</a:t>
             </a:fld>
             <a:endParaRPr lang="en-GB"/>
           </a:p>
@@ -1326,19 +1237,19 @@
     </p:spTree>
     <p:extLst>
       <p:ext uri="{BB962C8B-B14F-4D97-AF65-F5344CB8AC3E}">
-        <p14:creationId xmlns:p14="http://schemas.microsoft.com/office/powerpoint/2010/main" val="740321234"/>
+        <p14:creationId xmlns:p14="http://schemas.microsoft.com/office/powerpoint/2010/main" val="3987914939"/>
       </p:ext>
     </p:extLst>
   </p:cSld>
   <p:clrMapOvr>
     <a:masterClrMapping/>
   </p:clrMapOvr>
-</p:sldLayout>
+</p:notes>
 </file>
 
-<file path=ppt/slideLayouts/slideLayout10.xml><?xml version="1.0" encoding="utf-8"?>
-<p:sldLayout xmlns:a="http://schemas.openxmlformats.org/drawingml/2006/main" xmlns:r="http://schemas.openxmlformats.org/officeDocument/2006/relationships" xmlns:p="http://schemas.openxmlformats.org/presentationml/2006/main" type="vertTx" preserve="1">
-  <p:cSld name="Titre et texte vertical">
+<file path=ppt/slideLayouts/slideLayout1.xml><?xml version="1.0" encoding="utf-8"?>
+<p:sldLayout xmlns:a="http://schemas.openxmlformats.org/drawingml/2006/main" xmlns:r="http://schemas.openxmlformats.org/officeDocument/2006/relationships" xmlns:p="http://schemas.openxmlformats.org/presentationml/2006/main" type="title" preserve="1">
+  <p:cSld name="Diapositiva de título">
     <p:spTree>
       <p:nvGrpSpPr>
         <p:cNvPr id="1" name=""/>
@@ -1355,100 +1266,158 @@
       </p:grpSpPr>
       <p:sp>
         <p:nvSpPr>
-          <p:cNvPr id="2" name="Titre 1">
-            <a:extLst>
-              <a:ext uri="{FF2B5EF4-FFF2-40B4-BE49-F238E27FC236}">
-                <a16:creationId xmlns:a16="http://schemas.microsoft.com/office/drawing/2014/main" id="{D9F8F5FD-BCCB-4243-B2F4-504AC247937E}"/>
-              </a:ext>
-            </a:extLst>
-          </p:cNvPr>
-          <p:cNvSpPr>
-            <a:spLocks noGrp="1"/>
-          </p:cNvSpPr>
-          <p:nvPr>
-            <p:ph type="title"/>
-          </p:nvPr>
-        </p:nvSpPr>
-        <p:spPr/>
-        <p:txBody>
-          <a:bodyPr/>
-          <a:lstStyle/>
-          <a:p>
-            <a:r>
-              <a:rPr lang="fr-FR"/>
-              <a:t>Modifiez le style du titre</a:t>
-            </a:r>
-            <a:endParaRPr lang="en-GB"/>
-          </a:p>
-        </p:txBody>
-      </p:sp>
-      <p:sp>
-        <p:nvSpPr>
-          <p:cNvPr id="3" name="Espace réservé du texte vertical 2">
-            <a:extLst>
-              <a:ext uri="{FF2B5EF4-FFF2-40B4-BE49-F238E27FC236}">
-                <a16:creationId xmlns:a16="http://schemas.microsoft.com/office/drawing/2014/main" id="{21F6DF2A-3B1D-416E-95E6-A1DBE4F82F79}"/>
-              </a:ext>
-            </a:extLst>
-          </p:cNvPr>
-          <p:cNvSpPr>
-            <a:spLocks noGrp="1"/>
-          </p:cNvSpPr>
-          <p:nvPr>
-            <p:ph type="body" orient="vert" idx="1"/>
-          </p:nvPr>
-        </p:nvSpPr>
-        <p:spPr/>
-        <p:txBody>
-          <a:bodyPr vert="eaVert"/>
-          <a:lstStyle/>
-          <a:p>
-            <a:pPr lvl="0"/>
-            <a:r>
-              <a:rPr lang="fr-FR"/>
-              <a:t>Cliquez pour modifier les styles du texte du masque</a:t>
-            </a:r>
-          </a:p>
-          <a:p>
-            <a:pPr lvl="1"/>
-            <a:r>
-              <a:rPr lang="fr-FR"/>
-              <a:t>Deuxième niveau</a:t>
-            </a:r>
-          </a:p>
-          <a:p>
-            <a:pPr lvl="2"/>
-            <a:r>
-              <a:rPr lang="fr-FR"/>
-              <a:t>Troisième niveau</a:t>
-            </a:r>
-          </a:p>
-          <a:p>
-            <a:pPr lvl="3"/>
-            <a:r>
-              <a:rPr lang="fr-FR"/>
-              <a:t>Quatrième niveau</a:t>
-            </a:r>
-          </a:p>
-          <a:p>
-            <a:pPr lvl="4"/>
-            <a:r>
-              <a:rPr lang="fr-FR"/>
-              <a:t>Cinquième niveau</a:t>
-            </a:r>
-            <a:endParaRPr lang="en-GB"/>
-          </a:p>
-        </p:txBody>
-      </p:sp>
-      <p:sp>
-        <p:nvSpPr>
-          <p:cNvPr id="4" name="Espace réservé de la date 3">
-            <a:extLst>
-              <a:ext uri="{FF2B5EF4-FFF2-40B4-BE49-F238E27FC236}">
-                <a16:creationId xmlns:a16="http://schemas.microsoft.com/office/drawing/2014/main" id="{8EC2BA41-C83B-4353-95E8-9E36222676AB}"/>
-              </a:ext>
-            </a:extLst>
-          </p:cNvPr>
+          <p:cNvPr id="2" name="Title 1"/>
+          <p:cNvSpPr>
+            <a:spLocks noGrp="1"/>
+          </p:cNvSpPr>
+          <p:nvPr>
+            <p:ph type="ctrTitle"/>
+          </p:nvPr>
+        </p:nvSpPr>
+        <p:spPr>
+          <a:xfrm>
+            <a:off x="1370693" y="1769540"/>
+            <a:ext cx="9440034" cy="1828801"/>
+          </a:xfrm>
+        </p:spPr>
+        <p:txBody>
+          <a:bodyPr anchor="b">
+            <a:normAutofit/>
+          </a:bodyPr>
+          <a:lstStyle>
+            <a:lvl1pPr algn="ctr">
+              <a:defRPr sz="5400"/>
+            </a:lvl1pPr>
+          </a:lstStyle>
+          <a:p>
+            <a:r>
+              <a:rPr lang="es-ES"/>
+              <a:t>Haga clic para modificar el estilo de título del patrón</a:t>
+            </a:r>
+            <a:endParaRPr lang="en-US" dirty="0"/>
+          </a:p>
+        </p:txBody>
+      </p:sp>
+      <p:sp>
+        <p:nvSpPr>
+          <p:cNvPr id="3" name="Subtitle 2"/>
+          <p:cNvSpPr>
+            <a:spLocks noGrp="1"/>
+          </p:cNvSpPr>
+          <p:nvPr>
+            <p:ph type="subTitle" idx="1"/>
+          </p:nvPr>
+        </p:nvSpPr>
+        <p:spPr>
+          <a:xfrm>
+            <a:off x="1370693" y="3598339"/>
+            <a:ext cx="9440034" cy="1049867"/>
+          </a:xfrm>
+        </p:spPr>
+        <p:txBody>
+          <a:bodyPr anchor="t"/>
+          <a:lstStyle>
+            <a:lvl1pPr marL="0" indent="0" algn="ctr">
+              <a:buNone/>
+              <a:defRPr>
+                <a:solidFill>
+                  <a:schemeClr val="tx1"/>
+                </a:solidFill>
+              </a:defRPr>
+            </a:lvl1pPr>
+            <a:lvl2pPr marL="457200" indent="0" algn="ctr">
+              <a:buNone/>
+              <a:defRPr>
+                <a:solidFill>
+                  <a:schemeClr val="tx1">
+                    <a:tint val="75000"/>
+                  </a:schemeClr>
+                </a:solidFill>
+              </a:defRPr>
+            </a:lvl2pPr>
+            <a:lvl3pPr marL="914400" indent="0" algn="ctr">
+              <a:buNone/>
+              <a:defRPr>
+                <a:solidFill>
+                  <a:schemeClr val="tx1">
+                    <a:tint val="75000"/>
+                  </a:schemeClr>
+                </a:solidFill>
+              </a:defRPr>
+            </a:lvl3pPr>
+            <a:lvl4pPr marL="1371600" indent="0" algn="ctr">
+              <a:buNone/>
+              <a:defRPr>
+                <a:solidFill>
+                  <a:schemeClr val="tx1">
+                    <a:tint val="75000"/>
+                  </a:schemeClr>
+                </a:solidFill>
+              </a:defRPr>
+            </a:lvl4pPr>
+            <a:lvl5pPr marL="1828800" indent="0" algn="ctr">
+              <a:buNone/>
+              <a:defRPr>
+                <a:solidFill>
+                  <a:schemeClr val="tx1">
+                    <a:tint val="75000"/>
+                  </a:schemeClr>
+                </a:solidFill>
+              </a:defRPr>
+            </a:lvl5pPr>
+            <a:lvl6pPr marL="2286000" indent="0" algn="ctr">
+              <a:buNone/>
+              <a:defRPr>
+                <a:solidFill>
+                  <a:schemeClr val="tx1">
+                    <a:tint val="75000"/>
+                  </a:schemeClr>
+                </a:solidFill>
+              </a:defRPr>
+            </a:lvl6pPr>
+            <a:lvl7pPr marL="2743200" indent="0" algn="ctr">
+              <a:buNone/>
+              <a:defRPr>
+                <a:solidFill>
+                  <a:schemeClr val="tx1">
+                    <a:tint val="75000"/>
+                  </a:schemeClr>
+                </a:solidFill>
+              </a:defRPr>
+            </a:lvl7pPr>
+            <a:lvl8pPr marL="3200400" indent="0" algn="ctr">
+              <a:buNone/>
+              <a:defRPr>
+                <a:solidFill>
+                  <a:schemeClr val="tx1">
+                    <a:tint val="75000"/>
+                  </a:schemeClr>
+                </a:solidFill>
+              </a:defRPr>
+            </a:lvl8pPr>
+            <a:lvl9pPr marL="3657600" indent="0" algn="ctr">
+              <a:buNone/>
+              <a:defRPr>
+                <a:solidFill>
+                  <a:schemeClr val="tx1">
+                    <a:tint val="75000"/>
+                  </a:schemeClr>
+                </a:solidFill>
+              </a:defRPr>
+            </a:lvl9pPr>
+          </a:lstStyle>
+          <a:p>
+            <a:r>
+              <a:rPr lang="es-ES"/>
+              <a:t>Haga clic para modificar el estilo de subtítulo del patrón</a:t>
+            </a:r>
+            <a:endParaRPr lang="en-US" dirty="0"/>
+          </a:p>
+        </p:txBody>
+      </p:sp>
+      <p:sp>
+        <p:nvSpPr>
+          <p:cNvPr id="4" name="Date Placeholder 3"/>
           <p:cNvSpPr>
             <a:spLocks noGrp="1"/>
           </p:cNvSpPr>
@@ -1463,7 +1432,7 @@
           <a:p>
             <a:fld id="{5BDF422D-3A9D-4522-B8A8-3A175308D352}" type="datetimeFigureOut">
               <a:rPr lang="en-GB" smtClean="0"/>
-              <a:t>08/11/2020</a:t>
+              <a:t>09/11/2020</a:t>
             </a:fld>
             <a:endParaRPr lang="en-GB"/>
           </a:p>
@@ -1471,13 +1440,7 @@
       </p:sp>
       <p:sp>
         <p:nvSpPr>
-          <p:cNvPr id="5" name="Espace réservé du pied de page 4">
-            <a:extLst>
-              <a:ext uri="{FF2B5EF4-FFF2-40B4-BE49-F238E27FC236}">
-                <a16:creationId xmlns:a16="http://schemas.microsoft.com/office/drawing/2014/main" id="{9B4CA30D-D3BA-43AA-97EC-7003079F56BF}"/>
-              </a:ext>
-            </a:extLst>
-          </p:cNvPr>
+          <p:cNvPr id="5" name="Footer Placeholder 4"/>
           <p:cNvSpPr>
             <a:spLocks noGrp="1"/>
           </p:cNvSpPr>
@@ -1496,13 +1459,7 @@
       </p:sp>
       <p:sp>
         <p:nvSpPr>
-          <p:cNvPr id="6" name="Espace réservé du numéro de diapositive 5">
-            <a:extLst>
-              <a:ext uri="{FF2B5EF4-FFF2-40B4-BE49-F238E27FC236}">
-                <a16:creationId xmlns:a16="http://schemas.microsoft.com/office/drawing/2014/main" id="{087A6D6A-0DD9-4150-9BDE-CA3175D35AEA}"/>
-              </a:ext>
-            </a:extLst>
-          </p:cNvPr>
+          <p:cNvPr id="6" name="Slide Number Placeholder 5"/>
           <p:cNvSpPr>
             <a:spLocks noGrp="1"/>
           </p:cNvSpPr>
@@ -1517,7 +1474,7 @@
           <a:p>
             <a:fld id="{72EF6A0C-AC1E-4942-ADEA-CE8CB825CBDD}" type="slidenum">
               <a:rPr lang="en-GB" smtClean="0"/>
-              <a:t>‹N°›</a:t>
+              <a:t>‹Nº›</a:t>
             </a:fld>
             <a:endParaRPr lang="en-GB"/>
           </a:p>
@@ -1526,7 +1483,7 @@
     </p:spTree>
     <p:extLst>
       <p:ext uri="{BB962C8B-B14F-4D97-AF65-F5344CB8AC3E}">
-        <p14:creationId xmlns:p14="http://schemas.microsoft.com/office/powerpoint/2010/main" val="744753818"/>
+        <p14:creationId xmlns:p14="http://schemas.microsoft.com/office/powerpoint/2010/main" val="4259077687"/>
       </p:ext>
     </p:extLst>
   </p:cSld>
@@ -1536,9 +1493,9 @@
 </p:sldLayout>
 </file>
 
-<file path=ppt/slideLayouts/slideLayout11.xml><?xml version="1.0" encoding="utf-8"?>
-<p:sldLayout xmlns:a="http://schemas.openxmlformats.org/drawingml/2006/main" xmlns:r="http://schemas.openxmlformats.org/officeDocument/2006/relationships" xmlns:p="http://schemas.openxmlformats.org/presentationml/2006/main" type="vertTitleAndTx" preserve="1">
-  <p:cSld name="Titre vertical et texte">
+<file path=ppt/slideLayouts/slideLayout10.xml><?xml version="1.0" encoding="utf-8"?>
+<p:sldLayout xmlns:a="http://schemas.openxmlformats.org/drawingml/2006/main" xmlns:r="http://schemas.openxmlformats.org/officeDocument/2006/relationships" xmlns:p="http://schemas.openxmlformats.org/presentationml/2006/main" preserve="1">
+  <p:cSld name="Imagen panorámica con descripción">
     <p:spTree>
       <p:nvGrpSpPr>
         <p:cNvPr id="1" name=""/>
@@ -1553,112 +1510,212 @@
           <a:chExt cx="0" cy="0"/>
         </a:xfrm>
       </p:grpSpPr>
-      <p:sp>
-        <p:nvSpPr>
-          <p:cNvPr id="2" name="Titre vertical 1">
+      <p:pic>
+        <p:nvPicPr>
+          <p:cNvPr id="16" name="Picture 15" descr="Slate-V2-HD-panoPhotoInset.png"/>
+          <p:cNvPicPr>
+            <a:picLocks noChangeAspect="1"/>
+          </p:cNvPicPr>
+          <p:nvPr/>
+        </p:nvPicPr>
+        <p:blipFill>
+          <a:blip r:embed="rId2">
             <a:extLst>
-              <a:ext uri="{FF2B5EF4-FFF2-40B4-BE49-F238E27FC236}">
-                <a16:creationId xmlns:a16="http://schemas.microsoft.com/office/drawing/2014/main" id="{0E577E71-DF32-42ED-9F36-C652734446B6}"/>
+              <a:ext uri="{28A0092B-C50C-407E-A947-70E740481C1C}">
+                <a14:useLocalDpi xmlns:a14="http://schemas.microsoft.com/office/drawing/2010/main" val="0"/>
               </a:ext>
             </a:extLst>
-          </p:cNvPr>
-          <p:cNvSpPr>
-            <a:spLocks noGrp="1"/>
-          </p:cNvSpPr>
-          <p:nvPr>
-            <p:ph type="title" orient="vert"/>
-          </p:nvPr>
-        </p:nvSpPr>
+          </a:blip>
+          <a:stretch>
+            <a:fillRect/>
+          </a:stretch>
+        </p:blipFill>
         <p:spPr>
           <a:xfrm>
-            <a:off x="8724900" y="365125"/>
-            <a:ext cx="2628900" cy="5811838"/>
+            <a:off x="1013883" y="547807"/>
+            <a:ext cx="10141799" cy="3816806"/>
+          </a:xfrm>
+          <a:prstGeom prst="rect">
+            <a:avLst/>
+          </a:prstGeom>
+        </p:spPr>
+      </p:pic>
+      <p:sp>
+        <p:nvSpPr>
+          <p:cNvPr id="2" name="Title 1"/>
+          <p:cNvSpPr>
+            <a:spLocks noGrp="1"/>
+          </p:cNvSpPr>
+          <p:nvPr>
+            <p:ph type="title"/>
+          </p:nvPr>
+        </p:nvSpPr>
+        <p:spPr>
+          <a:xfrm>
+            <a:off x="913806" y="4565255"/>
+            <a:ext cx="10355326" cy="543472"/>
           </a:xfrm>
         </p:spPr>
         <p:txBody>
-          <a:bodyPr vert="eaVert"/>
-          <a:lstStyle/>
-          <a:p>
-            <a:r>
-              <a:rPr lang="fr-FR"/>
-              <a:t>Modifiez le style du titre</a:t>
-            </a:r>
-            <a:endParaRPr lang="en-GB"/>
-          </a:p>
-        </p:txBody>
-      </p:sp>
-      <p:sp>
-        <p:nvSpPr>
-          <p:cNvPr id="3" name="Espace réservé du texte vertical 2">
-            <a:extLst>
-              <a:ext uri="{FF2B5EF4-FFF2-40B4-BE49-F238E27FC236}">
-                <a16:creationId xmlns:a16="http://schemas.microsoft.com/office/drawing/2014/main" id="{AF4EA6D2-16F3-49CB-99B3-36500F7EF858}"/>
-              </a:ext>
-            </a:extLst>
-          </p:cNvPr>
-          <p:cNvSpPr>
-            <a:spLocks noGrp="1"/>
-          </p:cNvSpPr>
-          <p:nvPr>
-            <p:ph type="body" orient="vert" idx="1"/>
+          <a:bodyPr anchor="b">
+            <a:normAutofit/>
+          </a:bodyPr>
+          <a:lstStyle>
+            <a:lvl1pPr algn="ctr">
+              <a:defRPr sz="2800"/>
+            </a:lvl1pPr>
+          </a:lstStyle>
+          <a:p>
+            <a:r>
+              <a:rPr lang="es-ES"/>
+              <a:t>Haga clic para modificar el estilo de título del patrón</a:t>
+            </a:r>
+            <a:endParaRPr lang="en-US" dirty="0"/>
+          </a:p>
+        </p:txBody>
+      </p:sp>
+      <p:sp>
+        <p:nvSpPr>
+          <p:cNvPr id="3" name="Picture Placeholder 2"/>
+          <p:cNvSpPr>
+            <a:spLocks noGrp="1" noChangeAspect="1"/>
+          </p:cNvSpPr>
+          <p:nvPr>
+            <p:ph type="pic" idx="1"/>
           </p:nvPr>
         </p:nvSpPr>
         <p:spPr>
           <a:xfrm>
-            <a:off x="838200" y="365125"/>
-            <a:ext cx="7734300" cy="5811838"/>
+            <a:off x="1169349" y="695009"/>
+            <a:ext cx="9845346" cy="3525671"/>
+          </a:xfrm>
+          <a:effectLst>
+            <a:outerShdw blurRad="38100" dist="25400" dir="4440000">
+              <a:srgbClr val="000000">
+                <a:alpha val="36000"/>
+              </a:srgbClr>
+            </a:outerShdw>
+          </a:effectLst>
+        </p:spPr>
+        <p:txBody>
+          <a:bodyPr anchor="t">
+            <a:normAutofit/>
+          </a:bodyPr>
+          <a:lstStyle>
+            <a:lvl1pPr marL="0" indent="0" algn="ctr">
+              <a:buNone/>
+              <a:defRPr sz="2000"/>
+            </a:lvl1pPr>
+            <a:lvl2pPr marL="457200" indent="0">
+              <a:buNone/>
+              <a:defRPr sz="2000"/>
+            </a:lvl2pPr>
+            <a:lvl3pPr marL="914400" indent="0">
+              <a:buNone/>
+              <a:defRPr sz="2000"/>
+            </a:lvl3pPr>
+            <a:lvl4pPr marL="1371600" indent="0">
+              <a:buNone/>
+              <a:defRPr sz="2000"/>
+            </a:lvl4pPr>
+            <a:lvl5pPr marL="1828800" indent="0">
+              <a:buNone/>
+              <a:defRPr sz="2000"/>
+            </a:lvl5pPr>
+            <a:lvl6pPr marL="2286000" indent="0">
+              <a:buNone/>
+              <a:defRPr sz="2000"/>
+            </a:lvl6pPr>
+            <a:lvl7pPr marL="2743200" indent="0">
+              <a:buNone/>
+              <a:defRPr sz="2000"/>
+            </a:lvl7pPr>
+            <a:lvl8pPr marL="3200400" indent="0">
+              <a:buNone/>
+              <a:defRPr sz="2000"/>
+            </a:lvl8pPr>
+            <a:lvl9pPr marL="3657600" indent="0">
+              <a:buNone/>
+              <a:defRPr sz="2000"/>
+            </a:lvl9pPr>
+          </a:lstStyle>
+          <a:p>
+            <a:r>
+              <a:rPr lang="es-ES"/>
+              <a:t>Haga clic en el icono para agregar una imagen</a:t>
+            </a:r>
+            <a:endParaRPr lang="en-US" dirty="0"/>
+          </a:p>
+        </p:txBody>
+      </p:sp>
+      <p:sp>
+        <p:nvSpPr>
+          <p:cNvPr id="4" name="Text Placeholder 3"/>
+          <p:cNvSpPr>
+            <a:spLocks noGrp="1"/>
+          </p:cNvSpPr>
+          <p:nvPr>
+            <p:ph type="body" sz="half" idx="2"/>
+          </p:nvPr>
+        </p:nvSpPr>
+        <p:spPr>
+          <a:xfrm>
+            <a:off x="913795" y="5108728"/>
+            <a:ext cx="10353762" cy="682472"/>
           </a:xfrm>
         </p:spPr>
         <p:txBody>
-          <a:bodyPr vert="eaVert"/>
-          <a:lstStyle/>
+          <a:bodyPr anchor="t"/>
+          <a:lstStyle>
+            <a:lvl1pPr marL="0" indent="0" algn="ctr">
+              <a:buNone/>
+              <a:defRPr sz="1600"/>
+            </a:lvl1pPr>
+            <a:lvl2pPr marL="457200" indent="0">
+              <a:buNone/>
+              <a:defRPr sz="1400"/>
+            </a:lvl2pPr>
+            <a:lvl3pPr marL="914400" indent="0">
+              <a:buNone/>
+              <a:defRPr sz="1200"/>
+            </a:lvl3pPr>
+            <a:lvl4pPr marL="1371600" indent="0">
+              <a:buNone/>
+              <a:defRPr sz="1000"/>
+            </a:lvl4pPr>
+            <a:lvl5pPr marL="1828800" indent="0">
+              <a:buNone/>
+              <a:defRPr sz="1000"/>
+            </a:lvl5pPr>
+            <a:lvl6pPr marL="2286000" indent="0">
+              <a:buNone/>
+              <a:defRPr sz="1000"/>
+            </a:lvl6pPr>
+            <a:lvl7pPr marL="2743200" indent="0">
+              <a:buNone/>
+              <a:defRPr sz="1000"/>
+            </a:lvl7pPr>
+            <a:lvl8pPr marL="3200400" indent="0">
+              <a:buNone/>
+              <a:defRPr sz="1000"/>
+            </a:lvl8pPr>
+            <a:lvl9pPr marL="3657600" indent="0">
+              <a:buNone/>
+              <a:defRPr sz="1000"/>
+            </a:lvl9pPr>
+          </a:lstStyle>
           <a:p>
             <a:pPr lvl="0"/>
             <a:r>
-              <a:rPr lang="fr-FR"/>
-              <a:t>Cliquez pour modifier les styles du texte du masque</a:t>
-            </a:r>
-          </a:p>
-          <a:p>
-            <a:pPr lvl="1"/>
-            <a:r>
-              <a:rPr lang="fr-FR"/>
-              <a:t>Deuxième niveau</a:t>
-            </a:r>
-          </a:p>
-          <a:p>
-            <a:pPr lvl="2"/>
-            <a:r>
-              <a:rPr lang="fr-FR"/>
-              <a:t>Troisième niveau</a:t>
-            </a:r>
-          </a:p>
-          <a:p>
-            <a:pPr lvl="3"/>
-            <a:r>
-              <a:rPr lang="fr-FR"/>
-              <a:t>Quatrième niveau</a:t>
-            </a:r>
-          </a:p>
-          <a:p>
-            <a:pPr lvl="4"/>
-            <a:r>
-              <a:rPr lang="fr-FR"/>
-              <a:t>Cinquième niveau</a:t>
-            </a:r>
-            <a:endParaRPr lang="en-GB"/>
-          </a:p>
-        </p:txBody>
-      </p:sp>
-      <p:sp>
-        <p:nvSpPr>
-          <p:cNvPr id="4" name="Espace réservé de la date 3">
-            <a:extLst>
-              <a:ext uri="{FF2B5EF4-FFF2-40B4-BE49-F238E27FC236}">
-                <a16:creationId xmlns:a16="http://schemas.microsoft.com/office/drawing/2014/main" id="{B9F597B2-74C7-4057-9D7F-90CD1F3F17D7}"/>
-              </a:ext>
-            </a:extLst>
-          </p:cNvPr>
+              <a:rPr lang="es-ES"/>
+              <a:t>Haga clic para modificar los estilos de texto del patrón</a:t>
+            </a:r>
+          </a:p>
+        </p:txBody>
+      </p:sp>
+      <p:sp>
+        <p:nvSpPr>
+          <p:cNvPr id="5" name="Date Placeholder 4"/>
           <p:cNvSpPr>
             <a:spLocks noGrp="1"/>
           </p:cNvSpPr>
@@ -1673,7 +1730,7 @@
           <a:p>
             <a:fld id="{5BDF422D-3A9D-4522-B8A8-3A175308D352}" type="datetimeFigureOut">
               <a:rPr lang="en-GB" smtClean="0"/>
-              <a:t>08/11/2020</a:t>
+              <a:t>09/11/2020</a:t>
             </a:fld>
             <a:endParaRPr lang="en-GB"/>
           </a:p>
@@ -1681,13 +1738,7 @@
       </p:sp>
       <p:sp>
         <p:nvSpPr>
-          <p:cNvPr id="5" name="Espace réservé du pied de page 4">
-            <a:extLst>
-              <a:ext uri="{FF2B5EF4-FFF2-40B4-BE49-F238E27FC236}">
-                <a16:creationId xmlns:a16="http://schemas.microsoft.com/office/drawing/2014/main" id="{B16B6ADA-B76C-484B-A37D-395725AB68B8}"/>
-              </a:ext>
-            </a:extLst>
-          </p:cNvPr>
+          <p:cNvPr id="6" name="Footer Placeholder 5"/>
           <p:cNvSpPr>
             <a:spLocks noGrp="1"/>
           </p:cNvSpPr>
@@ -1706,13 +1757,7 @@
       </p:sp>
       <p:sp>
         <p:nvSpPr>
-          <p:cNvPr id="6" name="Espace réservé du numéro de diapositive 5">
-            <a:extLst>
-              <a:ext uri="{FF2B5EF4-FFF2-40B4-BE49-F238E27FC236}">
-                <a16:creationId xmlns:a16="http://schemas.microsoft.com/office/drawing/2014/main" id="{379DFC49-ED0B-4BAA-8A36-E2C778E34395}"/>
-              </a:ext>
-            </a:extLst>
-          </p:cNvPr>
+          <p:cNvPr id="7" name="Slide Number Placeholder 6"/>
           <p:cNvSpPr>
             <a:spLocks noGrp="1"/>
           </p:cNvSpPr>
@@ -1727,7 +1772,7 @@
           <a:p>
             <a:fld id="{72EF6A0C-AC1E-4942-ADEA-CE8CB825CBDD}" type="slidenum">
               <a:rPr lang="en-GB" smtClean="0"/>
-              <a:t>‹N°›</a:t>
+              <a:t>‹Nº›</a:t>
             </a:fld>
             <a:endParaRPr lang="en-GB"/>
           </a:p>
@@ -1736,7 +1781,7 @@
     </p:spTree>
     <p:extLst>
       <p:ext uri="{BB962C8B-B14F-4D97-AF65-F5344CB8AC3E}">
-        <p14:creationId xmlns:p14="http://schemas.microsoft.com/office/powerpoint/2010/main" val="3210965567"/>
+        <p14:creationId xmlns:p14="http://schemas.microsoft.com/office/powerpoint/2010/main" val="622722899"/>
       </p:ext>
     </p:extLst>
   </p:cSld>
@@ -1746,9 +1791,9 @@
 </p:sldLayout>
 </file>
 
-<file path=ppt/slideLayouts/slideLayout2.xml><?xml version="1.0" encoding="utf-8"?>
-<p:sldLayout xmlns:a="http://schemas.openxmlformats.org/drawingml/2006/main" xmlns:r="http://schemas.openxmlformats.org/officeDocument/2006/relationships" xmlns:p="http://schemas.openxmlformats.org/presentationml/2006/main" type="obj" preserve="1">
-  <p:cSld name="Titre et contenu">
+<file path=ppt/slideLayouts/slideLayout11.xml><?xml version="1.0" encoding="utf-8"?>
+<p:sldLayout xmlns:a="http://schemas.openxmlformats.org/drawingml/2006/main" xmlns:r="http://schemas.openxmlformats.org/officeDocument/2006/relationships" xmlns:p="http://schemas.openxmlformats.org/presentationml/2006/main" preserve="1">
+  <p:cSld name="Título y descripción">
     <p:spTree>
       <p:nvGrpSpPr>
         <p:cNvPr id="1" name=""/>
@@ -1765,13 +1810,7 @@
       </p:grpSpPr>
       <p:sp>
         <p:nvSpPr>
-          <p:cNvPr id="2" name="Titre 1">
-            <a:extLst>
-              <a:ext uri="{FF2B5EF4-FFF2-40B4-BE49-F238E27FC236}">
-                <a16:creationId xmlns:a16="http://schemas.microsoft.com/office/drawing/2014/main" id="{FBF54934-ABFF-4E08-9A8B-2BF654E1EB0A}"/>
-              </a:ext>
-            </a:extLst>
-          </p:cNvPr>
+          <p:cNvPr id="2" name="Title 1"/>
           <p:cNvSpPr>
             <a:spLocks noGrp="1"/>
           </p:cNvSpPr>
@@ -1779,86 +1818,96 @@
             <p:ph type="title"/>
           </p:nvPr>
         </p:nvSpPr>
-        <p:spPr/>
-        <p:txBody>
-          <a:bodyPr/>
-          <a:lstStyle/>
-          <a:p>
-            <a:r>
-              <a:rPr lang="fr-FR"/>
-              <a:t>Modifiez le style du titre</a:t>
-            </a:r>
-            <a:endParaRPr lang="en-GB"/>
-          </a:p>
-        </p:txBody>
-      </p:sp>
-      <p:sp>
-        <p:nvSpPr>
-          <p:cNvPr id="3" name="Espace réservé du contenu 2">
-            <a:extLst>
-              <a:ext uri="{FF2B5EF4-FFF2-40B4-BE49-F238E27FC236}">
-                <a16:creationId xmlns:a16="http://schemas.microsoft.com/office/drawing/2014/main" id="{068949A8-BC0B-43BE-ADC7-7B5FD7929042}"/>
-              </a:ext>
-            </a:extLst>
-          </p:cNvPr>
-          <p:cNvSpPr>
-            <a:spLocks noGrp="1"/>
-          </p:cNvSpPr>
-          <p:nvPr>
-            <p:ph idx="1"/>
-          </p:nvPr>
-        </p:nvSpPr>
-        <p:spPr/>
-        <p:txBody>
-          <a:bodyPr/>
-          <a:lstStyle/>
+        <p:spPr>
+          <a:xfrm>
+            <a:off x="913795" y="608437"/>
+            <a:ext cx="10353762" cy="3534344"/>
+          </a:xfrm>
+        </p:spPr>
+        <p:txBody>
+          <a:bodyPr anchor="ctr"/>
+          <a:lstStyle>
+            <a:lvl1pPr>
+              <a:defRPr sz="3200"/>
+            </a:lvl1pPr>
+          </a:lstStyle>
+          <a:p>
+            <a:r>
+              <a:rPr lang="es-ES"/>
+              <a:t>Haga clic para modificar el estilo de título del patrón</a:t>
+            </a:r>
+            <a:endParaRPr lang="en-US" dirty="0"/>
+          </a:p>
+        </p:txBody>
+      </p:sp>
+      <p:sp>
+        <p:nvSpPr>
+          <p:cNvPr id="4" name="Text Placeholder 3"/>
+          <p:cNvSpPr>
+            <a:spLocks noGrp="1"/>
+          </p:cNvSpPr>
+          <p:nvPr>
+            <p:ph type="body" sz="half" idx="2"/>
+          </p:nvPr>
+        </p:nvSpPr>
+        <p:spPr>
+          <a:xfrm>
+            <a:off x="913794" y="4295180"/>
+            <a:ext cx="10353763" cy="1501826"/>
+          </a:xfrm>
+        </p:spPr>
+        <p:txBody>
+          <a:bodyPr anchor="ctr"/>
+          <a:lstStyle>
+            <a:lvl1pPr marL="0" indent="0" algn="ctr">
+              <a:buNone/>
+              <a:defRPr sz="1600"/>
+            </a:lvl1pPr>
+            <a:lvl2pPr marL="457200" indent="0">
+              <a:buNone/>
+              <a:defRPr sz="1400"/>
+            </a:lvl2pPr>
+            <a:lvl3pPr marL="914400" indent="0">
+              <a:buNone/>
+              <a:defRPr sz="1200"/>
+            </a:lvl3pPr>
+            <a:lvl4pPr marL="1371600" indent="0">
+              <a:buNone/>
+              <a:defRPr sz="1000"/>
+            </a:lvl4pPr>
+            <a:lvl5pPr marL="1828800" indent="0">
+              <a:buNone/>
+              <a:defRPr sz="1000"/>
+            </a:lvl5pPr>
+            <a:lvl6pPr marL="2286000" indent="0">
+              <a:buNone/>
+              <a:defRPr sz="1000"/>
+            </a:lvl6pPr>
+            <a:lvl7pPr marL="2743200" indent="0">
+              <a:buNone/>
+              <a:defRPr sz="1000"/>
+            </a:lvl7pPr>
+            <a:lvl8pPr marL="3200400" indent="0">
+              <a:buNone/>
+              <a:defRPr sz="1000"/>
+            </a:lvl8pPr>
+            <a:lvl9pPr marL="3657600" indent="0">
+              <a:buNone/>
+              <a:defRPr sz="1000"/>
+            </a:lvl9pPr>
+          </a:lstStyle>
           <a:p>
             <a:pPr lvl="0"/>
             <a:r>
-              <a:rPr lang="fr-FR"/>
-              <a:t>Cliquez pour modifier les styles du texte du masque</a:t>
-            </a:r>
-          </a:p>
-          <a:p>
-            <a:pPr lvl="1"/>
-            <a:r>
-              <a:rPr lang="fr-FR"/>
-              <a:t>Deuxième niveau</a:t>
-            </a:r>
-          </a:p>
-          <a:p>
-            <a:pPr lvl="2"/>
-            <a:r>
-              <a:rPr lang="fr-FR"/>
-              <a:t>Troisième niveau</a:t>
-            </a:r>
-          </a:p>
-          <a:p>
-            <a:pPr lvl="3"/>
-            <a:r>
-              <a:rPr lang="fr-FR"/>
-              <a:t>Quatrième niveau</a:t>
-            </a:r>
-          </a:p>
-          <a:p>
-            <a:pPr lvl="4"/>
-            <a:r>
-              <a:rPr lang="fr-FR"/>
-              <a:t>Cinquième niveau</a:t>
-            </a:r>
-            <a:endParaRPr lang="en-GB"/>
-          </a:p>
-        </p:txBody>
-      </p:sp>
-      <p:sp>
-        <p:nvSpPr>
-          <p:cNvPr id="4" name="Espace réservé de la date 3">
-            <a:extLst>
-              <a:ext uri="{FF2B5EF4-FFF2-40B4-BE49-F238E27FC236}">
-                <a16:creationId xmlns:a16="http://schemas.microsoft.com/office/drawing/2014/main" id="{DF3E4C53-0F08-4E2B-9757-28E09033316E}"/>
-              </a:ext>
-            </a:extLst>
-          </p:cNvPr>
+              <a:rPr lang="es-ES"/>
+              <a:t>Haga clic para modificar los estilos de texto del patrón</a:t>
+            </a:r>
+          </a:p>
+        </p:txBody>
+      </p:sp>
+      <p:sp>
+        <p:nvSpPr>
+          <p:cNvPr id="5" name="Date Placeholder 4"/>
           <p:cNvSpPr>
             <a:spLocks noGrp="1"/>
           </p:cNvSpPr>
@@ -1873,7 +1922,7 @@
           <a:p>
             <a:fld id="{5BDF422D-3A9D-4522-B8A8-3A175308D352}" type="datetimeFigureOut">
               <a:rPr lang="en-GB" smtClean="0"/>
-              <a:t>08/11/2020</a:t>
+              <a:t>09/11/2020</a:t>
             </a:fld>
             <a:endParaRPr lang="en-GB"/>
           </a:p>
@@ -1881,13 +1930,7 @@
       </p:sp>
       <p:sp>
         <p:nvSpPr>
-          <p:cNvPr id="5" name="Espace réservé du pied de page 4">
-            <a:extLst>
-              <a:ext uri="{FF2B5EF4-FFF2-40B4-BE49-F238E27FC236}">
-                <a16:creationId xmlns:a16="http://schemas.microsoft.com/office/drawing/2014/main" id="{6BAE3982-9937-40B7-988C-02A8C666E800}"/>
-              </a:ext>
-            </a:extLst>
-          </p:cNvPr>
+          <p:cNvPr id="6" name="Footer Placeholder 5"/>
           <p:cNvSpPr>
             <a:spLocks noGrp="1"/>
           </p:cNvSpPr>
@@ -1906,13 +1949,7 @@
       </p:sp>
       <p:sp>
         <p:nvSpPr>
-          <p:cNvPr id="6" name="Espace réservé du numéro de diapositive 5">
-            <a:extLst>
-              <a:ext uri="{FF2B5EF4-FFF2-40B4-BE49-F238E27FC236}">
-                <a16:creationId xmlns:a16="http://schemas.microsoft.com/office/drawing/2014/main" id="{8D97A8C7-097C-4981-B6F4-5E182D968D40}"/>
-              </a:ext>
-            </a:extLst>
-          </p:cNvPr>
+          <p:cNvPr id="7" name="Slide Number Placeholder 6"/>
           <p:cNvSpPr>
             <a:spLocks noGrp="1"/>
           </p:cNvSpPr>
@@ -1927,7 +1964,7 @@
           <a:p>
             <a:fld id="{72EF6A0C-AC1E-4942-ADEA-CE8CB825CBDD}" type="slidenum">
               <a:rPr lang="en-GB" smtClean="0"/>
-              <a:t>‹N°›</a:t>
+              <a:t>‹Nº›</a:t>
             </a:fld>
             <a:endParaRPr lang="en-GB"/>
           </a:p>
@@ -1936,7 +1973,7 @@
     </p:spTree>
     <p:extLst>
       <p:ext uri="{BB962C8B-B14F-4D97-AF65-F5344CB8AC3E}">
-        <p14:creationId xmlns:p14="http://schemas.microsoft.com/office/powerpoint/2010/main" val="3578050595"/>
+        <p14:creationId xmlns:p14="http://schemas.microsoft.com/office/powerpoint/2010/main" val="2787591412"/>
       </p:ext>
     </p:extLst>
   </p:cSld>
@@ -1946,9 +1983,9 @@
 </p:sldLayout>
 </file>
 
-<file path=ppt/slideLayouts/slideLayout3.xml><?xml version="1.0" encoding="utf-8"?>
-<p:sldLayout xmlns:a="http://schemas.openxmlformats.org/drawingml/2006/main" xmlns:r="http://schemas.openxmlformats.org/officeDocument/2006/relationships" xmlns:p="http://schemas.openxmlformats.org/presentationml/2006/main" type="secHead" preserve="1">
-  <p:cSld name="Titre de section">
+<file path=ppt/slideLayouts/slideLayout12.xml><?xml version="1.0" encoding="utf-8"?>
+<p:sldLayout xmlns:a="http://schemas.openxmlformats.org/drawingml/2006/main" xmlns:r="http://schemas.openxmlformats.org/officeDocument/2006/relationships" xmlns:p="http://schemas.openxmlformats.org/presentationml/2006/main" preserve="1">
+  <p:cSld name="Cita con descripción">
     <p:spTree>
       <p:nvGrpSpPr>
         <p:cNvPr id="1" name=""/>
@@ -1965,13 +2002,7 @@
       </p:grpSpPr>
       <p:sp>
         <p:nvSpPr>
-          <p:cNvPr id="2" name="Titre 1">
-            <a:extLst>
-              <a:ext uri="{FF2B5EF4-FFF2-40B4-BE49-F238E27FC236}">
-                <a16:creationId xmlns:a16="http://schemas.microsoft.com/office/drawing/2014/main" id="{38BAE071-37C6-4C2F-ACF3-87AC7DA2D4A0}"/>
-              </a:ext>
-            </a:extLst>
-          </p:cNvPr>
+          <p:cNvPr id="2" name="Title 1"/>
           <p:cNvSpPr>
             <a:spLocks noGrp="1"/>
           </p:cNvSpPr>
@@ -1981,138 +2012,323 @@
         </p:nvSpPr>
         <p:spPr>
           <a:xfrm>
-            <a:off x="831850" y="1709738"/>
-            <a:ext cx="10515600" cy="2852737"/>
+            <a:off x="1446212" y="609600"/>
+            <a:ext cx="9302752" cy="2992904"/>
           </a:xfrm>
         </p:spPr>
         <p:txBody>
-          <a:bodyPr anchor="b"/>
+          <a:bodyPr anchor="ctr"/>
           <a:lstStyle>
             <a:lvl1pPr>
-              <a:defRPr sz="6000"/>
+              <a:defRPr sz="3200"/>
             </a:lvl1pPr>
           </a:lstStyle>
           <a:p>
             <a:r>
-              <a:rPr lang="fr-FR"/>
-              <a:t>Modifiez le style du titre</a:t>
-            </a:r>
-            <a:endParaRPr lang="en-GB"/>
-          </a:p>
-        </p:txBody>
-      </p:sp>
-      <p:sp>
-        <p:nvSpPr>
-          <p:cNvPr id="3" name="Espace réservé du texte 2">
-            <a:extLst>
-              <a:ext uri="{FF2B5EF4-FFF2-40B4-BE49-F238E27FC236}">
-                <a16:creationId xmlns:a16="http://schemas.microsoft.com/office/drawing/2014/main" id="{E778C065-FE13-4456-9972-C95A2E6ADEEF}"/>
-              </a:ext>
-            </a:extLst>
-          </p:cNvPr>
-          <p:cNvSpPr>
-            <a:spLocks noGrp="1"/>
-          </p:cNvSpPr>
-          <p:nvPr>
-            <p:ph type="body" idx="1"/>
+              <a:rPr lang="es-ES"/>
+              <a:t>Haga clic para modificar el estilo de título del patrón</a:t>
+            </a:r>
+            <a:endParaRPr lang="en-US" dirty="0"/>
+          </a:p>
+        </p:txBody>
+      </p:sp>
+      <p:sp>
+        <p:nvSpPr>
+          <p:cNvPr id="12" name="Text Placeholder 3"/>
+          <p:cNvSpPr>
+            <a:spLocks noGrp="1"/>
+          </p:cNvSpPr>
+          <p:nvPr>
+            <p:ph type="body" sz="half" idx="13"/>
           </p:nvPr>
         </p:nvSpPr>
         <p:spPr>
           <a:xfrm>
-            <a:off x="831850" y="4589463"/>
-            <a:ext cx="10515600" cy="1500187"/>
+            <a:off x="1720644" y="3610032"/>
+            <a:ext cx="8752299" cy="532749"/>
           </a:xfrm>
         </p:spPr>
         <p:txBody>
+          <a:bodyPr anchor="t">
+            <a:normAutofit/>
+          </a:bodyPr>
+          <a:lstStyle>
+            <a:lvl1pPr marL="0" indent="0" algn="r">
+              <a:buNone/>
+              <a:defRPr sz="1400"/>
+            </a:lvl1pPr>
+            <a:lvl2pPr marL="457200" indent="0">
+              <a:buNone/>
+              <a:defRPr sz="1400"/>
+            </a:lvl2pPr>
+            <a:lvl3pPr marL="914400" indent="0">
+              <a:buNone/>
+              <a:defRPr sz="1200"/>
+            </a:lvl3pPr>
+            <a:lvl4pPr marL="1371600" indent="0">
+              <a:buNone/>
+              <a:defRPr sz="1000"/>
+            </a:lvl4pPr>
+            <a:lvl5pPr marL="1828800" indent="0">
+              <a:buNone/>
+              <a:defRPr sz="1000"/>
+            </a:lvl5pPr>
+            <a:lvl6pPr marL="2286000" indent="0">
+              <a:buNone/>
+              <a:defRPr sz="1000"/>
+            </a:lvl6pPr>
+            <a:lvl7pPr marL="2743200" indent="0">
+              <a:buNone/>
+              <a:defRPr sz="1000"/>
+            </a:lvl7pPr>
+            <a:lvl8pPr marL="3200400" indent="0">
+              <a:buNone/>
+              <a:defRPr sz="1000"/>
+            </a:lvl8pPr>
+            <a:lvl9pPr marL="3657600" indent="0">
+              <a:buNone/>
+              <a:defRPr sz="1000"/>
+            </a:lvl9pPr>
+          </a:lstStyle>
+          <a:p>
+            <a:pPr lvl="0"/>
+            <a:r>
+              <a:rPr lang="es-ES"/>
+              <a:t>Haga clic para modificar los estilos de texto del patrón</a:t>
+            </a:r>
+          </a:p>
+        </p:txBody>
+      </p:sp>
+      <p:sp>
+        <p:nvSpPr>
+          <p:cNvPr id="4" name="Text Placeholder 3"/>
+          <p:cNvSpPr>
+            <a:spLocks noGrp="1"/>
+          </p:cNvSpPr>
+          <p:nvPr>
+            <p:ph type="body" sz="half" idx="2"/>
+          </p:nvPr>
+        </p:nvSpPr>
+        <p:spPr>
+          <a:xfrm>
+            <a:off x="913794" y="4304353"/>
+            <a:ext cx="10353763" cy="1489496"/>
+          </a:xfrm>
+        </p:spPr>
+        <p:txBody>
+          <a:bodyPr anchor="ctr">
+            <a:normAutofit/>
+          </a:bodyPr>
+          <a:lstStyle>
+            <a:lvl1pPr marL="0" indent="0" algn="ctr">
+              <a:buNone/>
+              <a:defRPr sz="1600"/>
+            </a:lvl1pPr>
+            <a:lvl2pPr marL="457200" indent="0">
+              <a:buNone/>
+              <a:defRPr sz="1400"/>
+            </a:lvl2pPr>
+            <a:lvl3pPr marL="914400" indent="0">
+              <a:buNone/>
+              <a:defRPr sz="1200"/>
+            </a:lvl3pPr>
+            <a:lvl4pPr marL="1371600" indent="0">
+              <a:buNone/>
+              <a:defRPr sz="1000"/>
+            </a:lvl4pPr>
+            <a:lvl5pPr marL="1828800" indent="0">
+              <a:buNone/>
+              <a:defRPr sz="1000"/>
+            </a:lvl5pPr>
+            <a:lvl6pPr marL="2286000" indent="0">
+              <a:buNone/>
+              <a:defRPr sz="1000"/>
+            </a:lvl6pPr>
+            <a:lvl7pPr marL="2743200" indent="0">
+              <a:buNone/>
+              <a:defRPr sz="1000"/>
+            </a:lvl7pPr>
+            <a:lvl8pPr marL="3200400" indent="0">
+              <a:buNone/>
+              <a:defRPr sz="1000"/>
+            </a:lvl8pPr>
+            <a:lvl9pPr marL="3657600" indent="0">
+              <a:buNone/>
+              <a:defRPr sz="1000"/>
+            </a:lvl9pPr>
+          </a:lstStyle>
+          <a:p>
+            <a:pPr lvl="0"/>
+            <a:r>
+              <a:rPr lang="es-ES"/>
+              <a:t>Haga clic para modificar los estilos de texto del patrón</a:t>
+            </a:r>
+          </a:p>
+        </p:txBody>
+      </p:sp>
+      <p:sp>
+        <p:nvSpPr>
+          <p:cNvPr id="5" name="Date Placeholder 4"/>
+          <p:cNvSpPr>
+            <a:spLocks noGrp="1"/>
+          </p:cNvSpPr>
+          <p:nvPr>
+            <p:ph type="dt" sz="half" idx="10"/>
+          </p:nvPr>
+        </p:nvSpPr>
+        <p:spPr/>
+        <p:txBody>
           <a:bodyPr/>
+          <a:lstStyle/>
+          <a:p>
+            <a:fld id="{5BDF422D-3A9D-4522-B8A8-3A175308D352}" type="datetimeFigureOut">
+              <a:rPr lang="en-GB" smtClean="0"/>
+              <a:t>09/11/2020</a:t>
+            </a:fld>
+            <a:endParaRPr lang="en-GB"/>
+          </a:p>
+        </p:txBody>
+      </p:sp>
+      <p:sp>
+        <p:nvSpPr>
+          <p:cNvPr id="6" name="Footer Placeholder 5"/>
+          <p:cNvSpPr>
+            <a:spLocks noGrp="1"/>
+          </p:cNvSpPr>
+          <p:nvPr>
+            <p:ph type="ftr" sz="quarter" idx="11"/>
+          </p:nvPr>
+        </p:nvSpPr>
+        <p:spPr/>
+        <p:txBody>
+          <a:bodyPr/>
+          <a:lstStyle/>
+          <a:p>
+            <a:endParaRPr lang="en-GB"/>
+          </a:p>
+        </p:txBody>
+      </p:sp>
+      <p:sp>
+        <p:nvSpPr>
+          <p:cNvPr id="7" name="Slide Number Placeholder 6"/>
+          <p:cNvSpPr>
+            <a:spLocks noGrp="1"/>
+          </p:cNvSpPr>
+          <p:nvPr>
+            <p:ph type="sldNum" sz="quarter" idx="12"/>
+          </p:nvPr>
+        </p:nvSpPr>
+        <p:spPr/>
+        <p:txBody>
+          <a:bodyPr/>
+          <a:lstStyle/>
+          <a:p>
+            <a:fld id="{72EF6A0C-AC1E-4942-ADEA-CE8CB825CBDD}" type="slidenum">
+              <a:rPr lang="en-GB" smtClean="0"/>
+              <a:t>‹Nº›</a:t>
+            </a:fld>
+            <a:endParaRPr lang="en-GB"/>
+          </a:p>
+        </p:txBody>
+      </p:sp>
+      <p:sp>
+        <p:nvSpPr>
+          <p:cNvPr id="11" name="TextBox 10"/>
+          <p:cNvSpPr txBox="1"/>
+          <p:nvPr/>
+        </p:nvSpPr>
+        <p:spPr>
+          <a:xfrm>
+            <a:off x="990600" y="884796"/>
+            <a:ext cx="609600" cy="584776"/>
+          </a:xfrm>
+          <a:prstGeom prst="rect">
+            <a:avLst/>
+          </a:prstGeom>
+        </p:spPr>
+        <p:txBody>
+          <a:bodyPr vert="horz" lIns="91440" tIns="45720" rIns="91440" bIns="45720" rtlCol="0" anchor="ctr">
+            <a:noAutofit/>
+          </a:bodyPr>
           <a:lstStyle>
-            <a:lvl1pPr marL="0" indent="0">
-              <a:buNone/>
-              <a:defRPr sz="2400">
-                <a:solidFill>
-                  <a:schemeClr val="tx1">
-                    <a:tint val="75000"/>
-                  </a:schemeClr>
-                </a:solidFill>
+            <a:lvl1pPr>
+              <a:spcBef>
+                <a:spcPct val="0"/>
+              </a:spcBef>
+              <a:buNone/>
+              <a:defRPr sz="3200" b="0" cap="all">
+                <a:ln w="3175" cmpd="sng">
+                  <a:noFill/>
+                </a:ln>
+                <a:effectLst>
+                  <a:glow rad="38100">
+                    <a:schemeClr val="bg1">
+                      <a:lumMod val="65000"/>
+                      <a:lumOff val="35000"/>
+                      <a:alpha val="40000"/>
+                    </a:schemeClr>
+                  </a:glow>
+                  <a:outerShdw blurRad="28575" dist="38100" dir="14040000" algn="tl" rotWithShape="0">
+                    <a:srgbClr val="000000">
+                      <a:alpha val="25000"/>
+                    </a:srgbClr>
+                  </a:outerShdw>
+                </a:effectLst>
               </a:defRPr>
             </a:lvl1pPr>
-            <a:lvl2pPr marL="457200" indent="0">
-              <a:buNone/>
-              <a:defRPr sz="2000">
+            <a:lvl2pPr>
+              <a:defRPr>
                 <a:solidFill>
-                  <a:schemeClr val="tx1">
-                    <a:tint val="75000"/>
-                  </a:schemeClr>
+                  <a:schemeClr val="tx2"/>
                 </a:solidFill>
               </a:defRPr>
             </a:lvl2pPr>
-            <a:lvl3pPr marL="914400" indent="0">
-              <a:buNone/>
-              <a:defRPr sz="1800">
+            <a:lvl3pPr>
+              <a:defRPr>
                 <a:solidFill>
-                  <a:schemeClr val="tx1">
-                    <a:tint val="75000"/>
-                  </a:schemeClr>
+                  <a:schemeClr val="tx2"/>
                 </a:solidFill>
               </a:defRPr>
             </a:lvl3pPr>
-            <a:lvl4pPr marL="1371600" indent="0">
-              <a:buNone/>
-              <a:defRPr sz="1600">
+            <a:lvl4pPr>
+              <a:defRPr>
                 <a:solidFill>
-                  <a:schemeClr val="tx1">
-                    <a:tint val="75000"/>
-                  </a:schemeClr>
+                  <a:schemeClr val="tx2"/>
                 </a:solidFill>
               </a:defRPr>
             </a:lvl4pPr>
-            <a:lvl5pPr marL="1828800" indent="0">
-              <a:buNone/>
-              <a:defRPr sz="1600">
+            <a:lvl5pPr>
+              <a:defRPr>
                 <a:solidFill>
-                  <a:schemeClr val="tx1">
-                    <a:tint val="75000"/>
-                  </a:schemeClr>
+                  <a:schemeClr val="tx2"/>
                 </a:solidFill>
               </a:defRPr>
             </a:lvl5pPr>
-            <a:lvl6pPr marL="2286000" indent="0">
-              <a:buNone/>
-              <a:defRPr sz="1600">
+            <a:lvl6pPr>
+              <a:defRPr>
                 <a:solidFill>
-                  <a:schemeClr val="tx1">
-                    <a:tint val="75000"/>
-                  </a:schemeClr>
+                  <a:schemeClr val="tx2"/>
                 </a:solidFill>
               </a:defRPr>
             </a:lvl6pPr>
-            <a:lvl7pPr marL="2743200" indent="0">
-              <a:buNone/>
-              <a:defRPr sz="1600">
+            <a:lvl7pPr>
+              <a:defRPr>
                 <a:solidFill>
-                  <a:schemeClr val="tx1">
-                    <a:tint val="75000"/>
-                  </a:schemeClr>
+                  <a:schemeClr val="tx2"/>
                 </a:solidFill>
               </a:defRPr>
             </a:lvl7pPr>
-            <a:lvl8pPr marL="3200400" indent="0">
-              <a:buNone/>
-              <a:defRPr sz="1600">
+            <a:lvl8pPr>
+              <a:defRPr>
                 <a:solidFill>
-                  <a:schemeClr val="tx1">
-                    <a:tint val="75000"/>
-                  </a:schemeClr>
+                  <a:schemeClr val="tx2"/>
                 </a:solidFill>
               </a:defRPr>
             </a:lvl8pPr>
-            <a:lvl9pPr marL="3657600" indent="0">
-              <a:buNone/>
-              <a:defRPr sz="1600">
+            <a:lvl9pPr>
+              <a:defRPr>
                 <a:solidFill>
-                  <a:schemeClr val="tx1">
-                    <a:tint val="75000"/>
-                  </a:schemeClr>
+                  <a:schemeClr val="tx2"/>
                 </a:solidFill>
               </a:defRPr>
             </a:lvl9pPr>
@@ -2120,99 +2336,137 @@
           <a:p>
             <a:pPr lvl="0"/>
             <a:r>
-              <a:rPr lang="fr-FR"/>
-              <a:t>Cliquez pour modifier les styles du texte du masque</a:t>
-            </a:r>
-          </a:p>
-        </p:txBody>
-      </p:sp>
-      <p:sp>
-        <p:nvSpPr>
-          <p:cNvPr id="4" name="Espace réservé de la date 3">
-            <a:extLst>
-              <a:ext uri="{FF2B5EF4-FFF2-40B4-BE49-F238E27FC236}">
-                <a16:creationId xmlns:a16="http://schemas.microsoft.com/office/drawing/2014/main" id="{E73D0C18-BC00-431C-9959-AACBF43F5604}"/>
-              </a:ext>
-            </a:extLst>
-          </p:cNvPr>
-          <p:cNvSpPr>
-            <a:spLocks noGrp="1"/>
-          </p:cNvSpPr>
-          <p:nvPr>
-            <p:ph type="dt" sz="half" idx="10"/>
-          </p:nvPr>
-        </p:nvSpPr>
-        <p:spPr/>
-        <p:txBody>
-          <a:bodyPr/>
-          <a:lstStyle/>
-          <a:p>
-            <a:fld id="{5BDF422D-3A9D-4522-B8A8-3A175308D352}" type="datetimeFigureOut">
-              <a:rPr lang="en-GB" smtClean="0"/>
-              <a:t>08/11/2020</a:t>
-            </a:fld>
-            <a:endParaRPr lang="en-GB"/>
-          </a:p>
-        </p:txBody>
-      </p:sp>
-      <p:sp>
-        <p:nvSpPr>
-          <p:cNvPr id="5" name="Espace réservé du pied de page 4">
-            <a:extLst>
-              <a:ext uri="{FF2B5EF4-FFF2-40B4-BE49-F238E27FC236}">
-                <a16:creationId xmlns:a16="http://schemas.microsoft.com/office/drawing/2014/main" id="{A02B7571-2404-4F1A-B91A-89BAD8505381}"/>
-              </a:ext>
-            </a:extLst>
-          </p:cNvPr>
-          <p:cNvSpPr>
-            <a:spLocks noGrp="1"/>
-          </p:cNvSpPr>
-          <p:nvPr>
-            <p:ph type="ftr" sz="quarter" idx="11"/>
-          </p:nvPr>
-        </p:nvSpPr>
-        <p:spPr/>
-        <p:txBody>
-          <a:bodyPr/>
-          <a:lstStyle/>
-          <a:p>
-            <a:endParaRPr lang="en-GB"/>
-          </a:p>
-        </p:txBody>
-      </p:sp>
-      <p:sp>
-        <p:nvSpPr>
-          <p:cNvPr id="6" name="Espace réservé du numéro de diapositive 5">
-            <a:extLst>
-              <a:ext uri="{FF2B5EF4-FFF2-40B4-BE49-F238E27FC236}">
-                <a16:creationId xmlns:a16="http://schemas.microsoft.com/office/drawing/2014/main" id="{764EE000-26AB-4B4F-B93F-863E57EC947D}"/>
-              </a:ext>
-            </a:extLst>
-          </p:cNvPr>
-          <p:cNvSpPr>
-            <a:spLocks noGrp="1"/>
-          </p:cNvSpPr>
-          <p:nvPr>
-            <p:ph type="sldNum" sz="quarter" idx="12"/>
-          </p:nvPr>
-        </p:nvSpPr>
-        <p:spPr/>
-        <p:txBody>
-          <a:bodyPr/>
-          <a:lstStyle/>
-          <a:p>
-            <a:fld id="{72EF6A0C-AC1E-4942-ADEA-CE8CB825CBDD}" type="slidenum">
-              <a:rPr lang="en-GB" smtClean="0"/>
-              <a:t>‹N°›</a:t>
-            </a:fld>
-            <a:endParaRPr lang="en-GB"/>
+              <a:rPr lang="en-US" sz="8000" dirty="0">
+                <a:solidFill>
+                  <a:schemeClr val="tx1"/>
+                </a:solidFill>
+                <a:effectLst/>
+              </a:rPr>
+              <a:t>“</a:t>
+            </a:r>
+          </a:p>
+        </p:txBody>
+      </p:sp>
+      <p:sp>
+        <p:nvSpPr>
+          <p:cNvPr id="13" name="TextBox 12"/>
+          <p:cNvSpPr txBox="1"/>
+          <p:nvPr/>
+        </p:nvSpPr>
+        <p:spPr>
+          <a:xfrm>
+            <a:off x="10504716" y="2928258"/>
+            <a:ext cx="609600" cy="584776"/>
+          </a:xfrm>
+          <a:prstGeom prst="rect">
+            <a:avLst/>
+          </a:prstGeom>
+        </p:spPr>
+        <p:txBody>
+          <a:bodyPr vert="horz" lIns="91440" tIns="45720" rIns="91440" bIns="45720" rtlCol="0" anchor="ctr">
+            <a:noAutofit/>
+          </a:bodyPr>
+          <a:lstStyle>
+            <a:lvl1pPr>
+              <a:spcBef>
+                <a:spcPct val="0"/>
+              </a:spcBef>
+              <a:buNone/>
+              <a:defRPr sz="3200" b="0" cap="all">
+                <a:ln w="3175" cmpd="sng">
+                  <a:noFill/>
+                </a:ln>
+                <a:effectLst>
+                  <a:glow rad="38100">
+                    <a:schemeClr val="bg1">
+                      <a:lumMod val="65000"/>
+                      <a:lumOff val="35000"/>
+                      <a:alpha val="40000"/>
+                    </a:schemeClr>
+                  </a:glow>
+                  <a:outerShdw blurRad="28575" dist="38100" dir="14040000" algn="tl" rotWithShape="0">
+                    <a:srgbClr val="000000">
+                      <a:alpha val="25000"/>
+                    </a:srgbClr>
+                  </a:outerShdw>
+                </a:effectLst>
+              </a:defRPr>
+            </a:lvl1pPr>
+            <a:lvl2pPr>
+              <a:defRPr>
+                <a:solidFill>
+                  <a:schemeClr val="tx2"/>
+                </a:solidFill>
+              </a:defRPr>
+            </a:lvl2pPr>
+            <a:lvl3pPr>
+              <a:defRPr>
+                <a:solidFill>
+                  <a:schemeClr val="tx2"/>
+                </a:solidFill>
+              </a:defRPr>
+            </a:lvl3pPr>
+            <a:lvl4pPr>
+              <a:defRPr>
+                <a:solidFill>
+                  <a:schemeClr val="tx2"/>
+                </a:solidFill>
+              </a:defRPr>
+            </a:lvl4pPr>
+            <a:lvl5pPr>
+              <a:defRPr>
+                <a:solidFill>
+                  <a:schemeClr val="tx2"/>
+                </a:solidFill>
+              </a:defRPr>
+            </a:lvl5pPr>
+            <a:lvl6pPr>
+              <a:defRPr>
+                <a:solidFill>
+                  <a:schemeClr val="tx2"/>
+                </a:solidFill>
+              </a:defRPr>
+            </a:lvl6pPr>
+            <a:lvl7pPr>
+              <a:defRPr>
+                <a:solidFill>
+                  <a:schemeClr val="tx2"/>
+                </a:solidFill>
+              </a:defRPr>
+            </a:lvl7pPr>
+            <a:lvl8pPr>
+              <a:defRPr>
+                <a:solidFill>
+                  <a:schemeClr val="tx2"/>
+                </a:solidFill>
+              </a:defRPr>
+            </a:lvl8pPr>
+            <a:lvl9pPr>
+              <a:defRPr>
+                <a:solidFill>
+                  <a:schemeClr val="tx2"/>
+                </a:solidFill>
+              </a:defRPr>
+            </a:lvl9pPr>
+          </a:lstStyle>
+          <a:p>
+            <a:pPr lvl="0" algn="r"/>
+            <a:r>
+              <a:rPr lang="en-US" sz="8000" dirty="0">
+                <a:solidFill>
+                  <a:schemeClr val="tx1"/>
+                </a:solidFill>
+                <a:effectLst/>
+              </a:rPr>
+              <a:t>”</a:t>
+            </a:r>
           </a:p>
         </p:txBody>
       </p:sp>
     </p:spTree>
     <p:extLst>
       <p:ext uri="{BB962C8B-B14F-4D97-AF65-F5344CB8AC3E}">
-        <p14:creationId xmlns:p14="http://schemas.microsoft.com/office/powerpoint/2010/main" val="640637816"/>
+        <p14:creationId xmlns:p14="http://schemas.microsoft.com/office/powerpoint/2010/main" val="2367515241"/>
       </p:ext>
     </p:extLst>
   </p:cSld>
@@ -2222,9 +2476,9 @@
 </p:sldLayout>
 </file>
 
-<file path=ppt/slideLayouts/slideLayout4.xml><?xml version="1.0" encoding="utf-8"?>
-<p:sldLayout xmlns:a="http://schemas.openxmlformats.org/drawingml/2006/main" xmlns:r="http://schemas.openxmlformats.org/officeDocument/2006/relationships" xmlns:p="http://schemas.openxmlformats.org/presentationml/2006/main" type="twoObj" preserve="1">
-  <p:cSld name="Deux contenus">
+<file path=ppt/slideLayouts/slideLayout13.xml><?xml version="1.0" encoding="utf-8"?>
+<p:sldLayout xmlns:a="http://schemas.openxmlformats.org/drawingml/2006/main" xmlns:r="http://schemas.openxmlformats.org/officeDocument/2006/relationships" xmlns:p="http://schemas.openxmlformats.org/presentationml/2006/main" preserve="1">
+  <p:cSld name="Tarjeta de nombre">
     <p:spTree>
       <p:nvGrpSpPr>
         <p:cNvPr id="1" name=""/>
@@ -2241,168 +2495,104 @@
       </p:grpSpPr>
       <p:sp>
         <p:nvSpPr>
-          <p:cNvPr id="2" name="Titre 1">
-            <a:extLst>
-              <a:ext uri="{FF2B5EF4-FFF2-40B4-BE49-F238E27FC236}">
-                <a16:creationId xmlns:a16="http://schemas.microsoft.com/office/drawing/2014/main" id="{0DF0204E-6F65-480D-937A-2E325B9816F7}"/>
-              </a:ext>
-            </a:extLst>
-          </p:cNvPr>
+          <p:cNvPr id="2" name="Title 1"/>
           <p:cNvSpPr>
             <a:spLocks noGrp="1"/>
           </p:cNvSpPr>
           <p:nvPr>
             <p:ph type="title"/>
-          </p:nvPr>
-        </p:nvSpPr>
-        <p:spPr/>
-        <p:txBody>
-          <a:bodyPr/>
-          <a:lstStyle/>
-          <a:p>
-            <a:r>
-              <a:rPr lang="fr-FR"/>
-              <a:t>Modifiez le style du titre</a:t>
-            </a:r>
-            <a:endParaRPr lang="en-GB"/>
-          </a:p>
-        </p:txBody>
-      </p:sp>
-      <p:sp>
-        <p:nvSpPr>
-          <p:cNvPr id="3" name="Espace réservé du contenu 2">
-            <a:extLst>
-              <a:ext uri="{FF2B5EF4-FFF2-40B4-BE49-F238E27FC236}">
-                <a16:creationId xmlns:a16="http://schemas.microsoft.com/office/drawing/2014/main" id="{BEAF573A-4DFC-45AD-AD29-54CF9A984DC0}"/>
-              </a:ext>
-            </a:extLst>
-          </p:cNvPr>
-          <p:cNvSpPr>
-            <a:spLocks noGrp="1"/>
-          </p:cNvSpPr>
-          <p:nvPr>
-            <p:ph sz="half" idx="1"/>
           </p:nvPr>
         </p:nvSpPr>
         <p:spPr>
           <a:xfrm>
-            <a:off x="838200" y="1825625"/>
-            <a:ext cx="5181600" cy="4351338"/>
+            <a:off x="913794" y="2126942"/>
+            <a:ext cx="10353763" cy="2511835"/>
           </a:xfrm>
         </p:spPr>
         <p:txBody>
-          <a:bodyPr/>
-          <a:lstStyle/>
-          <a:p>
-            <a:pPr lvl="0"/>
-            <a:r>
-              <a:rPr lang="fr-FR"/>
-              <a:t>Cliquez pour modifier les styles du texte du masque</a:t>
-            </a:r>
-          </a:p>
-          <a:p>
-            <a:pPr lvl="1"/>
-            <a:r>
-              <a:rPr lang="fr-FR"/>
-              <a:t>Deuxième niveau</a:t>
-            </a:r>
-          </a:p>
-          <a:p>
-            <a:pPr lvl="2"/>
-            <a:r>
-              <a:rPr lang="fr-FR"/>
-              <a:t>Troisième niveau</a:t>
-            </a:r>
-          </a:p>
-          <a:p>
-            <a:pPr lvl="3"/>
-            <a:r>
-              <a:rPr lang="fr-FR"/>
-              <a:t>Quatrième niveau</a:t>
-            </a:r>
-          </a:p>
-          <a:p>
-            <a:pPr lvl="4"/>
-            <a:r>
-              <a:rPr lang="fr-FR"/>
-              <a:t>Cinquième niveau</a:t>
-            </a:r>
-            <a:endParaRPr lang="en-GB"/>
-          </a:p>
-        </p:txBody>
-      </p:sp>
-      <p:sp>
-        <p:nvSpPr>
-          <p:cNvPr id="4" name="Espace réservé du contenu 3">
-            <a:extLst>
-              <a:ext uri="{FF2B5EF4-FFF2-40B4-BE49-F238E27FC236}">
-                <a16:creationId xmlns:a16="http://schemas.microsoft.com/office/drawing/2014/main" id="{B395A992-3538-421E-9071-D7A06ECF3FED}"/>
-              </a:ext>
-            </a:extLst>
-          </p:cNvPr>
-          <p:cNvSpPr>
-            <a:spLocks noGrp="1"/>
-          </p:cNvSpPr>
-          <p:nvPr>
-            <p:ph sz="half" idx="2"/>
+          <a:bodyPr anchor="b"/>
+          <a:lstStyle>
+            <a:lvl1pPr>
+              <a:defRPr sz="3200"/>
+            </a:lvl1pPr>
+          </a:lstStyle>
+          <a:p>
+            <a:r>
+              <a:rPr lang="es-ES"/>
+              <a:t>Haga clic para modificar el estilo de título del patrón</a:t>
+            </a:r>
+            <a:endParaRPr lang="en-US" dirty="0"/>
+          </a:p>
+        </p:txBody>
+      </p:sp>
+      <p:sp>
+        <p:nvSpPr>
+          <p:cNvPr id="4" name="Text Placeholder 3"/>
+          <p:cNvSpPr>
+            <a:spLocks noGrp="1"/>
+          </p:cNvSpPr>
+          <p:nvPr>
+            <p:ph type="body" sz="half" idx="2"/>
           </p:nvPr>
         </p:nvSpPr>
         <p:spPr>
           <a:xfrm>
-            <a:off x="6172200" y="1825625"/>
-            <a:ext cx="5181600" cy="4351338"/>
+            <a:off x="913784" y="4650556"/>
+            <a:ext cx="10352199" cy="1140644"/>
           </a:xfrm>
         </p:spPr>
         <p:txBody>
-          <a:bodyPr/>
-          <a:lstStyle/>
+          <a:bodyPr anchor="t"/>
+          <a:lstStyle>
+            <a:lvl1pPr marL="0" indent="0" algn="ctr">
+              <a:buNone/>
+              <a:defRPr sz="1600"/>
+            </a:lvl1pPr>
+            <a:lvl2pPr marL="457200" indent="0">
+              <a:buNone/>
+              <a:defRPr sz="1400"/>
+            </a:lvl2pPr>
+            <a:lvl3pPr marL="914400" indent="0">
+              <a:buNone/>
+              <a:defRPr sz="1200"/>
+            </a:lvl3pPr>
+            <a:lvl4pPr marL="1371600" indent="0">
+              <a:buNone/>
+              <a:defRPr sz="1000"/>
+            </a:lvl4pPr>
+            <a:lvl5pPr marL="1828800" indent="0">
+              <a:buNone/>
+              <a:defRPr sz="1000"/>
+            </a:lvl5pPr>
+            <a:lvl6pPr marL="2286000" indent="0">
+              <a:buNone/>
+              <a:defRPr sz="1000"/>
+            </a:lvl6pPr>
+            <a:lvl7pPr marL="2743200" indent="0">
+              <a:buNone/>
+              <a:defRPr sz="1000"/>
+            </a:lvl7pPr>
+            <a:lvl8pPr marL="3200400" indent="0">
+              <a:buNone/>
+              <a:defRPr sz="1000"/>
+            </a:lvl8pPr>
+            <a:lvl9pPr marL="3657600" indent="0">
+              <a:buNone/>
+              <a:defRPr sz="1000"/>
+            </a:lvl9pPr>
+          </a:lstStyle>
           <a:p>
             <a:pPr lvl="0"/>
             <a:r>
-              <a:rPr lang="fr-FR"/>
-              <a:t>Cliquez pour modifier les styles du texte du masque</a:t>
-            </a:r>
-          </a:p>
-          <a:p>
-            <a:pPr lvl="1"/>
-            <a:r>
-              <a:rPr lang="fr-FR"/>
-              <a:t>Deuxième niveau</a:t>
-            </a:r>
-          </a:p>
-          <a:p>
-            <a:pPr lvl="2"/>
-            <a:r>
-              <a:rPr lang="fr-FR"/>
-              <a:t>Troisième niveau</a:t>
-            </a:r>
-          </a:p>
-          <a:p>
-            <a:pPr lvl="3"/>
-            <a:r>
-              <a:rPr lang="fr-FR"/>
-              <a:t>Quatrième niveau</a:t>
-            </a:r>
-          </a:p>
-          <a:p>
-            <a:pPr lvl="4"/>
-            <a:r>
-              <a:rPr lang="fr-FR"/>
-              <a:t>Cinquième niveau</a:t>
-            </a:r>
-            <a:endParaRPr lang="en-GB"/>
-          </a:p>
-        </p:txBody>
-      </p:sp>
-      <p:sp>
-        <p:nvSpPr>
-          <p:cNvPr id="5" name="Espace réservé de la date 4">
-            <a:extLst>
-              <a:ext uri="{FF2B5EF4-FFF2-40B4-BE49-F238E27FC236}">
-                <a16:creationId xmlns:a16="http://schemas.microsoft.com/office/drawing/2014/main" id="{26547D6C-3D35-4A63-A2BC-D20FF0A7513C}"/>
-              </a:ext>
-            </a:extLst>
-          </p:cNvPr>
+              <a:rPr lang="es-ES"/>
+              <a:t>Haga clic para modificar los estilos de texto del patrón</a:t>
+            </a:r>
+          </a:p>
+        </p:txBody>
+      </p:sp>
+      <p:sp>
+        <p:nvSpPr>
+          <p:cNvPr id="5" name="Date Placeholder 4"/>
           <p:cNvSpPr>
             <a:spLocks noGrp="1"/>
           </p:cNvSpPr>
@@ -2417,7 +2607,7 @@
           <a:p>
             <a:fld id="{5BDF422D-3A9D-4522-B8A8-3A175308D352}" type="datetimeFigureOut">
               <a:rPr lang="en-GB" smtClean="0"/>
-              <a:t>08/11/2020</a:t>
+              <a:t>09/11/2020</a:t>
             </a:fld>
             <a:endParaRPr lang="en-GB"/>
           </a:p>
@@ -2425,13 +2615,7 @@
       </p:sp>
       <p:sp>
         <p:nvSpPr>
-          <p:cNvPr id="6" name="Espace réservé du pied de page 5">
-            <a:extLst>
-              <a:ext uri="{FF2B5EF4-FFF2-40B4-BE49-F238E27FC236}">
-                <a16:creationId xmlns:a16="http://schemas.microsoft.com/office/drawing/2014/main" id="{FE8187D9-048E-4AB1-AB98-52FFE0BD3957}"/>
-              </a:ext>
-            </a:extLst>
-          </p:cNvPr>
+          <p:cNvPr id="6" name="Footer Placeholder 5"/>
           <p:cNvSpPr>
             <a:spLocks noGrp="1"/>
           </p:cNvSpPr>
@@ -2450,13 +2634,7 @@
       </p:sp>
       <p:sp>
         <p:nvSpPr>
-          <p:cNvPr id="7" name="Espace réservé du numéro de diapositive 6">
-            <a:extLst>
-              <a:ext uri="{FF2B5EF4-FFF2-40B4-BE49-F238E27FC236}">
-                <a16:creationId xmlns:a16="http://schemas.microsoft.com/office/drawing/2014/main" id="{AAFE965B-B9B9-41FE-AF54-FC5D77BFD0F0}"/>
-              </a:ext>
-            </a:extLst>
-          </p:cNvPr>
+          <p:cNvPr id="7" name="Slide Number Placeholder 6"/>
           <p:cNvSpPr>
             <a:spLocks noGrp="1"/>
           </p:cNvSpPr>
@@ -2471,7 +2649,7 @@
           <a:p>
             <a:fld id="{72EF6A0C-AC1E-4942-ADEA-CE8CB825CBDD}" type="slidenum">
               <a:rPr lang="en-GB" smtClean="0"/>
-              <a:t>‹N°›</a:t>
+              <a:t>‹Nº›</a:t>
             </a:fld>
             <a:endParaRPr lang="en-GB"/>
           </a:p>
@@ -2480,7 +2658,7 @@
     </p:spTree>
     <p:extLst>
       <p:ext uri="{BB962C8B-B14F-4D97-AF65-F5344CB8AC3E}">
-        <p14:creationId xmlns:p14="http://schemas.microsoft.com/office/powerpoint/2010/main" val="3442840855"/>
+        <p14:creationId xmlns:p14="http://schemas.microsoft.com/office/powerpoint/2010/main" val="3163313663"/>
       </p:ext>
     </p:extLst>
   </p:cSld>
@@ -2490,9 +2668,9 @@
 </p:sldLayout>
 </file>
 
-<file path=ppt/slideLayouts/slideLayout5.xml><?xml version="1.0" encoding="utf-8"?>
-<p:sldLayout xmlns:a="http://schemas.openxmlformats.org/drawingml/2006/main" xmlns:r="http://schemas.openxmlformats.org/officeDocument/2006/relationships" xmlns:p="http://schemas.openxmlformats.org/presentationml/2006/main" type="twoTxTwoObj" preserve="1">
-  <p:cSld name="Comparaison">
+<file path=ppt/slideLayouts/slideLayout14.xml><?xml version="1.0" encoding="utf-8"?>
+<p:sldLayout xmlns:a="http://schemas.openxmlformats.org/drawingml/2006/main" xmlns:r="http://schemas.openxmlformats.org/officeDocument/2006/relationships" xmlns:p="http://schemas.openxmlformats.org/presentationml/2006/main" preserve="1">
+  <p:cSld name="Columna 3">
     <p:spTree>
       <p:nvGrpSpPr>
         <p:cNvPr id="1" name=""/>
@@ -2509,13 +2687,7 @@
       </p:grpSpPr>
       <p:sp>
         <p:nvSpPr>
-          <p:cNvPr id="2" name="Titre 1">
-            <a:extLst>
-              <a:ext uri="{FF2B5EF4-FFF2-40B4-BE49-F238E27FC236}">
-                <a16:creationId xmlns:a16="http://schemas.microsoft.com/office/drawing/2014/main" id="{8B7E0D8C-A9B8-466F-8461-FEE4A599109D}"/>
-              </a:ext>
-            </a:extLst>
-          </p:cNvPr>
+          <p:cNvPr id="15" name="Title 1"/>
           <p:cNvSpPr>
             <a:spLocks noGrp="1"/>
           </p:cNvSpPr>
@@ -2525,8 +2697,8 @@
         </p:nvSpPr>
         <p:spPr>
           <a:xfrm>
-            <a:off x="839788" y="365125"/>
-            <a:ext cx="10515600" cy="1325563"/>
+            <a:off x="913795" y="609600"/>
+            <a:ext cx="10353762" cy="970450"/>
           </a:xfrm>
         </p:spPr>
         <p:txBody>
@@ -2534,22 +2706,16 @@
           <a:lstStyle/>
           <a:p>
             <a:r>
-              <a:rPr lang="fr-FR"/>
-              <a:t>Modifiez le style du titre</a:t>
-            </a:r>
-            <a:endParaRPr lang="en-GB"/>
-          </a:p>
-        </p:txBody>
-      </p:sp>
-      <p:sp>
-        <p:nvSpPr>
-          <p:cNvPr id="3" name="Espace réservé du texte 2">
-            <a:extLst>
-              <a:ext uri="{FF2B5EF4-FFF2-40B4-BE49-F238E27FC236}">
-                <a16:creationId xmlns:a16="http://schemas.microsoft.com/office/drawing/2014/main" id="{E6420A84-8AAB-44F2-802F-5CDFE9A20C4D}"/>
-              </a:ext>
-            </a:extLst>
-          </p:cNvPr>
+              <a:rPr lang="es-ES"/>
+              <a:t>Haga clic para modificar el estilo de título del patrón</a:t>
+            </a:r>
+            <a:endParaRPr lang="en-US" dirty="0"/>
+          </a:p>
+        </p:txBody>
+      </p:sp>
+      <p:sp>
+        <p:nvSpPr>
+          <p:cNvPr id="7" name="Text Placeholder 2"/>
           <p:cNvSpPr>
             <a:spLocks noGrp="1"/>
           </p:cNvSpPr>
@@ -2559,16 +2725,22 @@
         </p:nvSpPr>
         <p:spPr>
           <a:xfrm>
-            <a:off x="839788" y="1681163"/>
-            <a:ext cx="5157787" cy="823912"/>
+            <a:off x="913795" y="1885950"/>
+            <a:ext cx="3300984" cy="576262"/>
           </a:xfrm>
         </p:spPr>
         <p:txBody>
-          <a:bodyPr anchor="b"/>
+          <a:bodyPr anchor="b">
+            <a:noAutofit/>
+          </a:bodyPr>
           <a:lstStyle>
-            <a:lvl1pPr marL="0" indent="0">
-              <a:buNone/>
-              <a:defRPr sz="2400" b="1"/>
+            <a:lvl1pPr marL="0" indent="0" algn="ctr">
+              <a:buNone/>
+              <a:defRPr sz="2400" b="0">
+                <a:solidFill>
+                  <a:schemeClr val="tx1"/>
+                </a:solidFill>
+              </a:defRPr>
             </a:lvl1pPr>
             <a:lvl2pPr marL="457200" indent="0">
               <a:buNone/>
@@ -2606,84 +2778,82 @@
           <a:p>
             <a:pPr lvl="0"/>
             <a:r>
-              <a:rPr lang="fr-FR"/>
-              <a:t>Cliquez pour modifier les styles du texte du masque</a:t>
-            </a:r>
-          </a:p>
-        </p:txBody>
-      </p:sp>
-      <p:sp>
-        <p:nvSpPr>
-          <p:cNvPr id="4" name="Espace réservé du contenu 3">
-            <a:extLst>
-              <a:ext uri="{FF2B5EF4-FFF2-40B4-BE49-F238E27FC236}">
-                <a16:creationId xmlns:a16="http://schemas.microsoft.com/office/drawing/2014/main" id="{947F4421-61B4-48E1-8DC0-8687CC6433A8}"/>
-              </a:ext>
-            </a:extLst>
-          </p:cNvPr>
-          <p:cNvSpPr>
-            <a:spLocks noGrp="1"/>
-          </p:cNvSpPr>
-          <p:nvPr>
-            <p:ph sz="half" idx="2"/>
+              <a:rPr lang="es-ES"/>
+              <a:t>Haga clic para modificar los estilos de texto del patrón</a:t>
+            </a:r>
+          </a:p>
+        </p:txBody>
+      </p:sp>
+      <p:sp>
+        <p:nvSpPr>
+          <p:cNvPr id="8" name="Text Placeholder 3"/>
+          <p:cNvSpPr>
+            <a:spLocks noGrp="1"/>
+          </p:cNvSpPr>
+          <p:nvPr>
+            <p:ph type="body" sz="half" idx="15"/>
           </p:nvPr>
         </p:nvSpPr>
         <p:spPr>
           <a:xfrm>
-            <a:off x="839788" y="2505075"/>
-            <a:ext cx="5157787" cy="3684588"/>
+            <a:off x="913795" y="2571750"/>
+            <a:ext cx="3300984" cy="3219450"/>
           </a:xfrm>
         </p:spPr>
         <p:txBody>
-          <a:bodyPr/>
-          <a:lstStyle/>
+          <a:bodyPr anchor="t">
+            <a:normAutofit/>
+          </a:bodyPr>
+          <a:lstStyle>
+            <a:lvl1pPr marL="0" indent="0" algn="ctr">
+              <a:buNone/>
+              <a:defRPr sz="1400"/>
+            </a:lvl1pPr>
+            <a:lvl2pPr marL="457200" indent="0">
+              <a:buNone/>
+              <a:defRPr sz="1200"/>
+            </a:lvl2pPr>
+            <a:lvl3pPr marL="914400" indent="0">
+              <a:buNone/>
+              <a:defRPr sz="1000"/>
+            </a:lvl3pPr>
+            <a:lvl4pPr marL="1371600" indent="0">
+              <a:buNone/>
+              <a:defRPr sz="900"/>
+            </a:lvl4pPr>
+            <a:lvl5pPr marL="1828800" indent="0">
+              <a:buNone/>
+              <a:defRPr sz="900"/>
+            </a:lvl5pPr>
+            <a:lvl6pPr marL="2286000" indent="0">
+              <a:buNone/>
+              <a:defRPr sz="900"/>
+            </a:lvl6pPr>
+            <a:lvl7pPr marL="2743200" indent="0">
+              <a:buNone/>
+              <a:defRPr sz="900"/>
+            </a:lvl7pPr>
+            <a:lvl8pPr marL="3200400" indent="0">
+              <a:buNone/>
+              <a:defRPr sz="900"/>
+            </a:lvl8pPr>
+            <a:lvl9pPr marL="3657600" indent="0">
+              <a:buNone/>
+              <a:defRPr sz="900"/>
+            </a:lvl9pPr>
+          </a:lstStyle>
           <a:p>
             <a:pPr lvl="0"/>
             <a:r>
-              <a:rPr lang="fr-FR"/>
-              <a:t>Cliquez pour modifier les styles du texte du masque</a:t>
-            </a:r>
-          </a:p>
-          <a:p>
-            <a:pPr lvl="1"/>
-            <a:r>
-              <a:rPr lang="fr-FR"/>
-              <a:t>Deuxième niveau</a:t>
-            </a:r>
-          </a:p>
-          <a:p>
-            <a:pPr lvl="2"/>
-            <a:r>
-              <a:rPr lang="fr-FR"/>
-              <a:t>Troisième niveau</a:t>
-            </a:r>
-          </a:p>
-          <a:p>
-            <a:pPr lvl="3"/>
-            <a:r>
-              <a:rPr lang="fr-FR"/>
-              <a:t>Quatrième niveau</a:t>
-            </a:r>
-          </a:p>
-          <a:p>
-            <a:pPr lvl="4"/>
-            <a:r>
-              <a:rPr lang="fr-FR"/>
-              <a:t>Cinquième niveau</a:t>
-            </a:r>
-            <a:endParaRPr lang="en-GB"/>
-          </a:p>
-        </p:txBody>
-      </p:sp>
-      <p:sp>
-        <p:nvSpPr>
-          <p:cNvPr id="5" name="Espace réservé du texte 4">
-            <a:extLst>
-              <a:ext uri="{FF2B5EF4-FFF2-40B4-BE49-F238E27FC236}">
-                <a16:creationId xmlns:a16="http://schemas.microsoft.com/office/drawing/2014/main" id="{4C3AB802-741E-46C6-896D-E0558169325B}"/>
-              </a:ext>
-            </a:extLst>
-          </p:cNvPr>
+              <a:rPr lang="es-ES"/>
+              <a:t>Haga clic para modificar los estilos de texto del patrón</a:t>
+            </a:r>
+          </a:p>
+        </p:txBody>
+      </p:sp>
+      <p:sp>
+        <p:nvSpPr>
+          <p:cNvPr id="9" name="Text Placeholder 4"/>
           <p:cNvSpPr>
             <a:spLocks noGrp="1"/>
           </p:cNvSpPr>
@@ -2693,16 +2863,22 @@
         </p:nvSpPr>
         <p:spPr>
           <a:xfrm>
-            <a:off x="6172200" y="1681163"/>
-            <a:ext cx="5183188" cy="823912"/>
+            <a:off x="4446711" y="1885950"/>
+            <a:ext cx="3300984" cy="576262"/>
           </a:xfrm>
         </p:spPr>
         <p:txBody>
-          <a:bodyPr anchor="b"/>
+          <a:bodyPr anchor="b">
+            <a:noAutofit/>
+          </a:bodyPr>
           <a:lstStyle>
-            <a:lvl1pPr marL="0" indent="0">
-              <a:buNone/>
-              <a:defRPr sz="2400" b="1"/>
+            <a:lvl1pPr marL="0" indent="0" algn="ctr">
+              <a:buNone/>
+              <a:defRPr sz="2400" b="0">
+                <a:solidFill>
+                  <a:schemeClr val="tx1"/>
+                </a:solidFill>
+              </a:defRPr>
             </a:lvl1pPr>
             <a:lvl2pPr marL="457200" indent="0">
               <a:buNone/>
@@ -2740,84 +2916,220 @@
           <a:p>
             <a:pPr lvl="0"/>
             <a:r>
-              <a:rPr lang="fr-FR"/>
-              <a:t>Cliquez pour modifier les styles du texte du masque</a:t>
-            </a:r>
-          </a:p>
-        </p:txBody>
-      </p:sp>
-      <p:sp>
-        <p:nvSpPr>
-          <p:cNvPr id="6" name="Espace réservé du contenu 5">
-            <a:extLst>
-              <a:ext uri="{FF2B5EF4-FFF2-40B4-BE49-F238E27FC236}">
-                <a16:creationId xmlns:a16="http://schemas.microsoft.com/office/drawing/2014/main" id="{75426C88-334C-48D9-B777-FA5ACBA0F900}"/>
-              </a:ext>
-            </a:extLst>
-          </p:cNvPr>
-          <p:cNvSpPr>
-            <a:spLocks noGrp="1"/>
-          </p:cNvSpPr>
-          <p:nvPr>
-            <p:ph sz="quarter" idx="4"/>
+              <a:rPr lang="es-ES"/>
+              <a:t>Haga clic para modificar los estilos de texto del patrón</a:t>
+            </a:r>
+          </a:p>
+        </p:txBody>
+      </p:sp>
+      <p:sp>
+        <p:nvSpPr>
+          <p:cNvPr id="10" name="Text Placeholder 3"/>
+          <p:cNvSpPr>
+            <a:spLocks noGrp="1"/>
+          </p:cNvSpPr>
+          <p:nvPr>
+            <p:ph type="body" sz="half" idx="16"/>
           </p:nvPr>
         </p:nvSpPr>
         <p:spPr>
           <a:xfrm>
-            <a:off x="6172200" y="2505075"/>
-            <a:ext cx="5183188" cy="3684588"/>
+            <a:off x="4441435" y="2571750"/>
+            <a:ext cx="3300984" cy="3219450"/>
           </a:xfrm>
         </p:spPr>
         <p:txBody>
-          <a:bodyPr/>
-          <a:lstStyle/>
+          <a:bodyPr anchor="t">
+            <a:normAutofit/>
+          </a:bodyPr>
+          <a:lstStyle>
+            <a:lvl1pPr marL="0" indent="0" algn="ctr">
+              <a:buNone/>
+              <a:defRPr sz="1400"/>
+            </a:lvl1pPr>
+            <a:lvl2pPr marL="457200" indent="0">
+              <a:buNone/>
+              <a:defRPr sz="1200"/>
+            </a:lvl2pPr>
+            <a:lvl3pPr marL="914400" indent="0">
+              <a:buNone/>
+              <a:defRPr sz="1000"/>
+            </a:lvl3pPr>
+            <a:lvl4pPr marL="1371600" indent="0">
+              <a:buNone/>
+              <a:defRPr sz="900"/>
+            </a:lvl4pPr>
+            <a:lvl5pPr marL="1828800" indent="0">
+              <a:buNone/>
+              <a:defRPr sz="900"/>
+            </a:lvl5pPr>
+            <a:lvl6pPr marL="2286000" indent="0">
+              <a:buNone/>
+              <a:defRPr sz="900"/>
+            </a:lvl6pPr>
+            <a:lvl7pPr marL="2743200" indent="0">
+              <a:buNone/>
+              <a:defRPr sz="900"/>
+            </a:lvl7pPr>
+            <a:lvl8pPr marL="3200400" indent="0">
+              <a:buNone/>
+              <a:defRPr sz="900"/>
+            </a:lvl8pPr>
+            <a:lvl9pPr marL="3657600" indent="0">
+              <a:buNone/>
+              <a:defRPr sz="900"/>
+            </a:lvl9pPr>
+          </a:lstStyle>
           <a:p>
             <a:pPr lvl="0"/>
             <a:r>
-              <a:rPr lang="fr-FR"/>
-              <a:t>Cliquez pour modifier les styles du texte du masque</a:t>
-            </a:r>
-          </a:p>
-          <a:p>
-            <a:pPr lvl="1"/>
-            <a:r>
-              <a:rPr lang="fr-FR"/>
-              <a:t>Deuxième niveau</a:t>
-            </a:r>
-          </a:p>
-          <a:p>
-            <a:pPr lvl="2"/>
-            <a:r>
-              <a:rPr lang="fr-FR"/>
-              <a:t>Troisième niveau</a:t>
-            </a:r>
-          </a:p>
-          <a:p>
-            <a:pPr lvl="3"/>
-            <a:r>
-              <a:rPr lang="fr-FR"/>
-              <a:t>Quatrième niveau</a:t>
-            </a:r>
-          </a:p>
-          <a:p>
-            <a:pPr lvl="4"/>
-            <a:r>
-              <a:rPr lang="fr-FR"/>
-              <a:t>Cinquième niveau</a:t>
-            </a:r>
-            <a:endParaRPr lang="en-GB"/>
-          </a:p>
-        </p:txBody>
-      </p:sp>
-      <p:sp>
-        <p:nvSpPr>
-          <p:cNvPr id="7" name="Espace réservé de la date 6">
-            <a:extLst>
-              <a:ext uri="{FF2B5EF4-FFF2-40B4-BE49-F238E27FC236}">
-                <a16:creationId xmlns:a16="http://schemas.microsoft.com/office/drawing/2014/main" id="{5E381E8D-832D-4A35-B881-669ACC791896}"/>
-              </a:ext>
-            </a:extLst>
-          </p:cNvPr>
+              <a:rPr lang="es-ES"/>
+              <a:t>Haga clic para modificar los estilos de texto del patrón</a:t>
+            </a:r>
+          </a:p>
+        </p:txBody>
+      </p:sp>
+      <p:sp>
+        <p:nvSpPr>
+          <p:cNvPr id="11" name="Text Placeholder 4"/>
+          <p:cNvSpPr>
+            <a:spLocks noGrp="1"/>
+          </p:cNvSpPr>
+          <p:nvPr>
+            <p:ph type="body" sz="quarter" idx="13"/>
+          </p:nvPr>
+        </p:nvSpPr>
+        <p:spPr>
+          <a:xfrm>
+            <a:off x="7966572" y="1885950"/>
+            <a:ext cx="3300984" cy="576262"/>
+          </a:xfrm>
+        </p:spPr>
+        <p:txBody>
+          <a:bodyPr anchor="b">
+            <a:noAutofit/>
+          </a:bodyPr>
+          <a:lstStyle>
+            <a:lvl1pPr marL="0" indent="0" algn="ctr">
+              <a:buNone/>
+              <a:defRPr sz="2400" b="0">
+                <a:solidFill>
+                  <a:schemeClr val="tx1"/>
+                </a:solidFill>
+              </a:defRPr>
+            </a:lvl1pPr>
+            <a:lvl2pPr marL="457200" indent="0">
+              <a:buNone/>
+              <a:defRPr sz="2000" b="1"/>
+            </a:lvl2pPr>
+            <a:lvl3pPr marL="914400" indent="0">
+              <a:buNone/>
+              <a:defRPr sz="1800" b="1"/>
+            </a:lvl3pPr>
+            <a:lvl4pPr marL="1371600" indent="0">
+              <a:buNone/>
+              <a:defRPr sz="1600" b="1"/>
+            </a:lvl4pPr>
+            <a:lvl5pPr marL="1828800" indent="0">
+              <a:buNone/>
+              <a:defRPr sz="1600" b="1"/>
+            </a:lvl5pPr>
+            <a:lvl6pPr marL="2286000" indent="0">
+              <a:buNone/>
+              <a:defRPr sz="1600" b="1"/>
+            </a:lvl6pPr>
+            <a:lvl7pPr marL="2743200" indent="0">
+              <a:buNone/>
+              <a:defRPr sz="1600" b="1"/>
+            </a:lvl7pPr>
+            <a:lvl8pPr marL="3200400" indent="0">
+              <a:buNone/>
+              <a:defRPr sz="1600" b="1"/>
+            </a:lvl8pPr>
+            <a:lvl9pPr marL="3657600" indent="0">
+              <a:buNone/>
+              <a:defRPr sz="1600" b="1"/>
+            </a:lvl9pPr>
+          </a:lstStyle>
+          <a:p>
+            <a:pPr lvl="0"/>
+            <a:r>
+              <a:rPr lang="es-ES"/>
+              <a:t>Haga clic para modificar los estilos de texto del patrón</a:t>
+            </a:r>
+          </a:p>
+        </p:txBody>
+      </p:sp>
+      <p:sp>
+        <p:nvSpPr>
+          <p:cNvPr id="12" name="Text Placeholder 3"/>
+          <p:cNvSpPr>
+            <a:spLocks noGrp="1"/>
+          </p:cNvSpPr>
+          <p:nvPr>
+            <p:ph type="body" sz="half" idx="17"/>
+          </p:nvPr>
+        </p:nvSpPr>
+        <p:spPr>
+          <a:xfrm>
+            <a:off x="7966572" y="2571750"/>
+            <a:ext cx="3300984" cy="3219450"/>
+          </a:xfrm>
+        </p:spPr>
+        <p:txBody>
+          <a:bodyPr anchor="t">
+            <a:normAutofit/>
+          </a:bodyPr>
+          <a:lstStyle>
+            <a:lvl1pPr marL="0" indent="0" algn="ctr">
+              <a:buNone/>
+              <a:defRPr sz="1400"/>
+            </a:lvl1pPr>
+            <a:lvl2pPr marL="457200" indent="0">
+              <a:buNone/>
+              <a:defRPr sz="1200"/>
+            </a:lvl2pPr>
+            <a:lvl3pPr marL="914400" indent="0">
+              <a:buNone/>
+              <a:defRPr sz="1000"/>
+            </a:lvl3pPr>
+            <a:lvl4pPr marL="1371600" indent="0">
+              <a:buNone/>
+              <a:defRPr sz="900"/>
+            </a:lvl4pPr>
+            <a:lvl5pPr marL="1828800" indent="0">
+              <a:buNone/>
+              <a:defRPr sz="900"/>
+            </a:lvl5pPr>
+            <a:lvl6pPr marL="2286000" indent="0">
+              <a:buNone/>
+              <a:defRPr sz="900"/>
+            </a:lvl6pPr>
+            <a:lvl7pPr marL="2743200" indent="0">
+              <a:buNone/>
+              <a:defRPr sz="900"/>
+            </a:lvl7pPr>
+            <a:lvl8pPr marL="3200400" indent="0">
+              <a:buNone/>
+              <a:defRPr sz="900"/>
+            </a:lvl8pPr>
+            <a:lvl9pPr marL="3657600" indent="0">
+              <a:buNone/>
+              <a:defRPr sz="900"/>
+            </a:lvl9pPr>
+          </a:lstStyle>
+          <a:p>
+            <a:pPr lvl="0"/>
+            <a:r>
+              <a:rPr lang="es-ES"/>
+              <a:t>Haga clic para modificar los estilos de texto del patrón</a:t>
+            </a:r>
+          </a:p>
+        </p:txBody>
+      </p:sp>
+      <p:sp>
+        <p:nvSpPr>
+          <p:cNvPr id="3" name="Date Placeholder 2"/>
           <p:cNvSpPr>
             <a:spLocks noGrp="1"/>
           </p:cNvSpPr>
@@ -2832,7 +3144,7 @@
           <a:p>
             <a:fld id="{5BDF422D-3A9D-4522-B8A8-3A175308D352}" type="datetimeFigureOut">
               <a:rPr lang="en-GB" smtClean="0"/>
-              <a:t>08/11/2020</a:t>
+              <a:t>09/11/2020</a:t>
             </a:fld>
             <a:endParaRPr lang="en-GB"/>
           </a:p>
@@ -2840,13 +3152,7 @@
       </p:sp>
       <p:sp>
         <p:nvSpPr>
-          <p:cNvPr id="8" name="Espace réservé du pied de page 7">
-            <a:extLst>
-              <a:ext uri="{FF2B5EF4-FFF2-40B4-BE49-F238E27FC236}">
-                <a16:creationId xmlns:a16="http://schemas.microsoft.com/office/drawing/2014/main" id="{F80BA590-8057-4316-8B60-28F6C3A700A5}"/>
-              </a:ext>
-            </a:extLst>
-          </p:cNvPr>
+          <p:cNvPr id="4" name="Footer Placeholder 3"/>
           <p:cNvSpPr>
             <a:spLocks noGrp="1"/>
           </p:cNvSpPr>
@@ -2865,13 +3171,7 @@
       </p:sp>
       <p:sp>
         <p:nvSpPr>
-          <p:cNvPr id="9" name="Espace réservé du numéro de diapositive 8">
-            <a:extLst>
-              <a:ext uri="{FF2B5EF4-FFF2-40B4-BE49-F238E27FC236}">
-                <a16:creationId xmlns:a16="http://schemas.microsoft.com/office/drawing/2014/main" id="{E627CBFE-FFA8-47C5-A3BB-520E358C9159}"/>
-              </a:ext>
-            </a:extLst>
-          </p:cNvPr>
+          <p:cNvPr id="5" name="Slide Number Placeholder 4"/>
           <p:cNvSpPr>
             <a:spLocks noGrp="1"/>
           </p:cNvSpPr>
@@ -2886,7 +3186,7 @@
           <a:p>
             <a:fld id="{72EF6A0C-AC1E-4942-ADEA-CE8CB825CBDD}" type="slidenum">
               <a:rPr lang="en-GB" smtClean="0"/>
-              <a:t>‹N°›</a:t>
+              <a:t>‹Nº›</a:t>
             </a:fld>
             <a:endParaRPr lang="en-GB"/>
           </a:p>
@@ -2895,7 +3195,7 @@
     </p:spTree>
     <p:extLst>
       <p:ext uri="{BB962C8B-B14F-4D97-AF65-F5344CB8AC3E}">
-        <p14:creationId xmlns:p14="http://schemas.microsoft.com/office/powerpoint/2010/main" val="298924582"/>
+        <p14:creationId xmlns:p14="http://schemas.microsoft.com/office/powerpoint/2010/main" val="1746173179"/>
       </p:ext>
     </p:extLst>
   </p:cSld>
@@ -2905,9 +3205,9 @@
 </p:sldLayout>
 </file>
 
-<file path=ppt/slideLayouts/slideLayout6.xml><?xml version="1.0" encoding="utf-8"?>
-<p:sldLayout xmlns:a="http://schemas.openxmlformats.org/drawingml/2006/main" xmlns:r="http://schemas.openxmlformats.org/officeDocument/2006/relationships" xmlns:p="http://schemas.openxmlformats.org/presentationml/2006/main" type="titleOnly" preserve="1">
-  <p:cSld name="Titre seul">
+<file path=ppt/slideLayouts/slideLayout15.xml><?xml version="1.0" encoding="utf-8"?>
+<p:sldLayout xmlns:a="http://schemas.openxmlformats.org/drawingml/2006/main" xmlns:r="http://schemas.openxmlformats.org/officeDocument/2006/relationships" xmlns:p="http://schemas.openxmlformats.org/presentationml/2006/main" preserve="1">
+  <p:cSld name="Columna de imagen 3">
     <p:spTree>
       <p:nvGrpSpPr>
         <p:cNvPr id="1" name=""/>
@@ -2922,44 +3222,778 @@
           <a:chExt cx="0" cy="0"/>
         </a:xfrm>
       </p:grpSpPr>
-      <p:sp>
-        <p:nvSpPr>
-          <p:cNvPr id="2" name="Titre 1">
+      <p:pic>
+        <p:nvPicPr>
+          <p:cNvPr id="2" name="Picture 1" descr="Slate-V2-HD-3colPhotoInset.png"/>
+          <p:cNvPicPr>
+            <a:picLocks noChangeAspect="1"/>
+          </p:cNvPicPr>
+          <p:nvPr/>
+        </p:nvPicPr>
+        <p:blipFill>
+          <a:blip r:embed="rId2">
             <a:extLst>
-              <a:ext uri="{FF2B5EF4-FFF2-40B4-BE49-F238E27FC236}">
-                <a16:creationId xmlns:a16="http://schemas.microsoft.com/office/drawing/2014/main" id="{CFAA6E65-57FB-495A-8571-942C5D388A14}"/>
+              <a:ext uri="{28A0092B-C50C-407E-A947-70E740481C1C}">
+                <a14:useLocalDpi xmlns:a14="http://schemas.microsoft.com/office/drawing/2010/main" val="0"/>
               </a:ext>
             </a:extLst>
-          </p:cNvPr>
-          <p:cNvSpPr>
-            <a:spLocks noGrp="1"/>
-          </p:cNvSpPr>
-          <p:nvPr>
-            <p:ph type="title"/>
-          </p:nvPr>
-        </p:nvSpPr>
-        <p:spPr/>
-        <p:txBody>
-          <a:bodyPr/>
-          <a:lstStyle/>
-          <a:p>
-            <a:r>
-              <a:rPr lang="fr-FR"/>
-              <a:t>Modifiez le style du titre</a:t>
-            </a:r>
-            <a:endParaRPr lang="en-GB"/>
-          </a:p>
-        </p:txBody>
-      </p:sp>
-      <p:sp>
-        <p:nvSpPr>
-          <p:cNvPr id="3" name="Espace réservé de la date 2">
+          </a:blip>
+          <a:stretch>
+            <a:fillRect/>
+          </a:stretch>
+        </p:blipFill>
+        <p:spPr>
+          <a:xfrm>
+            <a:off x="897962" y="1818214"/>
+            <a:ext cx="3339972" cy="1847851"/>
+          </a:xfrm>
+          <a:prstGeom prst="rect">
+            <a:avLst/>
+          </a:prstGeom>
+        </p:spPr>
+      </p:pic>
+      <p:pic>
+        <p:nvPicPr>
+          <p:cNvPr id="36" name="Picture 35" descr="Slate-V2-HD-3colPhotoInset.png"/>
+          <p:cNvPicPr>
+            <a:picLocks noChangeAspect="1"/>
+          </p:cNvPicPr>
+          <p:nvPr/>
+        </p:nvPicPr>
+        <p:blipFill>
+          <a:blip r:embed="rId2">
             <a:extLst>
-              <a:ext uri="{FF2B5EF4-FFF2-40B4-BE49-F238E27FC236}">
-                <a16:creationId xmlns:a16="http://schemas.microsoft.com/office/drawing/2014/main" id="{8B6EA438-1CEB-40E5-A4B1-BF2CD24875C3}"/>
+              <a:ext uri="{28A0092B-C50C-407E-A947-70E740481C1C}">
+                <a14:useLocalDpi xmlns:a14="http://schemas.microsoft.com/office/drawing/2010/main" val="0"/>
               </a:ext>
             </a:extLst>
-          </p:cNvPr>
+          </a:blip>
+          <a:stretch>
+            <a:fillRect/>
+          </a:stretch>
+        </p:blipFill>
+        <p:spPr>
+          <a:xfrm>
+            <a:off x="4403800" y="1818214"/>
+            <a:ext cx="3339972" cy="1847851"/>
+          </a:xfrm>
+          <a:prstGeom prst="rect">
+            <a:avLst/>
+          </a:prstGeom>
+        </p:spPr>
+      </p:pic>
+      <p:pic>
+        <p:nvPicPr>
+          <p:cNvPr id="37" name="Picture 36" descr="Slate-V2-HD-3colPhotoInset.png"/>
+          <p:cNvPicPr>
+            <a:picLocks noChangeAspect="1"/>
+          </p:cNvPicPr>
+          <p:nvPr/>
+        </p:nvPicPr>
+        <p:blipFill>
+          <a:blip r:embed="rId2">
+            <a:extLst>
+              <a:ext uri="{28A0092B-C50C-407E-A947-70E740481C1C}">
+                <a14:useLocalDpi xmlns:a14="http://schemas.microsoft.com/office/drawing/2010/main" val="0"/>
+              </a:ext>
+            </a:extLst>
+          </a:blip>
+          <a:stretch>
+            <a:fillRect/>
+          </a:stretch>
+        </p:blipFill>
+        <p:spPr>
+          <a:xfrm>
+            <a:off x="7936051" y="1818214"/>
+            <a:ext cx="3339972" cy="1847851"/>
+          </a:xfrm>
+          <a:prstGeom prst="rect">
+            <a:avLst/>
+          </a:prstGeom>
+        </p:spPr>
+      </p:pic>
+      <p:sp>
+        <p:nvSpPr>
+          <p:cNvPr id="30" name="Title 1"/>
+          <p:cNvSpPr>
+            <a:spLocks noGrp="1"/>
+          </p:cNvSpPr>
+          <p:nvPr>
+            <p:ph type="title"/>
+          </p:nvPr>
+        </p:nvSpPr>
+        <p:spPr>
+          <a:xfrm>
+            <a:off x="913794" y="609600"/>
+            <a:ext cx="10353763" cy="970450"/>
+          </a:xfrm>
+        </p:spPr>
+        <p:txBody>
+          <a:bodyPr/>
+          <a:lstStyle/>
+          <a:p>
+            <a:r>
+              <a:rPr lang="es-ES"/>
+              <a:t>Haga clic para modificar el estilo de título del patrón</a:t>
+            </a:r>
+            <a:endParaRPr lang="en-US" dirty="0"/>
+          </a:p>
+        </p:txBody>
+      </p:sp>
+      <p:sp>
+        <p:nvSpPr>
+          <p:cNvPr id="19" name="Text Placeholder 2"/>
+          <p:cNvSpPr>
+            <a:spLocks noGrp="1"/>
+          </p:cNvSpPr>
+          <p:nvPr>
+            <p:ph type="body" idx="1"/>
+          </p:nvPr>
+        </p:nvSpPr>
+        <p:spPr>
+          <a:xfrm>
+            <a:off x="913795" y="3904106"/>
+            <a:ext cx="3300984" cy="576262"/>
+          </a:xfrm>
+        </p:spPr>
+        <p:txBody>
+          <a:bodyPr anchor="b">
+            <a:noAutofit/>
+          </a:bodyPr>
+          <a:lstStyle>
+            <a:lvl1pPr marL="0" indent="0" algn="ctr">
+              <a:buNone/>
+              <a:defRPr sz="2000" b="0">
+                <a:solidFill>
+                  <a:schemeClr val="tx1"/>
+                </a:solidFill>
+              </a:defRPr>
+            </a:lvl1pPr>
+            <a:lvl2pPr marL="457200" indent="0">
+              <a:buNone/>
+              <a:defRPr sz="2000" b="1"/>
+            </a:lvl2pPr>
+            <a:lvl3pPr marL="914400" indent="0">
+              <a:buNone/>
+              <a:defRPr sz="1800" b="1"/>
+            </a:lvl3pPr>
+            <a:lvl4pPr marL="1371600" indent="0">
+              <a:buNone/>
+              <a:defRPr sz="1600" b="1"/>
+            </a:lvl4pPr>
+            <a:lvl5pPr marL="1828800" indent="0">
+              <a:buNone/>
+              <a:defRPr sz="1600" b="1"/>
+            </a:lvl5pPr>
+            <a:lvl6pPr marL="2286000" indent="0">
+              <a:buNone/>
+              <a:defRPr sz="1600" b="1"/>
+            </a:lvl6pPr>
+            <a:lvl7pPr marL="2743200" indent="0">
+              <a:buNone/>
+              <a:defRPr sz="1600" b="1"/>
+            </a:lvl7pPr>
+            <a:lvl8pPr marL="3200400" indent="0">
+              <a:buNone/>
+              <a:defRPr sz="1600" b="1"/>
+            </a:lvl8pPr>
+            <a:lvl9pPr marL="3657600" indent="0">
+              <a:buNone/>
+              <a:defRPr sz="1600" b="1"/>
+            </a:lvl9pPr>
+          </a:lstStyle>
+          <a:p>
+            <a:pPr lvl="0"/>
+            <a:r>
+              <a:rPr lang="es-ES"/>
+              <a:t>Haga clic para modificar los estilos de texto del patrón</a:t>
+            </a:r>
+          </a:p>
+        </p:txBody>
+      </p:sp>
+      <p:sp>
+        <p:nvSpPr>
+          <p:cNvPr id="20" name="Picture Placeholder 2"/>
+          <p:cNvSpPr>
+            <a:spLocks noGrp="1" noChangeAspect="1"/>
+          </p:cNvSpPr>
+          <p:nvPr>
+            <p:ph type="pic" idx="15"/>
+          </p:nvPr>
+        </p:nvSpPr>
+        <p:spPr>
+          <a:xfrm>
+            <a:off x="1018102" y="1938918"/>
+            <a:ext cx="3092368" cy="1602954"/>
+          </a:xfrm>
+          <a:prstGeom prst="roundRect">
+            <a:avLst>
+              <a:gd name="adj" fmla="val 1858"/>
+            </a:avLst>
+          </a:prstGeom>
+          <a:effectLst>
+            <a:outerShdw blurRad="38100" dist="25400" dir="4440000">
+              <a:srgbClr val="000000">
+                <a:alpha val="36000"/>
+              </a:srgbClr>
+            </a:outerShdw>
+          </a:effectLst>
+        </p:spPr>
+        <p:txBody>
+          <a:bodyPr anchor="t">
+            <a:normAutofit/>
+          </a:bodyPr>
+          <a:lstStyle>
+            <a:lvl1pPr marL="0" indent="0" algn="ctr">
+              <a:buNone/>
+              <a:defRPr sz="1600"/>
+            </a:lvl1pPr>
+            <a:lvl2pPr marL="457200" indent="0">
+              <a:buNone/>
+              <a:defRPr sz="1600"/>
+            </a:lvl2pPr>
+            <a:lvl3pPr marL="914400" indent="0">
+              <a:buNone/>
+              <a:defRPr sz="1600"/>
+            </a:lvl3pPr>
+            <a:lvl4pPr marL="1371600" indent="0">
+              <a:buNone/>
+              <a:defRPr sz="1600"/>
+            </a:lvl4pPr>
+            <a:lvl5pPr marL="1828800" indent="0">
+              <a:buNone/>
+              <a:defRPr sz="1600"/>
+            </a:lvl5pPr>
+            <a:lvl6pPr marL="2286000" indent="0">
+              <a:buNone/>
+              <a:defRPr sz="1600"/>
+            </a:lvl6pPr>
+            <a:lvl7pPr marL="2743200" indent="0">
+              <a:buNone/>
+              <a:defRPr sz="1600"/>
+            </a:lvl7pPr>
+            <a:lvl8pPr marL="3200400" indent="0">
+              <a:buNone/>
+              <a:defRPr sz="1600"/>
+            </a:lvl8pPr>
+            <a:lvl9pPr marL="3657600" indent="0">
+              <a:buNone/>
+              <a:defRPr sz="1600"/>
+            </a:lvl9pPr>
+          </a:lstStyle>
+          <a:p>
+            <a:r>
+              <a:rPr lang="es-ES"/>
+              <a:t>Haga clic en el icono para agregar una imagen</a:t>
+            </a:r>
+            <a:endParaRPr lang="en-US" dirty="0"/>
+          </a:p>
+        </p:txBody>
+      </p:sp>
+      <p:sp>
+        <p:nvSpPr>
+          <p:cNvPr id="21" name="Text Placeholder 3"/>
+          <p:cNvSpPr>
+            <a:spLocks noGrp="1"/>
+          </p:cNvSpPr>
+          <p:nvPr>
+            <p:ph type="body" sz="half" idx="18"/>
+          </p:nvPr>
+        </p:nvSpPr>
+        <p:spPr>
+          <a:xfrm>
+            <a:off x="913795" y="4480368"/>
+            <a:ext cx="3300984" cy="1310833"/>
+          </a:xfrm>
+        </p:spPr>
+        <p:txBody>
+          <a:bodyPr anchor="t">
+            <a:normAutofit/>
+          </a:bodyPr>
+          <a:lstStyle>
+            <a:lvl1pPr marL="0" indent="0" algn="ctr">
+              <a:buNone/>
+              <a:defRPr sz="1400"/>
+            </a:lvl1pPr>
+            <a:lvl2pPr marL="457200" indent="0">
+              <a:buNone/>
+              <a:defRPr sz="1200"/>
+            </a:lvl2pPr>
+            <a:lvl3pPr marL="914400" indent="0">
+              <a:buNone/>
+              <a:defRPr sz="1000"/>
+            </a:lvl3pPr>
+            <a:lvl4pPr marL="1371600" indent="0">
+              <a:buNone/>
+              <a:defRPr sz="900"/>
+            </a:lvl4pPr>
+            <a:lvl5pPr marL="1828800" indent="0">
+              <a:buNone/>
+              <a:defRPr sz="900"/>
+            </a:lvl5pPr>
+            <a:lvl6pPr marL="2286000" indent="0">
+              <a:buNone/>
+              <a:defRPr sz="900"/>
+            </a:lvl6pPr>
+            <a:lvl7pPr marL="2743200" indent="0">
+              <a:buNone/>
+              <a:defRPr sz="900"/>
+            </a:lvl7pPr>
+            <a:lvl8pPr marL="3200400" indent="0">
+              <a:buNone/>
+              <a:defRPr sz="900"/>
+            </a:lvl8pPr>
+            <a:lvl9pPr marL="3657600" indent="0">
+              <a:buNone/>
+              <a:defRPr sz="900"/>
+            </a:lvl9pPr>
+          </a:lstStyle>
+          <a:p>
+            <a:pPr lvl="0"/>
+            <a:r>
+              <a:rPr lang="es-ES"/>
+              <a:t>Haga clic para modificar los estilos de texto del patrón</a:t>
+            </a:r>
+          </a:p>
+        </p:txBody>
+      </p:sp>
+      <p:sp>
+        <p:nvSpPr>
+          <p:cNvPr id="22" name="Text Placeholder 4"/>
+          <p:cNvSpPr>
+            <a:spLocks noGrp="1"/>
+          </p:cNvSpPr>
+          <p:nvPr>
+            <p:ph type="body" sz="quarter" idx="3"/>
+          </p:nvPr>
+        </p:nvSpPr>
+        <p:spPr>
+          <a:xfrm>
+            <a:off x="4442788" y="3904106"/>
+            <a:ext cx="3300984" cy="576262"/>
+          </a:xfrm>
+        </p:spPr>
+        <p:txBody>
+          <a:bodyPr anchor="b">
+            <a:noAutofit/>
+          </a:bodyPr>
+          <a:lstStyle>
+            <a:lvl1pPr marL="0" indent="0" algn="ctr">
+              <a:buNone/>
+              <a:defRPr sz="2000" b="0">
+                <a:solidFill>
+                  <a:schemeClr val="tx1"/>
+                </a:solidFill>
+              </a:defRPr>
+            </a:lvl1pPr>
+            <a:lvl2pPr marL="457200" indent="0">
+              <a:buNone/>
+              <a:defRPr sz="2000" b="1"/>
+            </a:lvl2pPr>
+            <a:lvl3pPr marL="914400" indent="0">
+              <a:buNone/>
+              <a:defRPr sz="1800" b="1"/>
+            </a:lvl3pPr>
+            <a:lvl4pPr marL="1371600" indent="0">
+              <a:buNone/>
+              <a:defRPr sz="1600" b="1"/>
+            </a:lvl4pPr>
+            <a:lvl5pPr marL="1828800" indent="0">
+              <a:buNone/>
+              <a:defRPr sz="1600" b="1"/>
+            </a:lvl5pPr>
+            <a:lvl6pPr marL="2286000" indent="0">
+              <a:buNone/>
+              <a:defRPr sz="1600" b="1"/>
+            </a:lvl6pPr>
+            <a:lvl7pPr marL="2743200" indent="0">
+              <a:buNone/>
+              <a:defRPr sz="1600" b="1"/>
+            </a:lvl7pPr>
+            <a:lvl8pPr marL="3200400" indent="0">
+              <a:buNone/>
+              <a:defRPr sz="1600" b="1"/>
+            </a:lvl8pPr>
+            <a:lvl9pPr marL="3657600" indent="0">
+              <a:buNone/>
+              <a:defRPr sz="1600" b="1"/>
+            </a:lvl9pPr>
+          </a:lstStyle>
+          <a:p>
+            <a:pPr lvl="0"/>
+            <a:r>
+              <a:rPr lang="es-ES"/>
+              <a:t>Haga clic para modificar los estilos de texto del patrón</a:t>
+            </a:r>
+          </a:p>
+        </p:txBody>
+      </p:sp>
+      <p:sp>
+        <p:nvSpPr>
+          <p:cNvPr id="23" name="Picture Placeholder 2"/>
+          <p:cNvSpPr>
+            <a:spLocks noGrp="1" noChangeAspect="1"/>
+          </p:cNvSpPr>
+          <p:nvPr>
+            <p:ph type="pic" idx="21"/>
+          </p:nvPr>
+        </p:nvSpPr>
+        <p:spPr>
+          <a:xfrm>
+            <a:off x="4545743" y="1939094"/>
+            <a:ext cx="3092368" cy="1608164"/>
+          </a:xfrm>
+          <a:prstGeom prst="roundRect">
+            <a:avLst>
+              <a:gd name="adj" fmla="val 1858"/>
+            </a:avLst>
+          </a:prstGeom>
+          <a:effectLst>
+            <a:outerShdw blurRad="38100" dist="25400" dir="4440000">
+              <a:srgbClr val="000000">
+                <a:alpha val="36000"/>
+              </a:srgbClr>
+            </a:outerShdw>
+          </a:effectLst>
+        </p:spPr>
+        <p:txBody>
+          <a:bodyPr anchor="t">
+            <a:normAutofit/>
+          </a:bodyPr>
+          <a:lstStyle>
+            <a:lvl1pPr marL="0" indent="0" algn="ctr">
+              <a:buNone/>
+              <a:defRPr sz="1600"/>
+            </a:lvl1pPr>
+            <a:lvl2pPr marL="457200" indent="0">
+              <a:buNone/>
+              <a:defRPr sz="1600"/>
+            </a:lvl2pPr>
+            <a:lvl3pPr marL="914400" indent="0">
+              <a:buNone/>
+              <a:defRPr sz="1600"/>
+            </a:lvl3pPr>
+            <a:lvl4pPr marL="1371600" indent="0">
+              <a:buNone/>
+              <a:defRPr sz="1600"/>
+            </a:lvl4pPr>
+            <a:lvl5pPr marL="1828800" indent="0">
+              <a:buNone/>
+              <a:defRPr sz="1600"/>
+            </a:lvl5pPr>
+            <a:lvl6pPr marL="2286000" indent="0">
+              <a:buNone/>
+              <a:defRPr sz="1600"/>
+            </a:lvl6pPr>
+            <a:lvl7pPr marL="2743200" indent="0">
+              <a:buNone/>
+              <a:defRPr sz="1600"/>
+            </a:lvl7pPr>
+            <a:lvl8pPr marL="3200400" indent="0">
+              <a:buNone/>
+              <a:defRPr sz="1600"/>
+            </a:lvl8pPr>
+            <a:lvl9pPr marL="3657600" indent="0">
+              <a:buNone/>
+              <a:defRPr sz="1600"/>
+            </a:lvl9pPr>
+          </a:lstStyle>
+          <a:p>
+            <a:r>
+              <a:rPr lang="es-ES"/>
+              <a:t>Haga clic en el icono para agregar una imagen</a:t>
+            </a:r>
+            <a:endParaRPr lang="en-US" dirty="0"/>
+          </a:p>
+        </p:txBody>
+      </p:sp>
+      <p:sp>
+        <p:nvSpPr>
+          <p:cNvPr id="24" name="Text Placeholder 3"/>
+          <p:cNvSpPr>
+            <a:spLocks noGrp="1"/>
+          </p:cNvSpPr>
+          <p:nvPr>
+            <p:ph type="body" sz="half" idx="19"/>
+          </p:nvPr>
+        </p:nvSpPr>
+        <p:spPr>
+          <a:xfrm>
+            <a:off x="4441435" y="4480367"/>
+            <a:ext cx="3300984" cy="1310833"/>
+          </a:xfrm>
+        </p:spPr>
+        <p:txBody>
+          <a:bodyPr anchor="t">
+            <a:normAutofit/>
+          </a:bodyPr>
+          <a:lstStyle>
+            <a:lvl1pPr marL="0" indent="0" algn="ctr">
+              <a:buNone/>
+              <a:defRPr sz="1400"/>
+            </a:lvl1pPr>
+            <a:lvl2pPr marL="457200" indent="0">
+              <a:buNone/>
+              <a:defRPr sz="1200"/>
+            </a:lvl2pPr>
+            <a:lvl3pPr marL="914400" indent="0">
+              <a:buNone/>
+              <a:defRPr sz="1000"/>
+            </a:lvl3pPr>
+            <a:lvl4pPr marL="1371600" indent="0">
+              <a:buNone/>
+              <a:defRPr sz="900"/>
+            </a:lvl4pPr>
+            <a:lvl5pPr marL="1828800" indent="0">
+              <a:buNone/>
+              <a:defRPr sz="900"/>
+            </a:lvl5pPr>
+            <a:lvl6pPr marL="2286000" indent="0">
+              <a:buNone/>
+              <a:defRPr sz="900"/>
+            </a:lvl6pPr>
+            <a:lvl7pPr marL="2743200" indent="0">
+              <a:buNone/>
+              <a:defRPr sz="900"/>
+            </a:lvl7pPr>
+            <a:lvl8pPr marL="3200400" indent="0">
+              <a:buNone/>
+              <a:defRPr sz="900"/>
+            </a:lvl8pPr>
+            <a:lvl9pPr marL="3657600" indent="0">
+              <a:buNone/>
+              <a:defRPr sz="900"/>
+            </a:lvl9pPr>
+          </a:lstStyle>
+          <a:p>
+            <a:pPr lvl="0"/>
+            <a:r>
+              <a:rPr lang="es-ES"/>
+              <a:t>Haga clic para modificar los estilos de texto del patrón</a:t>
+            </a:r>
+          </a:p>
+        </p:txBody>
+      </p:sp>
+      <p:sp>
+        <p:nvSpPr>
+          <p:cNvPr id="25" name="Text Placeholder 4"/>
+          <p:cNvSpPr>
+            <a:spLocks noGrp="1"/>
+          </p:cNvSpPr>
+          <p:nvPr>
+            <p:ph type="body" sz="quarter" idx="13"/>
+          </p:nvPr>
+        </p:nvSpPr>
+        <p:spPr>
+          <a:xfrm>
+            <a:off x="7966697" y="3904106"/>
+            <a:ext cx="3300984" cy="576262"/>
+          </a:xfrm>
+        </p:spPr>
+        <p:txBody>
+          <a:bodyPr anchor="b">
+            <a:noAutofit/>
+          </a:bodyPr>
+          <a:lstStyle>
+            <a:lvl1pPr marL="0" indent="0" algn="ctr">
+              <a:buNone/>
+              <a:defRPr sz="2000" b="0">
+                <a:solidFill>
+                  <a:schemeClr val="tx1"/>
+                </a:solidFill>
+              </a:defRPr>
+            </a:lvl1pPr>
+            <a:lvl2pPr marL="457200" indent="0">
+              <a:buNone/>
+              <a:defRPr sz="2000" b="1"/>
+            </a:lvl2pPr>
+            <a:lvl3pPr marL="914400" indent="0">
+              <a:buNone/>
+              <a:defRPr sz="1800" b="1"/>
+            </a:lvl3pPr>
+            <a:lvl4pPr marL="1371600" indent="0">
+              <a:buNone/>
+              <a:defRPr sz="1600" b="1"/>
+            </a:lvl4pPr>
+            <a:lvl5pPr marL="1828800" indent="0">
+              <a:buNone/>
+              <a:defRPr sz="1600" b="1"/>
+            </a:lvl5pPr>
+            <a:lvl6pPr marL="2286000" indent="0">
+              <a:buNone/>
+              <a:defRPr sz="1600" b="1"/>
+            </a:lvl6pPr>
+            <a:lvl7pPr marL="2743200" indent="0">
+              <a:buNone/>
+              <a:defRPr sz="1600" b="1"/>
+            </a:lvl7pPr>
+            <a:lvl8pPr marL="3200400" indent="0">
+              <a:buNone/>
+              <a:defRPr sz="1600" b="1"/>
+            </a:lvl8pPr>
+            <a:lvl9pPr marL="3657600" indent="0">
+              <a:buNone/>
+              <a:defRPr sz="1600" b="1"/>
+            </a:lvl9pPr>
+          </a:lstStyle>
+          <a:p>
+            <a:pPr lvl="0"/>
+            <a:r>
+              <a:rPr lang="es-ES"/>
+              <a:t>Haga clic para modificar los estilos de texto del patrón</a:t>
+            </a:r>
+          </a:p>
+        </p:txBody>
+      </p:sp>
+      <p:sp>
+        <p:nvSpPr>
+          <p:cNvPr id="26" name="Picture Placeholder 2"/>
+          <p:cNvSpPr>
+            <a:spLocks noGrp="1" noChangeAspect="1"/>
+          </p:cNvSpPr>
+          <p:nvPr>
+            <p:ph type="pic" idx="22"/>
+          </p:nvPr>
+        </p:nvSpPr>
+        <p:spPr>
+          <a:xfrm>
+            <a:off x="8075698" y="1934432"/>
+            <a:ext cx="3092368" cy="1607294"/>
+          </a:xfrm>
+          <a:prstGeom prst="roundRect">
+            <a:avLst>
+              <a:gd name="adj" fmla="val 1858"/>
+            </a:avLst>
+          </a:prstGeom>
+          <a:effectLst>
+            <a:outerShdw blurRad="38100" dist="25400" dir="4440000">
+              <a:srgbClr val="000000">
+                <a:alpha val="36000"/>
+              </a:srgbClr>
+            </a:outerShdw>
+          </a:effectLst>
+        </p:spPr>
+        <p:txBody>
+          <a:bodyPr anchor="t">
+            <a:normAutofit/>
+          </a:bodyPr>
+          <a:lstStyle>
+            <a:lvl1pPr marL="0" indent="0" algn="ctr">
+              <a:buNone/>
+              <a:defRPr sz="1600"/>
+            </a:lvl1pPr>
+            <a:lvl2pPr marL="457200" indent="0">
+              <a:buNone/>
+              <a:defRPr sz="1600"/>
+            </a:lvl2pPr>
+            <a:lvl3pPr marL="914400" indent="0">
+              <a:buNone/>
+              <a:defRPr sz="1600"/>
+            </a:lvl3pPr>
+            <a:lvl4pPr marL="1371600" indent="0">
+              <a:buNone/>
+              <a:defRPr sz="1600"/>
+            </a:lvl4pPr>
+            <a:lvl5pPr marL="1828800" indent="0">
+              <a:buNone/>
+              <a:defRPr sz="1600"/>
+            </a:lvl5pPr>
+            <a:lvl6pPr marL="2286000" indent="0">
+              <a:buNone/>
+              <a:defRPr sz="1600"/>
+            </a:lvl6pPr>
+            <a:lvl7pPr marL="2743200" indent="0">
+              <a:buNone/>
+              <a:defRPr sz="1600"/>
+            </a:lvl7pPr>
+            <a:lvl8pPr marL="3200400" indent="0">
+              <a:buNone/>
+              <a:defRPr sz="1600"/>
+            </a:lvl8pPr>
+            <a:lvl9pPr marL="3657600" indent="0">
+              <a:buNone/>
+              <a:defRPr sz="1600"/>
+            </a:lvl9pPr>
+          </a:lstStyle>
+          <a:p>
+            <a:r>
+              <a:rPr lang="es-ES"/>
+              <a:t>Haga clic en el icono para agregar una imagen</a:t>
+            </a:r>
+            <a:endParaRPr lang="en-US" dirty="0"/>
+          </a:p>
+        </p:txBody>
+      </p:sp>
+      <p:sp>
+        <p:nvSpPr>
+          <p:cNvPr id="27" name="Text Placeholder 3"/>
+          <p:cNvSpPr>
+            <a:spLocks noGrp="1"/>
+          </p:cNvSpPr>
+          <p:nvPr>
+            <p:ph type="body" sz="half" idx="20"/>
+          </p:nvPr>
+        </p:nvSpPr>
+        <p:spPr>
+          <a:xfrm>
+            <a:off x="7966572" y="4480365"/>
+            <a:ext cx="3300984" cy="1310835"/>
+          </a:xfrm>
+        </p:spPr>
+        <p:txBody>
+          <a:bodyPr anchor="t">
+            <a:normAutofit/>
+          </a:bodyPr>
+          <a:lstStyle>
+            <a:lvl1pPr marL="0" indent="0" algn="ctr">
+              <a:buNone/>
+              <a:defRPr sz="1400"/>
+            </a:lvl1pPr>
+            <a:lvl2pPr marL="457200" indent="0">
+              <a:buNone/>
+              <a:defRPr sz="1200"/>
+            </a:lvl2pPr>
+            <a:lvl3pPr marL="914400" indent="0">
+              <a:buNone/>
+              <a:defRPr sz="1000"/>
+            </a:lvl3pPr>
+            <a:lvl4pPr marL="1371600" indent="0">
+              <a:buNone/>
+              <a:defRPr sz="900"/>
+            </a:lvl4pPr>
+            <a:lvl5pPr marL="1828800" indent="0">
+              <a:buNone/>
+              <a:defRPr sz="900"/>
+            </a:lvl5pPr>
+            <a:lvl6pPr marL="2286000" indent="0">
+              <a:buNone/>
+              <a:defRPr sz="900"/>
+            </a:lvl6pPr>
+            <a:lvl7pPr marL="2743200" indent="0">
+              <a:buNone/>
+              <a:defRPr sz="900"/>
+            </a:lvl7pPr>
+            <a:lvl8pPr marL="3200400" indent="0">
+              <a:buNone/>
+              <a:defRPr sz="900"/>
+            </a:lvl8pPr>
+            <a:lvl9pPr marL="3657600" indent="0">
+              <a:buNone/>
+              <a:defRPr sz="900"/>
+            </a:lvl9pPr>
+          </a:lstStyle>
+          <a:p>
+            <a:pPr lvl="0"/>
+            <a:r>
+              <a:rPr lang="es-ES"/>
+              <a:t>Haga clic para modificar los estilos de texto del patrón</a:t>
+            </a:r>
+          </a:p>
+        </p:txBody>
+      </p:sp>
+      <p:sp>
+        <p:nvSpPr>
+          <p:cNvPr id="3" name="Date Placeholder 2"/>
           <p:cNvSpPr>
             <a:spLocks noGrp="1"/>
           </p:cNvSpPr>
@@ -2974,7 +4008,7 @@
           <a:p>
             <a:fld id="{5BDF422D-3A9D-4522-B8A8-3A175308D352}" type="datetimeFigureOut">
               <a:rPr lang="en-GB" smtClean="0"/>
-              <a:t>08/11/2020</a:t>
+              <a:t>09/11/2020</a:t>
             </a:fld>
             <a:endParaRPr lang="en-GB"/>
           </a:p>
@@ -2982,13 +4016,7 @@
       </p:sp>
       <p:sp>
         <p:nvSpPr>
-          <p:cNvPr id="4" name="Espace réservé du pied de page 3">
-            <a:extLst>
-              <a:ext uri="{FF2B5EF4-FFF2-40B4-BE49-F238E27FC236}">
-                <a16:creationId xmlns:a16="http://schemas.microsoft.com/office/drawing/2014/main" id="{1FCD7A31-722E-443E-A943-F8F8F7BD6FBF}"/>
-              </a:ext>
-            </a:extLst>
-          </p:cNvPr>
+          <p:cNvPr id="4" name="Footer Placeholder 3"/>
           <p:cNvSpPr>
             <a:spLocks noGrp="1"/>
           </p:cNvSpPr>
@@ -3007,13 +4035,7 @@
       </p:sp>
       <p:sp>
         <p:nvSpPr>
-          <p:cNvPr id="5" name="Espace réservé du numéro de diapositive 4">
-            <a:extLst>
-              <a:ext uri="{FF2B5EF4-FFF2-40B4-BE49-F238E27FC236}">
-                <a16:creationId xmlns:a16="http://schemas.microsoft.com/office/drawing/2014/main" id="{FC21708B-FA53-434C-BDB5-3C6631BA6384}"/>
-              </a:ext>
-            </a:extLst>
-          </p:cNvPr>
+          <p:cNvPr id="5" name="Slide Number Placeholder 4"/>
           <p:cNvSpPr>
             <a:spLocks noGrp="1"/>
           </p:cNvSpPr>
@@ -3028,7 +4050,7 @@
           <a:p>
             <a:fld id="{72EF6A0C-AC1E-4942-ADEA-CE8CB825CBDD}" type="slidenum">
               <a:rPr lang="en-GB" smtClean="0"/>
-              <a:t>‹N°›</a:t>
+              <a:t>‹Nº›</a:t>
             </a:fld>
             <a:endParaRPr lang="en-GB"/>
           </a:p>
@@ -3037,7 +4059,7 @@
     </p:spTree>
     <p:extLst>
       <p:ext uri="{BB962C8B-B14F-4D97-AF65-F5344CB8AC3E}">
-        <p14:creationId xmlns:p14="http://schemas.microsoft.com/office/powerpoint/2010/main" val="1163078012"/>
+        <p14:creationId xmlns:p14="http://schemas.microsoft.com/office/powerpoint/2010/main" val="2522089131"/>
       </p:ext>
     </p:extLst>
   </p:cSld>
@@ -3047,9 +4069,9 @@
 </p:sldLayout>
 </file>
 
-<file path=ppt/slideLayouts/slideLayout7.xml><?xml version="1.0" encoding="utf-8"?>
-<p:sldLayout xmlns:a="http://schemas.openxmlformats.org/drawingml/2006/main" xmlns:r="http://schemas.openxmlformats.org/officeDocument/2006/relationships" xmlns:p="http://schemas.openxmlformats.org/presentationml/2006/main" type="blank" preserve="1">
-  <p:cSld name="Vide">
+<file path=ppt/slideLayouts/slideLayout16.xml><?xml version="1.0" encoding="utf-8"?>
+<p:sldLayout xmlns:a="http://schemas.openxmlformats.org/drawingml/2006/main" xmlns:r="http://schemas.openxmlformats.org/officeDocument/2006/relationships" xmlns:p="http://schemas.openxmlformats.org/presentationml/2006/main" type="vertTx" preserve="1">
+  <p:cSld name="Título y texto vertical">
     <p:spTree>
       <p:nvGrpSpPr>
         <p:cNvPr id="1" name=""/>
@@ -3066,13 +4088,82 @@
       </p:grpSpPr>
       <p:sp>
         <p:nvSpPr>
-          <p:cNvPr id="2" name="Espace réservé de la date 1">
-            <a:extLst>
-              <a:ext uri="{FF2B5EF4-FFF2-40B4-BE49-F238E27FC236}">
-                <a16:creationId xmlns:a16="http://schemas.microsoft.com/office/drawing/2014/main" id="{D3E15990-82DB-47C1-8D7E-F6A48CBD1955}"/>
-              </a:ext>
-            </a:extLst>
-          </p:cNvPr>
+          <p:cNvPr id="2" name="Title 1"/>
+          <p:cNvSpPr>
+            <a:spLocks noGrp="1"/>
+          </p:cNvSpPr>
+          <p:nvPr>
+            <p:ph type="title"/>
+          </p:nvPr>
+        </p:nvSpPr>
+        <p:spPr/>
+        <p:txBody>
+          <a:bodyPr/>
+          <a:lstStyle/>
+          <a:p>
+            <a:r>
+              <a:rPr lang="es-ES"/>
+              <a:t>Haga clic para modificar el estilo de título del patrón</a:t>
+            </a:r>
+            <a:endParaRPr lang="en-US" dirty="0"/>
+          </a:p>
+        </p:txBody>
+      </p:sp>
+      <p:sp>
+        <p:nvSpPr>
+          <p:cNvPr id="3" name="Vertical Text Placeholder 2"/>
+          <p:cNvSpPr>
+            <a:spLocks noGrp="1"/>
+          </p:cNvSpPr>
+          <p:nvPr>
+            <p:ph type="body" orient="vert" idx="1"/>
+          </p:nvPr>
+        </p:nvSpPr>
+        <p:spPr/>
+        <p:txBody>
+          <a:bodyPr vert="eaVert" anchor="t"/>
+          <a:lstStyle/>
+          <a:p>
+            <a:pPr lvl="0"/>
+            <a:r>
+              <a:rPr lang="es-ES"/>
+              <a:t>Haga clic para modificar los estilos de texto del patrón</a:t>
+            </a:r>
+          </a:p>
+          <a:p>
+            <a:pPr lvl="1"/>
+            <a:r>
+              <a:rPr lang="es-ES"/>
+              <a:t>Segundo nivel</a:t>
+            </a:r>
+          </a:p>
+          <a:p>
+            <a:pPr lvl="2"/>
+            <a:r>
+              <a:rPr lang="es-ES"/>
+              <a:t>Tercer nivel</a:t>
+            </a:r>
+          </a:p>
+          <a:p>
+            <a:pPr lvl="3"/>
+            <a:r>
+              <a:rPr lang="es-ES"/>
+              <a:t>Cuarto nivel</a:t>
+            </a:r>
+          </a:p>
+          <a:p>
+            <a:pPr lvl="4"/>
+            <a:r>
+              <a:rPr lang="es-ES"/>
+              <a:t>Quinto nivel</a:t>
+            </a:r>
+            <a:endParaRPr lang="en-US" dirty="0"/>
+          </a:p>
+        </p:txBody>
+      </p:sp>
+      <p:sp>
+        <p:nvSpPr>
+          <p:cNvPr id="4" name="Date Placeholder 3"/>
           <p:cNvSpPr>
             <a:spLocks noGrp="1"/>
           </p:cNvSpPr>
@@ -3087,7 +4178,7 @@
           <a:p>
             <a:fld id="{5BDF422D-3A9D-4522-B8A8-3A175308D352}" type="datetimeFigureOut">
               <a:rPr lang="en-GB" smtClean="0"/>
-              <a:t>08/11/2020</a:t>
+              <a:t>09/11/2020</a:t>
             </a:fld>
             <a:endParaRPr lang="en-GB"/>
           </a:p>
@@ -3095,13 +4186,7 @@
       </p:sp>
       <p:sp>
         <p:nvSpPr>
-          <p:cNvPr id="3" name="Espace réservé du pied de page 2">
-            <a:extLst>
-              <a:ext uri="{FF2B5EF4-FFF2-40B4-BE49-F238E27FC236}">
-                <a16:creationId xmlns:a16="http://schemas.microsoft.com/office/drawing/2014/main" id="{453BD945-C5EA-473F-874C-B347341EC97B}"/>
-              </a:ext>
-            </a:extLst>
-          </p:cNvPr>
+          <p:cNvPr id="5" name="Footer Placeholder 4"/>
           <p:cNvSpPr>
             <a:spLocks noGrp="1"/>
           </p:cNvSpPr>
@@ -3120,13 +4205,7 @@
       </p:sp>
       <p:sp>
         <p:nvSpPr>
-          <p:cNvPr id="4" name="Espace réservé du numéro de diapositive 3">
-            <a:extLst>
-              <a:ext uri="{FF2B5EF4-FFF2-40B4-BE49-F238E27FC236}">
-                <a16:creationId xmlns:a16="http://schemas.microsoft.com/office/drawing/2014/main" id="{81E24AA1-19B5-49E4-A097-A6F5C61DF0F2}"/>
-              </a:ext>
-            </a:extLst>
-          </p:cNvPr>
+          <p:cNvPr id="6" name="Slide Number Placeholder 5"/>
           <p:cNvSpPr>
             <a:spLocks noGrp="1"/>
           </p:cNvSpPr>
@@ -3141,7 +4220,7 @@
           <a:p>
             <a:fld id="{72EF6A0C-AC1E-4942-ADEA-CE8CB825CBDD}" type="slidenum">
               <a:rPr lang="en-GB" smtClean="0"/>
-              <a:t>‹N°›</a:t>
+              <a:t>‹Nº›</a:t>
             </a:fld>
             <a:endParaRPr lang="en-GB"/>
           </a:p>
@@ -3150,7 +4229,7 @@
     </p:spTree>
     <p:extLst>
       <p:ext uri="{BB962C8B-B14F-4D97-AF65-F5344CB8AC3E}">
-        <p14:creationId xmlns:p14="http://schemas.microsoft.com/office/powerpoint/2010/main" val="3603612646"/>
+        <p14:creationId xmlns:p14="http://schemas.microsoft.com/office/powerpoint/2010/main" val="1511871775"/>
       </p:ext>
     </p:extLst>
   </p:cSld>
@@ -3160,9 +4239,9 @@
 </p:sldLayout>
 </file>
 
-<file path=ppt/slideLayouts/slideLayout8.xml><?xml version="1.0" encoding="utf-8"?>
-<p:sldLayout xmlns:a="http://schemas.openxmlformats.org/drawingml/2006/main" xmlns:r="http://schemas.openxmlformats.org/officeDocument/2006/relationships" xmlns:p="http://schemas.openxmlformats.org/presentationml/2006/main" type="objTx" preserve="1">
-  <p:cSld name="Contenu avec légende">
+<file path=ppt/slideLayouts/slideLayout17.xml><?xml version="1.0" encoding="utf-8"?>
+<p:sldLayout xmlns:a="http://schemas.openxmlformats.org/drawingml/2006/main" xmlns:r="http://schemas.openxmlformats.org/officeDocument/2006/relationships" xmlns:p="http://schemas.openxmlformats.org/presentationml/2006/main" type="vertTitleAndTx" preserve="1">
+  <p:cSld name="Título vertical y texto">
     <p:spTree>
       <p:nvGrpSpPr>
         <p:cNvPr id="1" name=""/>
@@ -3179,213 +4258,96 @@
       </p:grpSpPr>
       <p:sp>
         <p:nvSpPr>
-          <p:cNvPr id="2" name="Titre 1">
-            <a:extLst>
-              <a:ext uri="{FF2B5EF4-FFF2-40B4-BE49-F238E27FC236}">
-                <a16:creationId xmlns:a16="http://schemas.microsoft.com/office/drawing/2014/main" id="{B1BE0B59-1931-4254-8D73-CCCB3B8C10F5}"/>
-              </a:ext>
-            </a:extLst>
-          </p:cNvPr>
-          <p:cNvSpPr>
-            <a:spLocks noGrp="1"/>
-          </p:cNvSpPr>
-          <p:nvPr>
-            <p:ph type="title"/>
+          <p:cNvPr id="2" name="Vertical Title 1"/>
+          <p:cNvSpPr>
+            <a:spLocks noGrp="1"/>
+          </p:cNvSpPr>
+          <p:nvPr>
+            <p:ph type="title" orient="vert"/>
           </p:nvPr>
         </p:nvSpPr>
         <p:spPr>
           <a:xfrm>
-            <a:off x="839788" y="457200"/>
-            <a:ext cx="3932237" cy="1600200"/>
+            <a:off x="8983068" y="609599"/>
+            <a:ext cx="2284487" cy="5181601"/>
           </a:xfrm>
         </p:spPr>
         <p:txBody>
-          <a:bodyPr anchor="b"/>
+          <a:bodyPr vert="eaVert"/>
           <a:lstStyle>
-            <a:lvl1pPr>
-              <a:defRPr sz="3200"/>
+            <a:lvl1pPr algn="l">
+              <a:defRPr/>
             </a:lvl1pPr>
           </a:lstStyle>
           <a:p>
             <a:r>
-              <a:rPr lang="fr-FR"/>
-              <a:t>Modifiez le style du titre</a:t>
-            </a:r>
-            <a:endParaRPr lang="en-GB"/>
-          </a:p>
-        </p:txBody>
-      </p:sp>
-      <p:sp>
-        <p:nvSpPr>
-          <p:cNvPr id="3" name="Espace réservé du contenu 2">
-            <a:extLst>
-              <a:ext uri="{FF2B5EF4-FFF2-40B4-BE49-F238E27FC236}">
-                <a16:creationId xmlns:a16="http://schemas.microsoft.com/office/drawing/2014/main" id="{275468C5-A1B3-4463-AE89-67FCD9674449}"/>
-              </a:ext>
-            </a:extLst>
-          </p:cNvPr>
-          <p:cNvSpPr>
-            <a:spLocks noGrp="1"/>
-          </p:cNvSpPr>
-          <p:nvPr>
-            <p:ph idx="1"/>
+              <a:rPr lang="es-ES"/>
+              <a:t>Haga clic para modificar el estilo de título del patrón</a:t>
+            </a:r>
+            <a:endParaRPr lang="en-US" dirty="0"/>
+          </a:p>
+        </p:txBody>
+      </p:sp>
+      <p:sp>
+        <p:nvSpPr>
+          <p:cNvPr id="3" name="Vertical Text Placeholder 2"/>
+          <p:cNvSpPr>
+            <a:spLocks noGrp="1"/>
+          </p:cNvSpPr>
+          <p:nvPr>
+            <p:ph type="body" orient="vert" idx="1"/>
           </p:nvPr>
         </p:nvSpPr>
         <p:spPr>
           <a:xfrm>
-            <a:off x="5183188" y="987425"/>
-            <a:ext cx="6172200" cy="4873625"/>
+            <a:off x="913796" y="609599"/>
+            <a:ext cx="7916872" cy="5181601"/>
           </a:xfrm>
         </p:spPr>
         <p:txBody>
-          <a:bodyPr/>
-          <a:lstStyle>
-            <a:lvl1pPr>
-              <a:defRPr sz="3200"/>
-            </a:lvl1pPr>
-            <a:lvl2pPr>
-              <a:defRPr sz="2800"/>
-            </a:lvl2pPr>
-            <a:lvl3pPr>
-              <a:defRPr sz="2400"/>
-            </a:lvl3pPr>
-            <a:lvl4pPr>
-              <a:defRPr sz="2000"/>
-            </a:lvl4pPr>
-            <a:lvl5pPr>
-              <a:defRPr sz="2000"/>
-            </a:lvl5pPr>
-            <a:lvl6pPr>
-              <a:defRPr sz="2000"/>
-            </a:lvl6pPr>
-            <a:lvl7pPr>
-              <a:defRPr sz="2000"/>
-            </a:lvl7pPr>
-            <a:lvl8pPr>
-              <a:defRPr sz="2000"/>
-            </a:lvl8pPr>
-            <a:lvl9pPr>
-              <a:defRPr sz="2000"/>
-            </a:lvl9pPr>
-          </a:lstStyle>
+          <a:bodyPr vert="eaVert" anchor="t"/>
+          <a:lstStyle/>
           <a:p>
             <a:pPr lvl="0"/>
             <a:r>
-              <a:rPr lang="fr-FR"/>
-              <a:t>Cliquez pour modifier les styles du texte du masque</a:t>
+              <a:rPr lang="es-ES"/>
+              <a:t>Haga clic para modificar los estilos de texto del patrón</a:t>
             </a:r>
           </a:p>
           <a:p>
             <a:pPr lvl="1"/>
             <a:r>
-              <a:rPr lang="fr-FR"/>
-              <a:t>Deuxième niveau</a:t>
+              <a:rPr lang="es-ES"/>
+              <a:t>Segundo nivel</a:t>
             </a:r>
           </a:p>
           <a:p>
             <a:pPr lvl="2"/>
             <a:r>
-              <a:rPr lang="fr-FR"/>
-              <a:t>Troisième niveau</a:t>
+              <a:rPr lang="es-ES"/>
+              <a:t>Tercer nivel</a:t>
             </a:r>
           </a:p>
           <a:p>
             <a:pPr lvl="3"/>
             <a:r>
-              <a:rPr lang="fr-FR"/>
-              <a:t>Quatrième niveau</a:t>
+              <a:rPr lang="es-ES"/>
+              <a:t>Cuarto nivel</a:t>
             </a:r>
           </a:p>
           <a:p>
             <a:pPr lvl="4"/>
             <a:r>
-              <a:rPr lang="fr-FR"/>
-              <a:t>Cinquième niveau</a:t>
-            </a:r>
-            <a:endParaRPr lang="en-GB"/>
-          </a:p>
-        </p:txBody>
-      </p:sp>
-      <p:sp>
-        <p:nvSpPr>
-          <p:cNvPr id="4" name="Espace réservé du texte 3">
-            <a:extLst>
-              <a:ext uri="{FF2B5EF4-FFF2-40B4-BE49-F238E27FC236}">
-                <a16:creationId xmlns:a16="http://schemas.microsoft.com/office/drawing/2014/main" id="{A75026DA-2DA0-488A-A19F-79352DE5EC77}"/>
-              </a:ext>
-            </a:extLst>
-          </p:cNvPr>
-          <p:cNvSpPr>
-            <a:spLocks noGrp="1"/>
-          </p:cNvSpPr>
-          <p:nvPr>
-            <p:ph type="body" sz="half" idx="2"/>
-          </p:nvPr>
-        </p:nvSpPr>
-        <p:spPr>
-          <a:xfrm>
-            <a:off x="839788" y="2057400"/>
-            <a:ext cx="3932237" cy="3811588"/>
-          </a:xfrm>
-        </p:spPr>
-        <p:txBody>
-          <a:bodyPr/>
-          <a:lstStyle>
-            <a:lvl1pPr marL="0" indent="0">
-              <a:buNone/>
-              <a:defRPr sz="1600"/>
-            </a:lvl1pPr>
-            <a:lvl2pPr marL="457200" indent="0">
-              <a:buNone/>
-              <a:defRPr sz="1400"/>
-            </a:lvl2pPr>
-            <a:lvl3pPr marL="914400" indent="0">
-              <a:buNone/>
-              <a:defRPr sz="1200"/>
-            </a:lvl3pPr>
-            <a:lvl4pPr marL="1371600" indent="0">
-              <a:buNone/>
-              <a:defRPr sz="1000"/>
-            </a:lvl4pPr>
-            <a:lvl5pPr marL="1828800" indent="0">
-              <a:buNone/>
-              <a:defRPr sz="1000"/>
-            </a:lvl5pPr>
-            <a:lvl6pPr marL="2286000" indent="0">
-              <a:buNone/>
-              <a:defRPr sz="1000"/>
-            </a:lvl6pPr>
-            <a:lvl7pPr marL="2743200" indent="0">
-              <a:buNone/>
-              <a:defRPr sz="1000"/>
-            </a:lvl7pPr>
-            <a:lvl8pPr marL="3200400" indent="0">
-              <a:buNone/>
-              <a:defRPr sz="1000"/>
-            </a:lvl8pPr>
-            <a:lvl9pPr marL="3657600" indent="0">
-              <a:buNone/>
-              <a:defRPr sz="1000"/>
-            </a:lvl9pPr>
-          </a:lstStyle>
-          <a:p>
-            <a:pPr lvl="0"/>
-            <a:r>
-              <a:rPr lang="fr-FR"/>
-              <a:t>Cliquez pour modifier les styles du texte du masque</a:t>
-            </a:r>
-          </a:p>
-        </p:txBody>
-      </p:sp>
-      <p:sp>
-        <p:nvSpPr>
-          <p:cNvPr id="5" name="Espace réservé de la date 4">
-            <a:extLst>
-              <a:ext uri="{FF2B5EF4-FFF2-40B4-BE49-F238E27FC236}">
-                <a16:creationId xmlns:a16="http://schemas.microsoft.com/office/drawing/2014/main" id="{4580C30D-046C-44E3-9734-DCC6F1202277}"/>
-              </a:ext>
-            </a:extLst>
-          </p:cNvPr>
+              <a:rPr lang="es-ES"/>
+              <a:t>Quinto nivel</a:t>
+            </a:r>
+            <a:endParaRPr lang="en-US" dirty="0"/>
+          </a:p>
+        </p:txBody>
+      </p:sp>
+      <p:sp>
+        <p:nvSpPr>
+          <p:cNvPr id="4" name="Date Placeholder 3"/>
           <p:cNvSpPr>
             <a:spLocks noGrp="1"/>
           </p:cNvSpPr>
@@ -3400,7 +4362,7 @@
           <a:p>
             <a:fld id="{5BDF422D-3A9D-4522-B8A8-3A175308D352}" type="datetimeFigureOut">
               <a:rPr lang="en-GB" smtClean="0"/>
-              <a:t>08/11/2020</a:t>
+              <a:t>09/11/2020</a:t>
             </a:fld>
             <a:endParaRPr lang="en-GB"/>
           </a:p>
@@ -3408,13 +4370,7 @@
       </p:sp>
       <p:sp>
         <p:nvSpPr>
-          <p:cNvPr id="6" name="Espace réservé du pied de page 5">
-            <a:extLst>
-              <a:ext uri="{FF2B5EF4-FFF2-40B4-BE49-F238E27FC236}">
-                <a16:creationId xmlns:a16="http://schemas.microsoft.com/office/drawing/2014/main" id="{FD167C0B-8872-4FAB-B9E5-9500DF34A7D3}"/>
-              </a:ext>
-            </a:extLst>
-          </p:cNvPr>
+          <p:cNvPr id="5" name="Footer Placeholder 4"/>
           <p:cNvSpPr>
             <a:spLocks noGrp="1"/>
           </p:cNvSpPr>
@@ -3433,13 +4389,7 @@
       </p:sp>
       <p:sp>
         <p:nvSpPr>
-          <p:cNvPr id="7" name="Espace réservé du numéro de diapositive 6">
-            <a:extLst>
-              <a:ext uri="{FF2B5EF4-FFF2-40B4-BE49-F238E27FC236}">
-                <a16:creationId xmlns:a16="http://schemas.microsoft.com/office/drawing/2014/main" id="{156A634D-FD54-403A-8D19-B92A9B1E4698}"/>
-              </a:ext>
-            </a:extLst>
-          </p:cNvPr>
+          <p:cNvPr id="6" name="Slide Number Placeholder 5"/>
           <p:cNvSpPr>
             <a:spLocks noGrp="1"/>
           </p:cNvSpPr>
@@ -3454,7 +4404,7 @@
           <a:p>
             <a:fld id="{72EF6A0C-AC1E-4942-ADEA-CE8CB825CBDD}" type="slidenum">
               <a:rPr lang="en-GB" smtClean="0"/>
-              <a:t>‹N°›</a:t>
+              <a:t>‹Nº›</a:t>
             </a:fld>
             <a:endParaRPr lang="en-GB"/>
           </a:p>
@@ -3463,7 +4413,7 @@
     </p:spTree>
     <p:extLst>
       <p:ext uri="{BB962C8B-B14F-4D97-AF65-F5344CB8AC3E}">
-        <p14:creationId xmlns:p14="http://schemas.microsoft.com/office/powerpoint/2010/main" val="3548053584"/>
+        <p14:creationId xmlns:p14="http://schemas.microsoft.com/office/powerpoint/2010/main" val="4236658693"/>
       </p:ext>
     </p:extLst>
   </p:cSld>
@@ -3473,9 +4423,9 @@
 </p:sldLayout>
 </file>
 
-<file path=ppt/slideLayouts/slideLayout9.xml><?xml version="1.0" encoding="utf-8"?>
-<p:sldLayout xmlns:a="http://schemas.openxmlformats.org/drawingml/2006/main" xmlns:r="http://schemas.openxmlformats.org/officeDocument/2006/relationships" xmlns:p="http://schemas.openxmlformats.org/presentationml/2006/main" type="picTx" preserve="1">
-  <p:cSld name="Image avec légende">
+<file path=ppt/slideLayouts/slideLayout2.xml><?xml version="1.0" encoding="utf-8"?>
+<p:sldLayout xmlns:a="http://schemas.openxmlformats.org/drawingml/2006/main" xmlns:r="http://schemas.openxmlformats.org/officeDocument/2006/relationships" xmlns:p="http://schemas.openxmlformats.org/presentationml/2006/main" type="obj" preserve="1">
+  <p:cSld name="Título y objetos">
     <p:spTree>
       <p:nvGrpSpPr>
         <p:cNvPr id="1" name=""/>
@@ -3492,118 +4442,1429 @@
       </p:grpSpPr>
       <p:sp>
         <p:nvSpPr>
-          <p:cNvPr id="2" name="Titre 1">
+          <p:cNvPr id="2" name="Title 1"/>
+          <p:cNvSpPr>
+            <a:spLocks noGrp="1"/>
+          </p:cNvSpPr>
+          <p:nvPr>
+            <p:ph type="title"/>
+          </p:nvPr>
+        </p:nvSpPr>
+        <p:spPr/>
+        <p:txBody>
+          <a:bodyPr/>
+          <a:lstStyle/>
+          <a:p>
+            <a:r>
+              <a:rPr lang="es-ES"/>
+              <a:t>Haga clic para modificar el estilo de título del patrón</a:t>
+            </a:r>
+            <a:endParaRPr lang="en-US" dirty="0"/>
+          </a:p>
+        </p:txBody>
+      </p:sp>
+      <p:sp>
+        <p:nvSpPr>
+          <p:cNvPr id="3" name="Content Placeholder 2"/>
+          <p:cNvSpPr>
+            <a:spLocks noGrp="1"/>
+          </p:cNvSpPr>
+          <p:nvPr>
+            <p:ph idx="1"/>
+          </p:nvPr>
+        </p:nvSpPr>
+        <p:spPr/>
+        <p:txBody>
+          <a:bodyPr/>
+          <a:lstStyle/>
+          <a:p>
+            <a:pPr lvl="0"/>
+            <a:r>
+              <a:rPr lang="es-ES"/>
+              <a:t>Haga clic para modificar los estilos de texto del patrón</a:t>
+            </a:r>
+          </a:p>
+          <a:p>
+            <a:pPr lvl="1"/>
+            <a:r>
+              <a:rPr lang="es-ES"/>
+              <a:t>Segundo nivel</a:t>
+            </a:r>
+          </a:p>
+          <a:p>
+            <a:pPr lvl="2"/>
+            <a:r>
+              <a:rPr lang="es-ES"/>
+              <a:t>Tercer nivel</a:t>
+            </a:r>
+          </a:p>
+          <a:p>
+            <a:pPr lvl="3"/>
+            <a:r>
+              <a:rPr lang="es-ES"/>
+              <a:t>Cuarto nivel</a:t>
+            </a:r>
+          </a:p>
+          <a:p>
+            <a:pPr lvl="4"/>
+            <a:r>
+              <a:rPr lang="es-ES"/>
+              <a:t>Quinto nivel</a:t>
+            </a:r>
+            <a:endParaRPr lang="en-US" dirty="0"/>
+          </a:p>
+        </p:txBody>
+      </p:sp>
+      <p:sp>
+        <p:nvSpPr>
+          <p:cNvPr id="4" name="Date Placeholder 3"/>
+          <p:cNvSpPr>
+            <a:spLocks noGrp="1"/>
+          </p:cNvSpPr>
+          <p:nvPr>
+            <p:ph type="dt" sz="half" idx="10"/>
+          </p:nvPr>
+        </p:nvSpPr>
+        <p:spPr/>
+        <p:txBody>
+          <a:bodyPr/>
+          <a:lstStyle/>
+          <a:p>
+            <a:fld id="{5BDF422D-3A9D-4522-B8A8-3A175308D352}" type="datetimeFigureOut">
+              <a:rPr lang="en-GB" smtClean="0"/>
+              <a:t>09/11/2020</a:t>
+            </a:fld>
+            <a:endParaRPr lang="en-GB"/>
+          </a:p>
+        </p:txBody>
+      </p:sp>
+      <p:sp>
+        <p:nvSpPr>
+          <p:cNvPr id="5" name="Footer Placeholder 4"/>
+          <p:cNvSpPr>
+            <a:spLocks noGrp="1"/>
+          </p:cNvSpPr>
+          <p:nvPr>
+            <p:ph type="ftr" sz="quarter" idx="11"/>
+          </p:nvPr>
+        </p:nvSpPr>
+        <p:spPr/>
+        <p:txBody>
+          <a:bodyPr/>
+          <a:lstStyle/>
+          <a:p>
+            <a:endParaRPr lang="en-GB"/>
+          </a:p>
+        </p:txBody>
+      </p:sp>
+      <p:sp>
+        <p:nvSpPr>
+          <p:cNvPr id="6" name="Slide Number Placeholder 5"/>
+          <p:cNvSpPr>
+            <a:spLocks noGrp="1"/>
+          </p:cNvSpPr>
+          <p:nvPr>
+            <p:ph type="sldNum" sz="quarter" idx="12"/>
+          </p:nvPr>
+        </p:nvSpPr>
+        <p:spPr/>
+        <p:txBody>
+          <a:bodyPr/>
+          <a:lstStyle/>
+          <a:p>
+            <a:fld id="{72EF6A0C-AC1E-4942-ADEA-CE8CB825CBDD}" type="slidenum">
+              <a:rPr lang="en-GB" smtClean="0"/>
+              <a:t>‹Nº›</a:t>
+            </a:fld>
+            <a:endParaRPr lang="en-GB"/>
+          </a:p>
+        </p:txBody>
+      </p:sp>
+    </p:spTree>
+    <p:extLst>
+      <p:ext uri="{BB962C8B-B14F-4D97-AF65-F5344CB8AC3E}">
+        <p14:creationId xmlns:p14="http://schemas.microsoft.com/office/powerpoint/2010/main" val="2275665991"/>
+      </p:ext>
+    </p:extLst>
+  </p:cSld>
+  <p:clrMapOvr>
+    <a:masterClrMapping/>
+  </p:clrMapOvr>
+</p:sldLayout>
+</file>
+
+<file path=ppt/slideLayouts/slideLayout3.xml><?xml version="1.0" encoding="utf-8"?>
+<p:sldLayout xmlns:a="http://schemas.openxmlformats.org/drawingml/2006/main" xmlns:r="http://schemas.openxmlformats.org/officeDocument/2006/relationships" xmlns:p="http://schemas.openxmlformats.org/presentationml/2006/main" type="secHead" preserve="1">
+  <p:cSld name="Encabezado de sección">
+    <p:spTree>
+      <p:nvGrpSpPr>
+        <p:cNvPr id="1" name=""/>
+        <p:cNvGrpSpPr/>
+        <p:nvPr/>
+      </p:nvGrpSpPr>
+      <p:grpSpPr>
+        <a:xfrm>
+          <a:off x="0" y="0"/>
+          <a:ext cx="0" cy="0"/>
+          <a:chOff x="0" y="0"/>
+          <a:chExt cx="0" cy="0"/>
+        </a:xfrm>
+      </p:grpSpPr>
+      <p:sp>
+        <p:nvSpPr>
+          <p:cNvPr id="2" name="Title 1"/>
+          <p:cNvSpPr>
+            <a:spLocks noGrp="1"/>
+          </p:cNvSpPr>
+          <p:nvPr>
+            <p:ph type="title"/>
+          </p:nvPr>
+        </p:nvSpPr>
+        <p:spPr>
+          <a:xfrm>
+            <a:off x="1295401" y="1761067"/>
+            <a:ext cx="9590550" cy="1828813"/>
+          </a:xfrm>
+        </p:spPr>
+        <p:txBody>
+          <a:bodyPr anchor="b"/>
+          <a:lstStyle>
+            <a:lvl1pPr algn="ctr">
+              <a:defRPr sz="4000" b="0" cap="none"/>
+            </a:lvl1pPr>
+          </a:lstStyle>
+          <a:p>
+            <a:r>
+              <a:rPr lang="es-ES"/>
+              <a:t>Haga clic para modificar el estilo de título del patrón</a:t>
+            </a:r>
+            <a:endParaRPr lang="en-US" dirty="0"/>
+          </a:p>
+        </p:txBody>
+      </p:sp>
+      <p:sp>
+        <p:nvSpPr>
+          <p:cNvPr id="3" name="Text Placeholder 2"/>
+          <p:cNvSpPr>
+            <a:spLocks noGrp="1"/>
+          </p:cNvSpPr>
+          <p:nvPr>
+            <p:ph type="body" idx="1"/>
+          </p:nvPr>
+        </p:nvSpPr>
+        <p:spPr>
+          <a:xfrm>
+            <a:off x="1295401" y="3589879"/>
+            <a:ext cx="9590550" cy="1507054"/>
+          </a:xfrm>
+        </p:spPr>
+        <p:txBody>
+          <a:bodyPr anchor="t"/>
+          <a:lstStyle>
+            <a:lvl1pPr marL="0" indent="0" algn="ctr">
+              <a:buNone/>
+              <a:defRPr sz="2000">
+                <a:solidFill>
+                  <a:schemeClr val="tx1"/>
+                </a:solidFill>
+              </a:defRPr>
+            </a:lvl1pPr>
+            <a:lvl2pPr marL="457200" indent="0">
+              <a:buNone/>
+              <a:defRPr sz="1800">
+                <a:solidFill>
+                  <a:schemeClr val="tx1">
+                    <a:tint val="75000"/>
+                  </a:schemeClr>
+                </a:solidFill>
+              </a:defRPr>
+            </a:lvl2pPr>
+            <a:lvl3pPr marL="914400" indent="0">
+              <a:buNone/>
+              <a:defRPr sz="1600">
+                <a:solidFill>
+                  <a:schemeClr val="tx1">
+                    <a:tint val="75000"/>
+                  </a:schemeClr>
+                </a:solidFill>
+              </a:defRPr>
+            </a:lvl3pPr>
+            <a:lvl4pPr marL="1371600" indent="0">
+              <a:buNone/>
+              <a:defRPr sz="1400">
+                <a:solidFill>
+                  <a:schemeClr val="tx1">
+                    <a:tint val="75000"/>
+                  </a:schemeClr>
+                </a:solidFill>
+              </a:defRPr>
+            </a:lvl4pPr>
+            <a:lvl5pPr marL="1828800" indent="0">
+              <a:buNone/>
+              <a:defRPr sz="1400">
+                <a:solidFill>
+                  <a:schemeClr val="tx1">
+                    <a:tint val="75000"/>
+                  </a:schemeClr>
+                </a:solidFill>
+              </a:defRPr>
+            </a:lvl5pPr>
+            <a:lvl6pPr marL="2286000" indent="0">
+              <a:buNone/>
+              <a:defRPr sz="1400">
+                <a:solidFill>
+                  <a:schemeClr val="tx1">
+                    <a:tint val="75000"/>
+                  </a:schemeClr>
+                </a:solidFill>
+              </a:defRPr>
+            </a:lvl6pPr>
+            <a:lvl7pPr marL="2743200" indent="0">
+              <a:buNone/>
+              <a:defRPr sz="1400">
+                <a:solidFill>
+                  <a:schemeClr val="tx1">
+                    <a:tint val="75000"/>
+                  </a:schemeClr>
+                </a:solidFill>
+              </a:defRPr>
+            </a:lvl7pPr>
+            <a:lvl8pPr marL="3200400" indent="0">
+              <a:buNone/>
+              <a:defRPr sz="1400">
+                <a:solidFill>
+                  <a:schemeClr val="tx1">
+                    <a:tint val="75000"/>
+                  </a:schemeClr>
+                </a:solidFill>
+              </a:defRPr>
+            </a:lvl8pPr>
+            <a:lvl9pPr marL="3657600" indent="0">
+              <a:buNone/>
+              <a:defRPr sz="1400">
+                <a:solidFill>
+                  <a:schemeClr val="tx1">
+                    <a:tint val="75000"/>
+                  </a:schemeClr>
+                </a:solidFill>
+              </a:defRPr>
+            </a:lvl9pPr>
+          </a:lstStyle>
+          <a:p>
+            <a:pPr lvl="0"/>
+            <a:r>
+              <a:rPr lang="es-ES"/>
+              <a:t>Haga clic para modificar los estilos de texto del patrón</a:t>
+            </a:r>
+          </a:p>
+        </p:txBody>
+      </p:sp>
+      <p:sp>
+        <p:nvSpPr>
+          <p:cNvPr id="4" name="Date Placeholder 3"/>
+          <p:cNvSpPr>
+            <a:spLocks noGrp="1"/>
+          </p:cNvSpPr>
+          <p:nvPr>
+            <p:ph type="dt" sz="half" idx="10"/>
+          </p:nvPr>
+        </p:nvSpPr>
+        <p:spPr/>
+        <p:txBody>
+          <a:bodyPr/>
+          <a:lstStyle/>
+          <a:p>
+            <a:fld id="{5BDF422D-3A9D-4522-B8A8-3A175308D352}" type="datetimeFigureOut">
+              <a:rPr lang="en-GB" smtClean="0"/>
+              <a:t>09/11/2020</a:t>
+            </a:fld>
+            <a:endParaRPr lang="en-GB"/>
+          </a:p>
+        </p:txBody>
+      </p:sp>
+      <p:sp>
+        <p:nvSpPr>
+          <p:cNvPr id="5" name="Footer Placeholder 4"/>
+          <p:cNvSpPr>
+            <a:spLocks noGrp="1"/>
+          </p:cNvSpPr>
+          <p:nvPr>
+            <p:ph type="ftr" sz="quarter" idx="11"/>
+          </p:nvPr>
+        </p:nvSpPr>
+        <p:spPr/>
+        <p:txBody>
+          <a:bodyPr/>
+          <a:lstStyle/>
+          <a:p>
+            <a:endParaRPr lang="en-GB"/>
+          </a:p>
+        </p:txBody>
+      </p:sp>
+      <p:sp>
+        <p:nvSpPr>
+          <p:cNvPr id="6" name="Slide Number Placeholder 5"/>
+          <p:cNvSpPr>
+            <a:spLocks noGrp="1"/>
+          </p:cNvSpPr>
+          <p:nvPr>
+            <p:ph type="sldNum" sz="quarter" idx="12"/>
+          </p:nvPr>
+        </p:nvSpPr>
+        <p:spPr/>
+        <p:txBody>
+          <a:bodyPr/>
+          <a:lstStyle/>
+          <a:p>
+            <a:fld id="{72EF6A0C-AC1E-4942-ADEA-CE8CB825CBDD}" type="slidenum">
+              <a:rPr lang="en-GB" smtClean="0"/>
+              <a:t>‹Nº›</a:t>
+            </a:fld>
+            <a:endParaRPr lang="en-GB"/>
+          </a:p>
+        </p:txBody>
+      </p:sp>
+    </p:spTree>
+    <p:extLst>
+      <p:ext uri="{BB962C8B-B14F-4D97-AF65-F5344CB8AC3E}">
+        <p14:creationId xmlns:p14="http://schemas.microsoft.com/office/powerpoint/2010/main" val="1679527101"/>
+      </p:ext>
+    </p:extLst>
+  </p:cSld>
+  <p:clrMapOvr>
+    <a:masterClrMapping/>
+  </p:clrMapOvr>
+</p:sldLayout>
+</file>
+
+<file path=ppt/slideLayouts/slideLayout4.xml><?xml version="1.0" encoding="utf-8"?>
+<p:sldLayout xmlns:a="http://schemas.openxmlformats.org/drawingml/2006/main" xmlns:r="http://schemas.openxmlformats.org/officeDocument/2006/relationships" xmlns:p="http://schemas.openxmlformats.org/presentationml/2006/main" type="twoObj" preserve="1">
+  <p:cSld name="Dos objetos">
+    <p:spTree>
+      <p:nvGrpSpPr>
+        <p:cNvPr id="1" name=""/>
+        <p:cNvGrpSpPr/>
+        <p:nvPr/>
+      </p:nvGrpSpPr>
+      <p:grpSpPr>
+        <a:xfrm>
+          <a:off x="0" y="0"/>
+          <a:ext cx="0" cy="0"/>
+          <a:chOff x="0" y="0"/>
+          <a:chExt cx="0" cy="0"/>
+        </a:xfrm>
+      </p:grpSpPr>
+      <p:sp>
+        <p:nvSpPr>
+          <p:cNvPr id="2" name="Title 1"/>
+          <p:cNvSpPr>
+            <a:spLocks noGrp="1"/>
+          </p:cNvSpPr>
+          <p:nvPr>
+            <p:ph type="title"/>
+          </p:nvPr>
+        </p:nvSpPr>
+        <p:spPr/>
+        <p:txBody>
+          <a:bodyPr/>
+          <a:lstStyle/>
+          <a:p>
+            <a:r>
+              <a:rPr lang="es-ES"/>
+              <a:t>Haga clic para modificar el estilo de título del patrón</a:t>
+            </a:r>
+            <a:endParaRPr lang="en-US" dirty="0"/>
+          </a:p>
+        </p:txBody>
+      </p:sp>
+      <p:sp>
+        <p:nvSpPr>
+          <p:cNvPr id="3" name="Content Placeholder 2"/>
+          <p:cNvSpPr>
+            <a:spLocks noGrp="1"/>
+          </p:cNvSpPr>
+          <p:nvPr>
+            <p:ph sz="half" idx="1"/>
+          </p:nvPr>
+        </p:nvSpPr>
+        <p:spPr>
+          <a:xfrm>
+            <a:off x="913795" y="1732449"/>
+            <a:ext cx="5060497" cy="4058750"/>
+          </a:xfrm>
+        </p:spPr>
+        <p:txBody>
+          <a:bodyPr anchor="t">
+            <a:normAutofit/>
+          </a:bodyPr>
+          <a:lstStyle/>
+          <a:p>
+            <a:pPr lvl="0"/>
+            <a:r>
+              <a:rPr lang="es-ES"/>
+              <a:t>Haga clic para modificar los estilos de texto del patrón</a:t>
+            </a:r>
+          </a:p>
+          <a:p>
+            <a:pPr lvl="1"/>
+            <a:r>
+              <a:rPr lang="es-ES"/>
+              <a:t>Segundo nivel</a:t>
+            </a:r>
+          </a:p>
+          <a:p>
+            <a:pPr lvl="2"/>
+            <a:r>
+              <a:rPr lang="es-ES"/>
+              <a:t>Tercer nivel</a:t>
+            </a:r>
+          </a:p>
+          <a:p>
+            <a:pPr lvl="3"/>
+            <a:r>
+              <a:rPr lang="es-ES"/>
+              <a:t>Cuarto nivel</a:t>
+            </a:r>
+          </a:p>
+          <a:p>
+            <a:pPr lvl="4"/>
+            <a:r>
+              <a:rPr lang="es-ES"/>
+              <a:t>Quinto nivel</a:t>
+            </a:r>
+            <a:endParaRPr lang="en-US" dirty="0"/>
+          </a:p>
+        </p:txBody>
+      </p:sp>
+      <p:sp>
+        <p:nvSpPr>
+          <p:cNvPr id="4" name="Content Placeholder 3"/>
+          <p:cNvSpPr>
+            <a:spLocks noGrp="1"/>
+          </p:cNvSpPr>
+          <p:nvPr>
+            <p:ph sz="half" idx="2"/>
+          </p:nvPr>
+        </p:nvSpPr>
+        <p:spPr>
+          <a:xfrm>
+            <a:off x="6202892" y="1732449"/>
+            <a:ext cx="5064665" cy="4058751"/>
+          </a:xfrm>
+        </p:spPr>
+        <p:txBody>
+          <a:bodyPr anchor="t">
+            <a:normAutofit/>
+          </a:bodyPr>
+          <a:lstStyle/>
+          <a:p>
+            <a:pPr lvl="0"/>
+            <a:r>
+              <a:rPr lang="es-ES"/>
+              <a:t>Haga clic para modificar los estilos de texto del patrón</a:t>
+            </a:r>
+          </a:p>
+          <a:p>
+            <a:pPr lvl="1"/>
+            <a:r>
+              <a:rPr lang="es-ES"/>
+              <a:t>Segundo nivel</a:t>
+            </a:r>
+          </a:p>
+          <a:p>
+            <a:pPr lvl="2"/>
+            <a:r>
+              <a:rPr lang="es-ES"/>
+              <a:t>Tercer nivel</a:t>
+            </a:r>
+          </a:p>
+          <a:p>
+            <a:pPr lvl="3"/>
+            <a:r>
+              <a:rPr lang="es-ES"/>
+              <a:t>Cuarto nivel</a:t>
+            </a:r>
+          </a:p>
+          <a:p>
+            <a:pPr lvl="4"/>
+            <a:r>
+              <a:rPr lang="es-ES"/>
+              <a:t>Quinto nivel</a:t>
+            </a:r>
+            <a:endParaRPr lang="en-US" dirty="0"/>
+          </a:p>
+        </p:txBody>
+      </p:sp>
+      <p:sp>
+        <p:nvSpPr>
+          <p:cNvPr id="5" name="Date Placeholder 4"/>
+          <p:cNvSpPr>
+            <a:spLocks noGrp="1"/>
+          </p:cNvSpPr>
+          <p:nvPr>
+            <p:ph type="dt" sz="half" idx="10"/>
+          </p:nvPr>
+        </p:nvSpPr>
+        <p:spPr/>
+        <p:txBody>
+          <a:bodyPr/>
+          <a:lstStyle/>
+          <a:p>
+            <a:fld id="{5BDF422D-3A9D-4522-B8A8-3A175308D352}" type="datetimeFigureOut">
+              <a:rPr lang="en-GB" smtClean="0"/>
+              <a:t>09/11/2020</a:t>
+            </a:fld>
+            <a:endParaRPr lang="en-GB"/>
+          </a:p>
+        </p:txBody>
+      </p:sp>
+      <p:sp>
+        <p:nvSpPr>
+          <p:cNvPr id="6" name="Footer Placeholder 5"/>
+          <p:cNvSpPr>
+            <a:spLocks noGrp="1"/>
+          </p:cNvSpPr>
+          <p:nvPr>
+            <p:ph type="ftr" sz="quarter" idx="11"/>
+          </p:nvPr>
+        </p:nvSpPr>
+        <p:spPr/>
+        <p:txBody>
+          <a:bodyPr/>
+          <a:lstStyle/>
+          <a:p>
+            <a:endParaRPr lang="en-GB"/>
+          </a:p>
+        </p:txBody>
+      </p:sp>
+      <p:sp>
+        <p:nvSpPr>
+          <p:cNvPr id="7" name="Slide Number Placeholder 6"/>
+          <p:cNvSpPr>
+            <a:spLocks noGrp="1"/>
+          </p:cNvSpPr>
+          <p:nvPr>
+            <p:ph type="sldNum" sz="quarter" idx="12"/>
+          </p:nvPr>
+        </p:nvSpPr>
+        <p:spPr/>
+        <p:txBody>
+          <a:bodyPr/>
+          <a:lstStyle/>
+          <a:p>
+            <a:fld id="{72EF6A0C-AC1E-4942-ADEA-CE8CB825CBDD}" type="slidenum">
+              <a:rPr lang="en-GB" smtClean="0"/>
+              <a:t>‹Nº›</a:t>
+            </a:fld>
+            <a:endParaRPr lang="en-GB"/>
+          </a:p>
+        </p:txBody>
+      </p:sp>
+    </p:spTree>
+    <p:extLst>
+      <p:ext uri="{BB962C8B-B14F-4D97-AF65-F5344CB8AC3E}">
+        <p14:creationId xmlns:p14="http://schemas.microsoft.com/office/powerpoint/2010/main" val="4233142315"/>
+      </p:ext>
+    </p:extLst>
+  </p:cSld>
+  <p:clrMapOvr>
+    <a:masterClrMapping/>
+  </p:clrMapOvr>
+</p:sldLayout>
+</file>
+
+<file path=ppt/slideLayouts/slideLayout5.xml><?xml version="1.0" encoding="utf-8"?>
+<p:sldLayout xmlns:a="http://schemas.openxmlformats.org/drawingml/2006/main" xmlns:r="http://schemas.openxmlformats.org/officeDocument/2006/relationships" xmlns:p="http://schemas.openxmlformats.org/presentationml/2006/main" type="twoTxTwoObj" preserve="1">
+  <p:cSld name="Comparación">
+    <p:spTree>
+      <p:nvGrpSpPr>
+        <p:cNvPr id="1" name=""/>
+        <p:cNvGrpSpPr/>
+        <p:nvPr/>
+      </p:nvGrpSpPr>
+      <p:grpSpPr>
+        <a:xfrm>
+          <a:off x="0" y="0"/>
+          <a:ext cx="0" cy="0"/>
+          <a:chOff x="0" y="0"/>
+          <a:chExt cx="0" cy="0"/>
+        </a:xfrm>
+      </p:grpSpPr>
+      <p:pic>
+        <p:nvPicPr>
+          <p:cNvPr id="20" name="Picture 19" descr="Slate-V2-HD-compPhotoInset.png"/>
+          <p:cNvPicPr>
+            <a:picLocks noChangeAspect="1"/>
+          </p:cNvPicPr>
+          <p:nvPr/>
+        </p:nvPicPr>
+        <p:blipFill>
+          <a:blip r:embed="rId2">
             <a:extLst>
-              <a:ext uri="{FF2B5EF4-FFF2-40B4-BE49-F238E27FC236}">
-                <a16:creationId xmlns:a16="http://schemas.microsoft.com/office/drawing/2014/main" id="{DBAB4C7B-6419-4852-B5C1-2B7E689D88A4}"/>
+              <a:ext uri="{28A0092B-C50C-407E-A947-70E740481C1C}">
+                <a14:useLocalDpi xmlns:a14="http://schemas.microsoft.com/office/drawing/2010/main" val="0"/>
               </a:ext>
             </a:extLst>
-          </p:cNvPr>
-          <p:cNvSpPr>
-            <a:spLocks noGrp="1"/>
-          </p:cNvSpPr>
-          <p:nvPr>
-            <p:ph type="title"/>
-          </p:nvPr>
-        </p:nvSpPr>
+          </a:blip>
+          <a:stretch>
+            <a:fillRect/>
+          </a:stretch>
+        </p:blipFill>
         <p:spPr>
           <a:xfrm>
-            <a:off x="839788" y="457200"/>
-            <a:ext cx="3932237" cy="1600200"/>
+            <a:off x="913795" y="1734506"/>
+            <a:ext cx="5089072" cy="4148769"/>
+          </a:xfrm>
+          <a:prstGeom prst="rect">
+            <a:avLst/>
+          </a:prstGeom>
+        </p:spPr>
+      </p:pic>
+      <p:pic>
+        <p:nvPicPr>
+          <p:cNvPr id="21" name="Picture 20" descr="Slate-V2-HD-compPhotoInset.png"/>
+          <p:cNvPicPr>
+            <a:picLocks noChangeAspect="1"/>
+          </p:cNvPicPr>
+          <p:nvPr/>
+        </p:nvPicPr>
+        <p:blipFill>
+          <a:blip r:embed="rId2">
+            <a:extLst>
+              <a:ext uri="{28A0092B-C50C-407E-A947-70E740481C1C}">
+                <a14:useLocalDpi xmlns:a14="http://schemas.microsoft.com/office/drawing/2010/main" val="0"/>
+              </a:ext>
+            </a:extLst>
+          </a:blip>
+          <a:stretch>
+            <a:fillRect/>
+          </a:stretch>
+        </p:blipFill>
+        <p:spPr>
+          <a:xfrm>
+            <a:off x="6178485" y="1734506"/>
+            <a:ext cx="5089072" cy="4148769"/>
+          </a:xfrm>
+          <a:prstGeom prst="rect">
+            <a:avLst/>
+          </a:prstGeom>
+        </p:spPr>
+      </p:pic>
+      <p:sp>
+        <p:nvSpPr>
+          <p:cNvPr id="2" name="Title 1"/>
+          <p:cNvSpPr>
+            <a:spLocks noGrp="1"/>
+          </p:cNvSpPr>
+          <p:nvPr>
+            <p:ph type="title"/>
+          </p:nvPr>
+        </p:nvSpPr>
+        <p:spPr/>
+        <p:txBody>
+          <a:bodyPr/>
+          <a:lstStyle>
+            <a:lvl1pPr>
+              <a:defRPr/>
+            </a:lvl1pPr>
+          </a:lstStyle>
+          <a:p>
+            <a:r>
+              <a:rPr lang="es-ES"/>
+              <a:t>Haga clic para modificar el estilo de título del patrón</a:t>
+            </a:r>
+            <a:endParaRPr lang="en-US" dirty="0"/>
+          </a:p>
+        </p:txBody>
+      </p:sp>
+      <p:sp>
+        <p:nvSpPr>
+          <p:cNvPr id="3" name="Text Placeholder 2"/>
+          <p:cNvSpPr>
+            <a:spLocks noGrp="1"/>
+          </p:cNvSpPr>
+          <p:nvPr>
+            <p:ph type="body" idx="1"/>
+          </p:nvPr>
+        </p:nvSpPr>
+        <p:spPr>
+          <a:xfrm>
+            <a:off x="1005872" y="1835254"/>
+            <a:ext cx="4876344" cy="544884"/>
           </a:xfrm>
         </p:spPr>
         <p:txBody>
-          <a:bodyPr anchor="b"/>
+          <a:bodyPr anchor="b">
+            <a:noAutofit/>
+          </a:bodyPr>
+          <a:lstStyle>
+            <a:lvl1pPr marL="0" indent="0" algn="ctr">
+              <a:buNone/>
+              <a:defRPr sz="2400" b="0"/>
+            </a:lvl1pPr>
+            <a:lvl2pPr marL="457200" indent="0">
+              <a:buNone/>
+              <a:defRPr sz="2000" b="1"/>
+            </a:lvl2pPr>
+            <a:lvl3pPr marL="914400" indent="0">
+              <a:buNone/>
+              <a:defRPr sz="1800" b="1"/>
+            </a:lvl3pPr>
+            <a:lvl4pPr marL="1371600" indent="0">
+              <a:buNone/>
+              <a:defRPr sz="1600" b="1"/>
+            </a:lvl4pPr>
+            <a:lvl5pPr marL="1828800" indent="0">
+              <a:buNone/>
+              <a:defRPr sz="1600" b="1"/>
+            </a:lvl5pPr>
+            <a:lvl6pPr marL="2286000" indent="0">
+              <a:buNone/>
+              <a:defRPr sz="1600" b="1"/>
+            </a:lvl6pPr>
+            <a:lvl7pPr marL="2743200" indent="0">
+              <a:buNone/>
+              <a:defRPr sz="1600" b="1"/>
+            </a:lvl7pPr>
+            <a:lvl8pPr marL="3200400" indent="0">
+              <a:buNone/>
+              <a:defRPr sz="1600" b="1"/>
+            </a:lvl8pPr>
+            <a:lvl9pPr marL="3657600" indent="0">
+              <a:buNone/>
+              <a:defRPr sz="1600" b="1"/>
+            </a:lvl9pPr>
+          </a:lstStyle>
+          <a:p>
+            <a:pPr lvl="0"/>
+            <a:r>
+              <a:rPr lang="es-ES"/>
+              <a:t>Haga clic para modificar los estilos de texto del patrón</a:t>
+            </a:r>
+          </a:p>
+        </p:txBody>
+      </p:sp>
+      <p:sp>
+        <p:nvSpPr>
+          <p:cNvPr id="4" name="Content Placeholder 3"/>
+          <p:cNvSpPr>
+            <a:spLocks noGrp="1"/>
+          </p:cNvSpPr>
+          <p:nvPr>
+            <p:ph sz="half" idx="2"/>
+          </p:nvPr>
+        </p:nvSpPr>
+        <p:spPr>
+          <a:xfrm>
+            <a:off x="1005872" y="2380137"/>
+            <a:ext cx="4876344" cy="3411063"/>
+          </a:xfrm>
+        </p:spPr>
+        <p:txBody>
+          <a:bodyPr anchor="t">
+            <a:normAutofit/>
+          </a:bodyPr>
           <a:lstStyle>
             <a:lvl1pPr>
-              <a:defRPr sz="3200"/>
+              <a:defRPr sz="1800"/>
+            </a:lvl1pPr>
+            <a:lvl2pPr>
+              <a:defRPr sz="1600"/>
+            </a:lvl2pPr>
+            <a:lvl3pPr>
+              <a:defRPr sz="1400"/>
+            </a:lvl3pPr>
+            <a:lvl4pPr>
+              <a:defRPr sz="1200"/>
+            </a:lvl4pPr>
+            <a:lvl5pPr>
+              <a:defRPr sz="1200"/>
+            </a:lvl5pPr>
+          </a:lstStyle>
+          <a:p>
+            <a:pPr lvl="0"/>
+            <a:r>
+              <a:rPr lang="es-ES"/>
+              <a:t>Haga clic para modificar los estilos de texto del patrón</a:t>
+            </a:r>
+          </a:p>
+          <a:p>
+            <a:pPr lvl="1"/>
+            <a:r>
+              <a:rPr lang="es-ES"/>
+              <a:t>Segundo nivel</a:t>
+            </a:r>
+          </a:p>
+          <a:p>
+            <a:pPr lvl="2"/>
+            <a:r>
+              <a:rPr lang="es-ES"/>
+              <a:t>Tercer nivel</a:t>
+            </a:r>
+          </a:p>
+          <a:p>
+            <a:pPr lvl="3"/>
+            <a:r>
+              <a:rPr lang="es-ES"/>
+              <a:t>Cuarto nivel</a:t>
+            </a:r>
+          </a:p>
+          <a:p>
+            <a:pPr lvl="4"/>
+            <a:r>
+              <a:rPr lang="es-ES"/>
+              <a:t>Quinto nivel</a:t>
+            </a:r>
+            <a:endParaRPr lang="en-US" dirty="0"/>
+          </a:p>
+        </p:txBody>
+      </p:sp>
+      <p:sp>
+        <p:nvSpPr>
+          <p:cNvPr id="5" name="Text Placeholder 4"/>
+          <p:cNvSpPr>
+            <a:spLocks noGrp="1"/>
+          </p:cNvSpPr>
+          <p:nvPr>
+            <p:ph type="body" sz="quarter" idx="3"/>
+          </p:nvPr>
+        </p:nvSpPr>
+        <p:spPr>
+          <a:xfrm>
+            <a:off x="6294967" y="1835254"/>
+            <a:ext cx="4895330" cy="544883"/>
+          </a:xfrm>
+        </p:spPr>
+        <p:txBody>
+          <a:bodyPr anchor="b">
+            <a:noAutofit/>
+          </a:bodyPr>
+          <a:lstStyle>
+            <a:lvl1pPr marL="0" indent="0" algn="ctr">
+              <a:buNone/>
+              <a:defRPr sz="2400" b="0"/>
+            </a:lvl1pPr>
+            <a:lvl2pPr marL="457200" indent="0">
+              <a:buNone/>
+              <a:defRPr sz="2000" b="1"/>
+            </a:lvl2pPr>
+            <a:lvl3pPr marL="914400" indent="0">
+              <a:buNone/>
+              <a:defRPr sz="1800" b="1"/>
+            </a:lvl3pPr>
+            <a:lvl4pPr marL="1371600" indent="0">
+              <a:buNone/>
+              <a:defRPr sz="1600" b="1"/>
+            </a:lvl4pPr>
+            <a:lvl5pPr marL="1828800" indent="0">
+              <a:buNone/>
+              <a:defRPr sz="1600" b="1"/>
+            </a:lvl5pPr>
+            <a:lvl6pPr marL="2286000" indent="0">
+              <a:buNone/>
+              <a:defRPr sz="1600" b="1"/>
+            </a:lvl6pPr>
+            <a:lvl7pPr marL="2743200" indent="0">
+              <a:buNone/>
+              <a:defRPr sz="1600" b="1"/>
+            </a:lvl7pPr>
+            <a:lvl8pPr marL="3200400" indent="0">
+              <a:buNone/>
+              <a:defRPr sz="1600" b="1"/>
+            </a:lvl8pPr>
+            <a:lvl9pPr marL="3657600" indent="0">
+              <a:buNone/>
+              <a:defRPr sz="1600" b="1"/>
+            </a:lvl9pPr>
+          </a:lstStyle>
+          <a:p>
+            <a:pPr lvl="0"/>
+            <a:r>
+              <a:rPr lang="es-ES"/>
+              <a:t>Haga clic para modificar los estilos de texto del patrón</a:t>
+            </a:r>
+          </a:p>
+        </p:txBody>
+      </p:sp>
+      <p:sp>
+        <p:nvSpPr>
+          <p:cNvPr id="6" name="Content Placeholder 5"/>
+          <p:cNvSpPr>
+            <a:spLocks noGrp="1"/>
+          </p:cNvSpPr>
+          <p:nvPr>
+            <p:ph sz="quarter" idx="4"/>
+          </p:nvPr>
+        </p:nvSpPr>
+        <p:spPr>
+          <a:xfrm>
+            <a:off x="6294967" y="2380137"/>
+            <a:ext cx="4895330" cy="3411063"/>
+          </a:xfrm>
+        </p:spPr>
+        <p:txBody>
+          <a:bodyPr anchor="t">
+            <a:normAutofit/>
+          </a:bodyPr>
+          <a:lstStyle>
+            <a:lvl1pPr>
+              <a:defRPr sz="1800"/>
+            </a:lvl1pPr>
+            <a:lvl2pPr>
+              <a:defRPr sz="1600"/>
+            </a:lvl2pPr>
+            <a:lvl3pPr>
+              <a:defRPr sz="1400"/>
+            </a:lvl3pPr>
+            <a:lvl4pPr>
+              <a:defRPr sz="1200"/>
+            </a:lvl4pPr>
+            <a:lvl5pPr>
+              <a:defRPr sz="1200"/>
+            </a:lvl5pPr>
+          </a:lstStyle>
+          <a:p>
+            <a:pPr lvl="0"/>
+            <a:r>
+              <a:rPr lang="es-ES"/>
+              <a:t>Haga clic para modificar los estilos de texto del patrón</a:t>
+            </a:r>
+          </a:p>
+          <a:p>
+            <a:pPr lvl="1"/>
+            <a:r>
+              <a:rPr lang="es-ES"/>
+              <a:t>Segundo nivel</a:t>
+            </a:r>
+          </a:p>
+          <a:p>
+            <a:pPr lvl="2"/>
+            <a:r>
+              <a:rPr lang="es-ES"/>
+              <a:t>Tercer nivel</a:t>
+            </a:r>
+          </a:p>
+          <a:p>
+            <a:pPr lvl="3"/>
+            <a:r>
+              <a:rPr lang="es-ES"/>
+              <a:t>Cuarto nivel</a:t>
+            </a:r>
+          </a:p>
+          <a:p>
+            <a:pPr lvl="4"/>
+            <a:r>
+              <a:rPr lang="es-ES"/>
+              <a:t>Quinto nivel</a:t>
+            </a:r>
+            <a:endParaRPr lang="en-US" dirty="0"/>
+          </a:p>
+        </p:txBody>
+      </p:sp>
+      <p:sp>
+        <p:nvSpPr>
+          <p:cNvPr id="7" name="Date Placeholder 6"/>
+          <p:cNvSpPr>
+            <a:spLocks noGrp="1"/>
+          </p:cNvSpPr>
+          <p:nvPr>
+            <p:ph type="dt" sz="half" idx="10"/>
+          </p:nvPr>
+        </p:nvSpPr>
+        <p:spPr/>
+        <p:txBody>
+          <a:bodyPr/>
+          <a:lstStyle/>
+          <a:p>
+            <a:fld id="{5BDF422D-3A9D-4522-B8A8-3A175308D352}" type="datetimeFigureOut">
+              <a:rPr lang="en-GB" smtClean="0"/>
+              <a:t>09/11/2020</a:t>
+            </a:fld>
+            <a:endParaRPr lang="en-GB"/>
+          </a:p>
+        </p:txBody>
+      </p:sp>
+      <p:sp>
+        <p:nvSpPr>
+          <p:cNvPr id="8" name="Footer Placeholder 7"/>
+          <p:cNvSpPr>
+            <a:spLocks noGrp="1"/>
+          </p:cNvSpPr>
+          <p:nvPr>
+            <p:ph type="ftr" sz="quarter" idx="11"/>
+          </p:nvPr>
+        </p:nvSpPr>
+        <p:spPr/>
+        <p:txBody>
+          <a:bodyPr/>
+          <a:lstStyle/>
+          <a:p>
+            <a:endParaRPr lang="en-GB"/>
+          </a:p>
+        </p:txBody>
+      </p:sp>
+      <p:sp>
+        <p:nvSpPr>
+          <p:cNvPr id="9" name="Slide Number Placeholder 8"/>
+          <p:cNvSpPr>
+            <a:spLocks noGrp="1"/>
+          </p:cNvSpPr>
+          <p:nvPr>
+            <p:ph type="sldNum" sz="quarter" idx="12"/>
+          </p:nvPr>
+        </p:nvSpPr>
+        <p:spPr/>
+        <p:txBody>
+          <a:bodyPr/>
+          <a:lstStyle/>
+          <a:p>
+            <a:fld id="{72EF6A0C-AC1E-4942-ADEA-CE8CB825CBDD}" type="slidenum">
+              <a:rPr lang="en-GB" smtClean="0"/>
+              <a:t>‹Nº›</a:t>
+            </a:fld>
+            <a:endParaRPr lang="en-GB"/>
+          </a:p>
+        </p:txBody>
+      </p:sp>
+    </p:spTree>
+    <p:extLst>
+      <p:ext uri="{BB962C8B-B14F-4D97-AF65-F5344CB8AC3E}">
+        <p14:creationId xmlns:p14="http://schemas.microsoft.com/office/powerpoint/2010/main" val="1395255154"/>
+      </p:ext>
+    </p:extLst>
+  </p:cSld>
+  <p:clrMapOvr>
+    <a:masterClrMapping/>
+  </p:clrMapOvr>
+</p:sldLayout>
+</file>
+
+<file path=ppt/slideLayouts/slideLayout6.xml><?xml version="1.0" encoding="utf-8"?>
+<p:sldLayout xmlns:a="http://schemas.openxmlformats.org/drawingml/2006/main" xmlns:r="http://schemas.openxmlformats.org/officeDocument/2006/relationships" xmlns:p="http://schemas.openxmlformats.org/presentationml/2006/main" type="titleOnly" preserve="1">
+  <p:cSld name="Solo el título">
+    <p:spTree>
+      <p:nvGrpSpPr>
+        <p:cNvPr id="1" name=""/>
+        <p:cNvGrpSpPr/>
+        <p:nvPr/>
+      </p:nvGrpSpPr>
+      <p:grpSpPr>
+        <a:xfrm>
+          <a:off x="0" y="0"/>
+          <a:ext cx="0" cy="0"/>
+          <a:chOff x="0" y="0"/>
+          <a:chExt cx="0" cy="0"/>
+        </a:xfrm>
+      </p:grpSpPr>
+      <p:sp>
+        <p:nvSpPr>
+          <p:cNvPr id="2" name="Title 1"/>
+          <p:cNvSpPr>
+            <a:spLocks noGrp="1"/>
+          </p:cNvSpPr>
+          <p:nvPr>
+            <p:ph type="title"/>
+          </p:nvPr>
+        </p:nvSpPr>
+        <p:spPr/>
+        <p:txBody>
+          <a:bodyPr/>
+          <a:lstStyle/>
+          <a:p>
+            <a:r>
+              <a:rPr lang="es-ES"/>
+              <a:t>Haga clic para modificar el estilo de título del patrón</a:t>
+            </a:r>
+            <a:endParaRPr lang="en-US" dirty="0"/>
+          </a:p>
+        </p:txBody>
+      </p:sp>
+      <p:sp>
+        <p:nvSpPr>
+          <p:cNvPr id="3" name="Date Placeholder 2"/>
+          <p:cNvSpPr>
+            <a:spLocks noGrp="1"/>
+          </p:cNvSpPr>
+          <p:nvPr>
+            <p:ph type="dt" sz="half" idx="10"/>
+          </p:nvPr>
+        </p:nvSpPr>
+        <p:spPr/>
+        <p:txBody>
+          <a:bodyPr/>
+          <a:lstStyle/>
+          <a:p>
+            <a:fld id="{5BDF422D-3A9D-4522-B8A8-3A175308D352}" type="datetimeFigureOut">
+              <a:rPr lang="en-GB" smtClean="0"/>
+              <a:t>09/11/2020</a:t>
+            </a:fld>
+            <a:endParaRPr lang="en-GB"/>
+          </a:p>
+        </p:txBody>
+      </p:sp>
+      <p:sp>
+        <p:nvSpPr>
+          <p:cNvPr id="4" name="Footer Placeholder 3"/>
+          <p:cNvSpPr>
+            <a:spLocks noGrp="1"/>
+          </p:cNvSpPr>
+          <p:nvPr>
+            <p:ph type="ftr" sz="quarter" idx="11"/>
+          </p:nvPr>
+        </p:nvSpPr>
+        <p:spPr/>
+        <p:txBody>
+          <a:bodyPr/>
+          <a:lstStyle/>
+          <a:p>
+            <a:endParaRPr lang="en-GB"/>
+          </a:p>
+        </p:txBody>
+      </p:sp>
+      <p:sp>
+        <p:nvSpPr>
+          <p:cNvPr id="5" name="Slide Number Placeholder 4"/>
+          <p:cNvSpPr>
+            <a:spLocks noGrp="1"/>
+          </p:cNvSpPr>
+          <p:nvPr>
+            <p:ph type="sldNum" sz="quarter" idx="12"/>
+          </p:nvPr>
+        </p:nvSpPr>
+        <p:spPr/>
+        <p:txBody>
+          <a:bodyPr/>
+          <a:lstStyle/>
+          <a:p>
+            <a:fld id="{72EF6A0C-AC1E-4942-ADEA-CE8CB825CBDD}" type="slidenum">
+              <a:rPr lang="en-GB" smtClean="0"/>
+              <a:t>‹Nº›</a:t>
+            </a:fld>
+            <a:endParaRPr lang="en-GB"/>
+          </a:p>
+        </p:txBody>
+      </p:sp>
+    </p:spTree>
+    <p:extLst>
+      <p:ext uri="{BB962C8B-B14F-4D97-AF65-F5344CB8AC3E}">
+        <p14:creationId xmlns:p14="http://schemas.microsoft.com/office/powerpoint/2010/main" val="850898853"/>
+      </p:ext>
+    </p:extLst>
+  </p:cSld>
+  <p:clrMapOvr>
+    <a:masterClrMapping/>
+  </p:clrMapOvr>
+</p:sldLayout>
+</file>
+
+<file path=ppt/slideLayouts/slideLayout7.xml><?xml version="1.0" encoding="utf-8"?>
+<p:sldLayout xmlns:a="http://schemas.openxmlformats.org/drawingml/2006/main" xmlns:r="http://schemas.openxmlformats.org/officeDocument/2006/relationships" xmlns:p="http://schemas.openxmlformats.org/presentationml/2006/main" type="blank" preserve="1">
+  <p:cSld name="En blanco">
+    <p:spTree>
+      <p:nvGrpSpPr>
+        <p:cNvPr id="1" name=""/>
+        <p:cNvGrpSpPr/>
+        <p:nvPr/>
+      </p:nvGrpSpPr>
+      <p:grpSpPr>
+        <a:xfrm>
+          <a:off x="0" y="0"/>
+          <a:ext cx="0" cy="0"/>
+          <a:chOff x="0" y="0"/>
+          <a:chExt cx="0" cy="0"/>
+        </a:xfrm>
+      </p:grpSpPr>
+      <p:sp>
+        <p:nvSpPr>
+          <p:cNvPr id="2" name="Date Placeholder 1"/>
+          <p:cNvSpPr>
+            <a:spLocks noGrp="1"/>
+          </p:cNvSpPr>
+          <p:nvPr>
+            <p:ph type="dt" sz="half" idx="10"/>
+          </p:nvPr>
+        </p:nvSpPr>
+        <p:spPr/>
+        <p:txBody>
+          <a:bodyPr/>
+          <a:lstStyle/>
+          <a:p>
+            <a:fld id="{5BDF422D-3A9D-4522-B8A8-3A175308D352}" type="datetimeFigureOut">
+              <a:rPr lang="en-GB" smtClean="0"/>
+              <a:t>09/11/2020</a:t>
+            </a:fld>
+            <a:endParaRPr lang="en-GB"/>
+          </a:p>
+        </p:txBody>
+      </p:sp>
+      <p:sp>
+        <p:nvSpPr>
+          <p:cNvPr id="3" name="Footer Placeholder 2"/>
+          <p:cNvSpPr>
+            <a:spLocks noGrp="1"/>
+          </p:cNvSpPr>
+          <p:nvPr>
+            <p:ph type="ftr" sz="quarter" idx="11"/>
+          </p:nvPr>
+        </p:nvSpPr>
+        <p:spPr/>
+        <p:txBody>
+          <a:bodyPr/>
+          <a:lstStyle/>
+          <a:p>
+            <a:endParaRPr lang="en-GB"/>
+          </a:p>
+        </p:txBody>
+      </p:sp>
+      <p:sp>
+        <p:nvSpPr>
+          <p:cNvPr id="4" name="Slide Number Placeholder 3"/>
+          <p:cNvSpPr>
+            <a:spLocks noGrp="1"/>
+          </p:cNvSpPr>
+          <p:nvPr>
+            <p:ph type="sldNum" sz="quarter" idx="12"/>
+          </p:nvPr>
+        </p:nvSpPr>
+        <p:spPr/>
+        <p:txBody>
+          <a:bodyPr/>
+          <a:lstStyle/>
+          <a:p>
+            <a:fld id="{72EF6A0C-AC1E-4942-ADEA-CE8CB825CBDD}" type="slidenum">
+              <a:rPr lang="en-GB" smtClean="0"/>
+              <a:t>‹Nº›</a:t>
+            </a:fld>
+            <a:endParaRPr lang="en-GB"/>
+          </a:p>
+        </p:txBody>
+      </p:sp>
+    </p:spTree>
+    <p:extLst>
+      <p:ext uri="{BB962C8B-B14F-4D97-AF65-F5344CB8AC3E}">
+        <p14:creationId xmlns:p14="http://schemas.microsoft.com/office/powerpoint/2010/main" val="560594612"/>
+      </p:ext>
+    </p:extLst>
+  </p:cSld>
+  <p:clrMapOvr>
+    <a:masterClrMapping/>
+  </p:clrMapOvr>
+</p:sldLayout>
+</file>
+
+<file path=ppt/slideLayouts/slideLayout8.xml><?xml version="1.0" encoding="utf-8"?>
+<p:sldLayout xmlns:a="http://schemas.openxmlformats.org/drawingml/2006/main" xmlns:r="http://schemas.openxmlformats.org/officeDocument/2006/relationships" xmlns:p="http://schemas.openxmlformats.org/presentationml/2006/main" type="objTx" preserve="1">
+  <p:cSld name="Contenido con título">
+    <p:spTree>
+      <p:nvGrpSpPr>
+        <p:cNvPr id="1" name=""/>
+        <p:cNvGrpSpPr/>
+        <p:nvPr/>
+      </p:nvGrpSpPr>
+      <p:grpSpPr>
+        <a:xfrm>
+          <a:off x="0" y="0"/>
+          <a:ext cx="0" cy="0"/>
+          <a:chOff x="0" y="0"/>
+          <a:chExt cx="0" cy="0"/>
+        </a:xfrm>
+      </p:grpSpPr>
+      <p:sp>
+        <p:nvSpPr>
+          <p:cNvPr id="2" name="Title 1"/>
+          <p:cNvSpPr>
+            <a:spLocks noGrp="1"/>
+          </p:cNvSpPr>
+          <p:nvPr>
+            <p:ph type="title"/>
+          </p:nvPr>
+        </p:nvSpPr>
+        <p:spPr>
+          <a:xfrm>
+            <a:off x="913795" y="609600"/>
+            <a:ext cx="3706889" cy="1821918"/>
+          </a:xfrm>
+        </p:spPr>
+        <p:txBody>
+          <a:bodyPr anchor="b">
+            <a:normAutofit/>
+          </a:bodyPr>
+          <a:lstStyle>
+            <a:lvl1pPr algn="ctr">
+              <a:defRPr sz="2400" b="0"/>
             </a:lvl1pPr>
           </a:lstStyle>
           <a:p>
             <a:r>
-              <a:rPr lang="fr-FR"/>
-              <a:t>Modifiez le style du titre</a:t>
-            </a:r>
-            <a:endParaRPr lang="en-GB"/>
-          </a:p>
-        </p:txBody>
-      </p:sp>
-      <p:sp>
-        <p:nvSpPr>
-          <p:cNvPr id="3" name="Espace réservé pour une image  2">
-            <a:extLst>
-              <a:ext uri="{FF2B5EF4-FFF2-40B4-BE49-F238E27FC236}">
-                <a16:creationId xmlns:a16="http://schemas.microsoft.com/office/drawing/2014/main" id="{A913B465-270A-4BFE-BCE9-07DB4F5C89EB}"/>
-              </a:ext>
-            </a:extLst>
-          </p:cNvPr>
-          <p:cNvSpPr>
-            <a:spLocks noGrp="1"/>
-          </p:cNvSpPr>
-          <p:nvPr>
-            <p:ph type="pic" idx="1"/>
+              <a:rPr lang="es-ES"/>
+              <a:t>Haga clic para modificar el estilo de título del patrón</a:t>
+            </a:r>
+            <a:endParaRPr lang="en-US" dirty="0"/>
+          </a:p>
+        </p:txBody>
+      </p:sp>
+      <p:sp>
+        <p:nvSpPr>
+          <p:cNvPr id="3" name="Content Placeholder 2"/>
+          <p:cNvSpPr>
+            <a:spLocks noGrp="1"/>
+          </p:cNvSpPr>
+          <p:nvPr>
+            <p:ph idx="1"/>
           </p:nvPr>
         </p:nvSpPr>
         <p:spPr>
           <a:xfrm>
-            <a:off x="5183188" y="987425"/>
-            <a:ext cx="6172200" cy="4873625"/>
+            <a:off x="4855633" y="609600"/>
+            <a:ext cx="6411924" cy="5181600"/>
           </a:xfrm>
         </p:spPr>
         <p:txBody>
-          <a:bodyPr/>
-          <a:lstStyle>
-            <a:lvl1pPr marL="0" indent="0">
-              <a:buNone/>
-              <a:defRPr sz="3200"/>
-            </a:lvl1pPr>
-            <a:lvl2pPr marL="457200" indent="0">
-              <a:buNone/>
-              <a:defRPr sz="2800"/>
-            </a:lvl2pPr>
-            <a:lvl3pPr marL="914400" indent="0">
-              <a:buNone/>
-              <a:defRPr sz="2400"/>
-            </a:lvl3pPr>
-            <a:lvl4pPr marL="1371600" indent="0">
-              <a:buNone/>
-              <a:defRPr sz="2000"/>
-            </a:lvl4pPr>
-            <a:lvl5pPr marL="1828800" indent="0">
-              <a:buNone/>
-              <a:defRPr sz="2000"/>
-            </a:lvl5pPr>
-            <a:lvl6pPr marL="2286000" indent="0">
-              <a:buNone/>
-              <a:defRPr sz="2000"/>
-            </a:lvl6pPr>
-            <a:lvl7pPr marL="2743200" indent="0">
-              <a:buNone/>
-              <a:defRPr sz="2000"/>
-            </a:lvl7pPr>
-            <a:lvl8pPr marL="3200400" indent="0">
-              <a:buNone/>
-              <a:defRPr sz="2000"/>
-            </a:lvl8pPr>
-            <a:lvl9pPr marL="3657600" indent="0">
-              <a:buNone/>
-              <a:defRPr sz="2000"/>
-            </a:lvl9pPr>
-          </a:lstStyle>
-          <a:p>
-            <a:endParaRPr lang="en-GB"/>
-          </a:p>
-        </p:txBody>
-      </p:sp>
-      <p:sp>
-        <p:nvSpPr>
-          <p:cNvPr id="4" name="Espace réservé du texte 3">
-            <a:extLst>
-              <a:ext uri="{FF2B5EF4-FFF2-40B4-BE49-F238E27FC236}">
-                <a16:creationId xmlns:a16="http://schemas.microsoft.com/office/drawing/2014/main" id="{9184356A-0CDC-491D-B916-76A8A6E2B148}"/>
-              </a:ext>
-            </a:extLst>
-          </p:cNvPr>
+          <a:bodyPr>
+            <a:normAutofit/>
+          </a:bodyPr>
+          <a:lstStyle/>
+          <a:p>
+            <a:pPr lvl="0"/>
+            <a:r>
+              <a:rPr lang="es-ES"/>
+              <a:t>Haga clic para modificar los estilos de texto del patrón</a:t>
+            </a:r>
+          </a:p>
+          <a:p>
+            <a:pPr lvl="1"/>
+            <a:r>
+              <a:rPr lang="es-ES"/>
+              <a:t>Segundo nivel</a:t>
+            </a:r>
+          </a:p>
+          <a:p>
+            <a:pPr lvl="2"/>
+            <a:r>
+              <a:rPr lang="es-ES"/>
+              <a:t>Tercer nivel</a:t>
+            </a:r>
+          </a:p>
+          <a:p>
+            <a:pPr lvl="3"/>
+            <a:r>
+              <a:rPr lang="es-ES"/>
+              <a:t>Cuarto nivel</a:t>
+            </a:r>
+          </a:p>
+          <a:p>
+            <a:pPr lvl="4"/>
+            <a:r>
+              <a:rPr lang="es-ES"/>
+              <a:t>Quinto nivel</a:t>
+            </a:r>
+            <a:endParaRPr lang="en-US" dirty="0"/>
+          </a:p>
+        </p:txBody>
+      </p:sp>
+      <p:sp>
+        <p:nvSpPr>
+          <p:cNvPr id="4" name="Text Placeholder 3"/>
           <p:cNvSpPr>
             <a:spLocks noGrp="1"/>
           </p:cNvSpPr>
@@ -3613,68 +5874,64 @@
         </p:nvSpPr>
         <p:spPr>
           <a:xfrm>
-            <a:off x="839788" y="2057400"/>
-            <a:ext cx="3932237" cy="3811588"/>
+            <a:off x="913795" y="2431518"/>
+            <a:ext cx="3706889" cy="3359681"/>
           </a:xfrm>
         </p:spPr>
         <p:txBody>
-          <a:bodyPr/>
+          <a:bodyPr anchor="t">
+            <a:normAutofit/>
+          </a:bodyPr>
           <a:lstStyle>
-            <a:lvl1pPr marL="0" indent="0">
+            <a:lvl1pPr marL="0" indent="0" algn="ctr">
               <a:buNone/>
               <a:defRPr sz="1600"/>
             </a:lvl1pPr>
             <a:lvl2pPr marL="457200" indent="0">
               <a:buNone/>
-              <a:defRPr sz="1400"/>
+              <a:defRPr sz="1200"/>
             </a:lvl2pPr>
             <a:lvl3pPr marL="914400" indent="0">
               <a:buNone/>
-              <a:defRPr sz="1200"/>
+              <a:defRPr sz="1000"/>
             </a:lvl3pPr>
             <a:lvl4pPr marL="1371600" indent="0">
               <a:buNone/>
-              <a:defRPr sz="1000"/>
+              <a:defRPr sz="900"/>
             </a:lvl4pPr>
             <a:lvl5pPr marL="1828800" indent="0">
               <a:buNone/>
-              <a:defRPr sz="1000"/>
+              <a:defRPr sz="900"/>
             </a:lvl5pPr>
             <a:lvl6pPr marL="2286000" indent="0">
               <a:buNone/>
-              <a:defRPr sz="1000"/>
+              <a:defRPr sz="900"/>
             </a:lvl6pPr>
             <a:lvl7pPr marL="2743200" indent="0">
               <a:buNone/>
-              <a:defRPr sz="1000"/>
+              <a:defRPr sz="900"/>
             </a:lvl7pPr>
             <a:lvl8pPr marL="3200400" indent="0">
               <a:buNone/>
-              <a:defRPr sz="1000"/>
+              <a:defRPr sz="900"/>
             </a:lvl8pPr>
             <a:lvl9pPr marL="3657600" indent="0">
               <a:buNone/>
-              <a:defRPr sz="1000"/>
+              <a:defRPr sz="900"/>
             </a:lvl9pPr>
           </a:lstStyle>
           <a:p>
             <a:pPr lvl="0"/>
             <a:r>
-              <a:rPr lang="fr-FR"/>
-              <a:t>Cliquez pour modifier les styles du texte du masque</a:t>
-            </a:r>
-          </a:p>
-        </p:txBody>
-      </p:sp>
-      <p:sp>
-        <p:nvSpPr>
-          <p:cNvPr id="5" name="Espace réservé de la date 4">
-            <a:extLst>
-              <a:ext uri="{FF2B5EF4-FFF2-40B4-BE49-F238E27FC236}">
-                <a16:creationId xmlns:a16="http://schemas.microsoft.com/office/drawing/2014/main" id="{6D08ADFB-167A-4FCF-9813-0CB7855F2388}"/>
-              </a:ext>
-            </a:extLst>
-          </p:cNvPr>
+              <a:rPr lang="es-ES"/>
+              <a:t>Haga clic para modificar los estilos de texto del patrón</a:t>
+            </a:r>
+          </a:p>
+        </p:txBody>
+      </p:sp>
+      <p:sp>
+        <p:nvSpPr>
+          <p:cNvPr id="5" name="Date Placeholder 4"/>
           <p:cNvSpPr>
             <a:spLocks noGrp="1"/>
           </p:cNvSpPr>
@@ -3689,7 +5946,7 @@
           <a:p>
             <a:fld id="{5BDF422D-3A9D-4522-B8A8-3A175308D352}" type="datetimeFigureOut">
               <a:rPr lang="en-GB" smtClean="0"/>
-              <a:t>08/11/2020</a:t>
+              <a:t>09/11/2020</a:t>
             </a:fld>
             <a:endParaRPr lang="en-GB"/>
           </a:p>
@@ -3697,13 +5954,7 @@
       </p:sp>
       <p:sp>
         <p:nvSpPr>
-          <p:cNvPr id="6" name="Espace réservé du pied de page 5">
-            <a:extLst>
-              <a:ext uri="{FF2B5EF4-FFF2-40B4-BE49-F238E27FC236}">
-                <a16:creationId xmlns:a16="http://schemas.microsoft.com/office/drawing/2014/main" id="{6E4C898A-711B-4537-9FE1-1CEFCDF34C07}"/>
-              </a:ext>
-            </a:extLst>
-          </p:cNvPr>
+          <p:cNvPr id="6" name="Footer Placeholder 5"/>
           <p:cNvSpPr>
             <a:spLocks noGrp="1"/>
           </p:cNvSpPr>
@@ -3722,13 +5973,7 @@
       </p:sp>
       <p:sp>
         <p:nvSpPr>
-          <p:cNvPr id="7" name="Espace réservé du numéro de diapositive 6">
-            <a:extLst>
-              <a:ext uri="{FF2B5EF4-FFF2-40B4-BE49-F238E27FC236}">
-                <a16:creationId xmlns:a16="http://schemas.microsoft.com/office/drawing/2014/main" id="{ADCAE258-6848-4EDD-857A-3577088F333C}"/>
-              </a:ext>
-            </a:extLst>
-          </p:cNvPr>
+          <p:cNvPr id="7" name="Slide Number Placeholder 6"/>
           <p:cNvSpPr>
             <a:spLocks noGrp="1"/>
           </p:cNvSpPr>
@@ -3743,7 +5988,7 @@
           <a:p>
             <a:fld id="{72EF6A0C-AC1E-4942-ADEA-CE8CB825CBDD}" type="slidenum">
               <a:rPr lang="en-GB" smtClean="0"/>
-              <a:t>‹N°›</a:t>
+              <a:t>‹Nº›</a:t>
             </a:fld>
             <a:endParaRPr lang="en-GB"/>
           </a:p>
@@ -3752,7 +5997,307 @@
     </p:spTree>
     <p:extLst>
       <p:ext uri="{BB962C8B-B14F-4D97-AF65-F5344CB8AC3E}">
-        <p14:creationId xmlns:p14="http://schemas.microsoft.com/office/powerpoint/2010/main" val="2578380010"/>
+        <p14:creationId xmlns:p14="http://schemas.microsoft.com/office/powerpoint/2010/main" val="263086240"/>
+      </p:ext>
+    </p:extLst>
+  </p:cSld>
+  <p:clrMapOvr>
+    <a:masterClrMapping/>
+  </p:clrMapOvr>
+</p:sldLayout>
+</file>
+
+<file path=ppt/slideLayouts/slideLayout9.xml><?xml version="1.0" encoding="utf-8"?>
+<p:sldLayout xmlns:a="http://schemas.openxmlformats.org/drawingml/2006/main" xmlns:r="http://schemas.openxmlformats.org/officeDocument/2006/relationships" xmlns:p="http://schemas.openxmlformats.org/presentationml/2006/main" type="picTx" preserve="1">
+  <p:cSld name="Imagen con título">
+    <p:spTree>
+      <p:nvGrpSpPr>
+        <p:cNvPr id="1" name=""/>
+        <p:cNvGrpSpPr/>
+        <p:nvPr/>
+      </p:nvGrpSpPr>
+      <p:grpSpPr>
+        <a:xfrm>
+          <a:off x="0" y="0"/>
+          <a:ext cx="0" cy="0"/>
+          <a:chOff x="0" y="0"/>
+          <a:chExt cx="0" cy="0"/>
+        </a:xfrm>
+      </p:grpSpPr>
+      <p:pic>
+        <p:nvPicPr>
+          <p:cNvPr id="22" name="Picture 21" descr="Slate-V2-HD-vertPhotoInset.png"/>
+          <p:cNvPicPr>
+            <a:picLocks noChangeAspect="1"/>
+          </p:cNvPicPr>
+          <p:nvPr/>
+        </p:nvPicPr>
+        <p:blipFill>
+          <a:blip r:embed="rId2">
+            <a:extLst>
+              <a:ext uri="{28A0092B-C50C-407E-A947-70E740481C1C}">
+                <a14:useLocalDpi xmlns:a14="http://schemas.microsoft.com/office/drawing/2010/main" val="0"/>
+              </a:ext>
+            </a:extLst>
+          </a:blip>
+          <a:stretch>
+            <a:fillRect/>
+          </a:stretch>
+        </p:blipFill>
+        <p:spPr>
+          <a:xfrm>
+            <a:off x="7293665" y="609600"/>
+            <a:ext cx="3584166" cy="5204832"/>
+          </a:xfrm>
+          <a:prstGeom prst="rect">
+            <a:avLst/>
+          </a:prstGeom>
+        </p:spPr>
+      </p:pic>
+      <p:sp>
+        <p:nvSpPr>
+          <p:cNvPr id="2" name="Title 1"/>
+          <p:cNvSpPr>
+            <a:spLocks noGrp="1"/>
+          </p:cNvSpPr>
+          <p:nvPr>
+            <p:ph type="title"/>
+          </p:nvPr>
+        </p:nvSpPr>
+        <p:spPr>
+          <a:xfrm>
+            <a:off x="913795" y="609923"/>
+            <a:ext cx="5934949" cy="1829338"/>
+          </a:xfrm>
+        </p:spPr>
+        <p:txBody>
+          <a:bodyPr anchor="b">
+            <a:noAutofit/>
+          </a:bodyPr>
+          <a:lstStyle>
+            <a:lvl1pPr algn="ctr">
+              <a:defRPr sz="3200" b="0"/>
+            </a:lvl1pPr>
+          </a:lstStyle>
+          <a:p>
+            <a:r>
+              <a:rPr lang="es-ES"/>
+              <a:t>Haga clic para modificar el estilo de título del patrón</a:t>
+            </a:r>
+            <a:endParaRPr lang="en-US" dirty="0"/>
+          </a:p>
+        </p:txBody>
+      </p:sp>
+      <p:sp>
+        <p:nvSpPr>
+          <p:cNvPr id="3" name="Picture Placeholder 2"/>
+          <p:cNvSpPr>
+            <a:spLocks noGrp="1" noChangeAspect="1"/>
+          </p:cNvSpPr>
+          <p:nvPr>
+            <p:ph type="pic" idx="1"/>
+          </p:nvPr>
+        </p:nvSpPr>
+        <p:spPr>
+          <a:xfrm>
+            <a:off x="7442551" y="763702"/>
+            <a:ext cx="3275751" cy="4912822"/>
+          </a:xfrm>
+          <a:effectLst>
+            <a:outerShdw blurRad="38100" dist="25400" dir="4440000">
+              <a:srgbClr val="000000">
+                <a:alpha val="36000"/>
+              </a:srgbClr>
+            </a:outerShdw>
+          </a:effectLst>
+        </p:spPr>
+        <p:txBody>
+          <a:bodyPr anchor="t">
+            <a:normAutofit/>
+          </a:bodyPr>
+          <a:lstStyle>
+            <a:lvl1pPr marL="0" indent="0" algn="ctr">
+              <a:buNone/>
+              <a:defRPr sz="1600"/>
+            </a:lvl1pPr>
+            <a:lvl2pPr marL="457200" indent="0">
+              <a:buNone/>
+              <a:defRPr sz="1600"/>
+            </a:lvl2pPr>
+            <a:lvl3pPr marL="914400" indent="0">
+              <a:buNone/>
+              <a:defRPr sz="1600"/>
+            </a:lvl3pPr>
+            <a:lvl4pPr marL="1371600" indent="0">
+              <a:buNone/>
+              <a:defRPr sz="1600"/>
+            </a:lvl4pPr>
+            <a:lvl5pPr marL="1828800" indent="0">
+              <a:buNone/>
+              <a:defRPr sz="1600"/>
+            </a:lvl5pPr>
+            <a:lvl6pPr marL="2286000" indent="0">
+              <a:buNone/>
+              <a:defRPr sz="1600"/>
+            </a:lvl6pPr>
+            <a:lvl7pPr marL="2743200" indent="0">
+              <a:buNone/>
+              <a:defRPr sz="1600"/>
+            </a:lvl7pPr>
+            <a:lvl8pPr marL="3200400" indent="0">
+              <a:buNone/>
+              <a:defRPr sz="1600"/>
+            </a:lvl8pPr>
+            <a:lvl9pPr marL="3657600" indent="0">
+              <a:buNone/>
+              <a:defRPr sz="1600"/>
+            </a:lvl9pPr>
+          </a:lstStyle>
+          <a:p>
+            <a:r>
+              <a:rPr lang="es-ES"/>
+              <a:t>Haga clic en el icono para agregar una imagen</a:t>
+            </a:r>
+            <a:endParaRPr lang="en-US" dirty="0"/>
+          </a:p>
+        </p:txBody>
+      </p:sp>
+      <p:sp>
+        <p:nvSpPr>
+          <p:cNvPr id="4" name="Text Placeholder 3"/>
+          <p:cNvSpPr>
+            <a:spLocks noGrp="1"/>
+          </p:cNvSpPr>
+          <p:nvPr>
+            <p:ph type="body" sz="half" idx="2"/>
+          </p:nvPr>
+        </p:nvSpPr>
+        <p:spPr>
+          <a:xfrm>
+            <a:off x="913795" y="2439261"/>
+            <a:ext cx="5934949" cy="3376134"/>
+          </a:xfrm>
+        </p:spPr>
+        <p:txBody>
+          <a:bodyPr anchor="t">
+            <a:normAutofit/>
+          </a:bodyPr>
+          <a:lstStyle>
+            <a:lvl1pPr marL="0" indent="0" algn="ctr">
+              <a:buNone/>
+              <a:defRPr sz="1600"/>
+            </a:lvl1pPr>
+            <a:lvl2pPr marL="457200" indent="0">
+              <a:buNone/>
+              <a:defRPr sz="1200"/>
+            </a:lvl2pPr>
+            <a:lvl3pPr marL="914400" indent="0">
+              <a:buNone/>
+              <a:defRPr sz="1000"/>
+            </a:lvl3pPr>
+            <a:lvl4pPr marL="1371600" indent="0">
+              <a:buNone/>
+              <a:defRPr sz="900"/>
+            </a:lvl4pPr>
+            <a:lvl5pPr marL="1828800" indent="0">
+              <a:buNone/>
+              <a:defRPr sz="900"/>
+            </a:lvl5pPr>
+            <a:lvl6pPr marL="2286000" indent="0">
+              <a:buNone/>
+              <a:defRPr sz="900"/>
+            </a:lvl6pPr>
+            <a:lvl7pPr marL="2743200" indent="0">
+              <a:buNone/>
+              <a:defRPr sz="900"/>
+            </a:lvl7pPr>
+            <a:lvl8pPr marL="3200400" indent="0">
+              <a:buNone/>
+              <a:defRPr sz="900"/>
+            </a:lvl8pPr>
+            <a:lvl9pPr marL="3657600" indent="0">
+              <a:buNone/>
+              <a:defRPr sz="900"/>
+            </a:lvl9pPr>
+          </a:lstStyle>
+          <a:p>
+            <a:pPr lvl="0"/>
+            <a:r>
+              <a:rPr lang="es-ES"/>
+              <a:t>Haga clic para modificar los estilos de texto del patrón</a:t>
+            </a:r>
+          </a:p>
+        </p:txBody>
+      </p:sp>
+      <p:sp>
+        <p:nvSpPr>
+          <p:cNvPr id="5" name="Date Placeholder 4"/>
+          <p:cNvSpPr>
+            <a:spLocks noGrp="1"/>
+          </p:cNvSpPr>
+          <p:nvPr>
+            <p:ph type="dt" sz="half" idx="10"/>
+          </p:nvPr>
+        </p:nvSpPr>
+        <p:spPr/>
+        <p:txBody>
+          <a:bodyPr/>
+          <a:lstStyle/>
+          <a:p>
+            <a:fld id="{5BDF422D-3A9D-4522-B8A8-3A175308D352}" type="datetimeFigureOut">
+              <a:rPr lang="en-GB" smtClean="0"/>
+              <a:t>09/11/2020</a:t>
+            </a:fld>
+            <a:endParaRPr lang="en-GB"/>
+          </a:p>
+        </p:txBody>
+      </p:sp>
+      <p:sp>
+        <p:nvSpPr>
+          <p:cNvPr id="6" name="Footer Placeholder 5"/>
+          <p:cNvSpPr>
+            <a:spLocks noGrp="1"/>
+          </p:cNvSpPr>
+          <p:nvPr>
+            <p:ph type="ftr" sz="quarter" idx="11"/>
+          </p:nvPr>
+        </p:nvSpPr>
+        <p:spPr/>
+        <p:txBody>
+          <a:bodyPr/>
+          <a:lstStyle/>
+          <a:p>
+            <a:endParaRPr lang="en-GB"/>
+          </a:p>
+        </p:txBody>
+      </p:sp>
+      <p:sp>
+        <p:nvSpPr>
+          <p:cNvPr id="7" name="Slide Number Placeholder 6"/>
+          <p:cNvSpPr>
+            <a:spLocks noGrp="1"/>
+          </p:cNvSpPr>
+          <p:nvPr>
+            <p:ph type="sldNum" sz="quarter" idx="12"/>
+          </p:nvPr>
+        </p:nvSpPr>
+        <p:spPr/>
+        <p:txBody>
+          <a:bodyPr/>
+          <a:lstStyle/>
+          <a:p>
+            <a:fld id="{72EF6A0C-AC1E-4942-ADEA-CE8CB825CBDD}" type="slidenum">
+              <a:rPr lang="en-GB" smtClean="0"/>
+              <a:t>‹Nº›</a:t>
+            </a:fld>
+            <a:endParaRPr lang="en-GB"/>
+          </a:p>
+        </p:txBody>
+      </p:sp>
+    </p:spTree>
+    <p:extLst>
+      <p:ext uri="{BB962C8B-B14F-4D97-AF65-F5344CB8AC3E}">
+        <p14:creationId xmlns:p14="http://schemas.microsoft.com/office/powerpoint/2010/main" val="2600099921"/>
       </p:ext>
     </p:extLst>
   </p:cSld>
@@ -3766,8 +6311,8 @@
 <p:sldMaster xmlns:a="http://schemas.openxmlformats.org/drawingml/2006/main" xmlns:r="http://schemas.openxmlformats.org/officeDocument/2006/relationships" xmlns:p="http://schemas.openxmlformats.org/presentationml/2006/main">
   <p:cSld>
     <p:bg>
-      <p:bgRef idx="1001">
-        <a:schemeClr val="bg1"/>
+      <p:bgRef idx="1003">
+        <a:schemeClr val="bg2"/>
       </p:bgRef>
     </p:bg>
     <p:spTree>
@@ -3786,13 +6331,7 @@
       </p:grpSpPr>
       <p:sp>
         <p:nvSpPr>
-          <p:cNvPr id="2" name="Espace réservé du titre 1">
-            <a:extLst>
-              <a:ext uri="{FF2B5EF4-FFF2-40B4-BE49-F238E27FC236}">
-                <a16:creationId xmlns:a16="http://schemas.microsoft.com/office/drawing/2014/main" id="{728BCC1B-47E4-4860-B6C4-C14C2BEB8F58}"/>
-              </a:ext>
-            </a:extLst>
-          </p:cNvPr>
+          <p:cNvPr id="2" name="Title Placeholder 1"/>
           <p:cNvSpPr>
             <a:spLocks noGrp="1"/>
           </p:cNvSpPr>
@@ -3802,12 +6341,19 @@
         </p:nvSpPr>
         <p:spPr>
           <a:xfrm>
-            <a:off x="838200" y="365125"/>
-            <a:ext cx="10515600" cy="1325563"/>
+            <a:off x="913795" y="609600"/>
+            <a:ext cx="10353762" cy="970450"/>
           </a:xfrm>
           <a:prstGeom prst="rect">
             <a:avLst/>
           </a:prstGeom>
+          <a:effectLst>
+            <a:outerShdw blurRad="25400" dir="17880000">
+              <a:srgbClr val="000000">
+                <a:alpha val="46000"/>
+              </a:srgbClr>
+            </a:outerShdw>
+          </a:effectLst>
         </p:spPr>
         <p:txBody>
           <a:bodyPr vert="horz" lIns="91440" tIns="45720" rIns="91440" bIns="45720" rtlCol="0" anchor="ctr">
@@ -3816,22 +6362,16 @@
           <a:lstStyle/>
           <a:p>
             <a:r>
-              <a:rPr lang="fr-FR"/>
-              <a:t>Modifiez le style du titre</a:t>
-            </a:r>
-            <a:endParaRPr lang="en-GB"/>
-          </a:p>
-        </p:txBody>
-      </p:sp>
-      <p:sp>
-        <p:nvSpPr>
-          <p:cNvPr id="3" name="Espace réservé du texte 2">
-            <a:extLst>
-              <a:ext uri="{FF2B5EF4-FFF2-40B4-BE49-F238E27FC236}">
-                <a16:creationId xmlns:a16="http://schemas.microsoft.com/office/drawing/2014/main" id="{F052A2BB-B7CB-4DB9-830F-E343040CA741}"/>
-              </a:ext>
-            </a:extLst>
-          </p:cNvPr>
+              <a:rPr lang="es-ES"/>
+              <a:t>Haga clic para modificar el estilo de título del patrón</a:t>
+            </a:r>
+            <a:endParaRPr lang="en-US" dirty="0"/>
+          </a:p>
+        </p:txBody>
+      </p:sp>
+      <p:sp>
+        <p:nvSpPr>
+          <p:cNvPr id="3" name="Text Placeholder 2"/>
           <p:cNvSpPr>
             <a:spLocks noGrp="1"/>
           </p:cNvSpPr>
@@ -3841,65 +6381,66 @@
         </p:nvSpPr>
         <p:spPr>
           <a:xfrm>
-            <a:off x="838200" y="1825625"/>
-            <a:ext cx="10515600" cy="4351338"/>
+            <a:off x="913795" y="1732449"/>
+            <a:ext cx="10353762" cy="4058751"/>
           </a:xfrm>
           <a:prstGeom prst="rect">
             <a:avLst/>
           </a:prstGeom>
+          <a:effectLst>
+            <a:outerShdw blurRad="25400" dir="17880000">
+              <a:srgbClr val="000000">
+                <a:alpha val="46000"/>
+              </a:srgbClr>
+            </a:outerShdw>
+          </a:effectLst>
         </p:spPr>
         <p:txBody>
-          <a:bodyPr vert="horz" lIns="91440" tIns="45720" rIns="91440" bIns="45720" rtlCol="0">
+          <a:bodyPr vert="horz" lIns="91440" tIns="45720" rIns="91440" bIns="45720" rtlCol="0" anchor="t">
             <a:normAutofit/>
           </a:bodyPr>
           <a:lstStyle/>
           <a:p>
             <a:pPr lvl="0"/>
             <a:r>
-              <a:rPr lang="fr-FR"/>
-              <a:t>Cliquez pour modifier les styles du texte du masque</a:t>
+              <a:rPr lang="es-ES"/>
+              <a:t>Haga clic para modificar los estilos de texto del patrón</a:t>
             </a:r>
           </a:p>
           <a:p>
             <a:pPr lvl="1"/>
             <a:r>
-              <a:rPr lang="fr-FR"/>
-              <a:t>Deuxième niveau</a:t>
+              <a:rPr lang="es-ES"/>
+              <a:t>Segundo nivel</a:t>
             </a:r>
           </a:p>
           <a:p>
             <a:pPr lvl="2"/>
             <a:r>
-              <a:rPr lang="fr-FR"/>
-              <a:t>Troisième niveau</a:t>
+              <a:rPr lang="es-ES"/>
+              <a:t>Tercer nivel</a:t>
             </a:r>
           </a:p>
           <a:p>
             <a:pPr lvl="3"/>
             <a:r>
-              <a:rPr lang="fr-FR"/>
-              <a:t>Quatrième niveau</a:t>
+              <a:rPr lang="es-ES"/>
+              <a:t>Cuarto nivel</a:t>
             </a:r>
           </a:p>
           <a:p>
             <a:pPr lvl="4"/>
             <a:r>
-              <a:rPr lang="fr-FR"/>
-              <a:t>Cinquième niveau</a:t>
-            </a:r>
-            <a:endParaRPr lang="en-GB"/>
-          </a:p>
-        </p:txBody>
-      </p:sp>
-      <p:sp>
-        <p:nvSpPr>
-          <p:cNvPr id="4" name="Espace réservé de la date 3">
-            <a:extLst>
-              <a:ext uri="{FF2B5EF4-FFF2-40B4-BE49-F238E27FC236}">
-                <a16:creationId xmlns:a16="http://schemas.microsoft.com/office/drawing/2014/main" id="{1119CCB7-6063-4979-AD07-F5C13B65B1BF}"/>
-              </a:ext>
-            </a:extLst>
-          </p:cNvPr>
+              <a:rPr lang="es-ES"/>
+              <a:t>Quinto nivel</a:t>
+            </a:r>
+            <a:endParaRPr lang="en-US" dirty="0"/>
+          </a:p>
+        </p:txBody>
+      </p:sp>
+      <p:sp>
+        <p:nvSpPr>
+          <p:cNvPr id="4" name="Date Placeholder 3"/>
           <p:cNvSpPr>
             <a:spLocks noGrp="1"/>
           </p:cNvSpPr>
@@ -3909,7 +6450,7 @@
         </p:nvSpPr>
         <p:spPr>
           <a:xfrm>
-            <a:off x="838200" y="6356350"/>
+            <a:off x="7678736" y="5883275"/>
             <a:ext cx="2743200" cy="365125"/>
           </a:xfrm>
           <a:prstGeom prst="rect">
@@ -3919,20 +6460,27 @@
         <p:txBody>
           <a:bodyPr vert="horz" lIns="91440" tIns="45720" rIns="91440" bIns="45720" rtlCol="0" anchor="ctr"/>
           <a:lstStyle>
-            <a:lvl1pPr algn="l">
-              <a:defRPr sz="1200">
+            <a:lvl1pPr algn="r">
+              <a:defRPr sz="1000">
                 <a:solidFill>
                   <a:schemeClr val="tx1">
-                    <a:tint val="75000"/>
+                    <a:lumMod val="95000"/>
                   </a:schemeClr>
                 </a:solidFill>
+                <a:effectLst>
+                  <a:outerShdw blurRad="50800" dist="38100" dir="2700000" algn="tl" rotWithShape="0">
+                    <a:schemeClr val="bg1">
+                      <a:alpha val="43000"/>
+                    </a:schemeClr>
+                  </a:outerShdw>
+                </a:effectLst>
               </a:defRPr>
             </a:lvl1pPr>
           </a:lstStyle>
           <a:p>
             <a:fld id="{5BDF422D-3A9D-4522-B8A8-3A175308D352}" type="datetimeFigureOut">
               <a:rPr lang="en-GB" smtClean="0"/>
-              <a:t>08/11/2020</a:t>
+              <a:t>09/11/2020</a:t>
             </a:fld>
             <a:endParaRPr lang="en-GB"/>
           </a:p>
@@ -3940,13 +6488,7 @@
       </p:sp>
       <p:sp>
         <p:nvSpPr>
-          <p:cNvPr id="5" name="Espace réservé du pied de page 4">
-            <a:extLst>
-              <a:ext uri="{FF2B5EF4-FFF2-40B4-BE49-F238E27FC236}">
-                <a16:creationId xmlns:a16="http://schemas.microsoft.com/office/drawing/2014/main" id="{D205C9BA-9706-45D4-B0D7-B8D810DC0609}"/>
-              </a:ext>
-            </a:extLst>
-          </p:cNvPr>
+          <p:cNvPr id="5" name="Footer Placeholder 4"/>
           <p:cNvSpPr>
             <a:spLocks noGrp="1"/>
           </p:cNvSpPr>
@@ -3956,8 +6498,8 @@
         </p:nvSpPr>
         <p:spPr>
           <a:xfrm>
-            <a:off x="4038600" y="6356350"/>
-            <a:ext cx="4114800" cy="365125"/>
+            <a:off x="913795" y="5883275"/>
+            <a:ext cx="6672865" cy="365125"/>
           </a:xfrm>
           <a:prstGeom prst="rect">
             <a:avLst/>
@@ -3966,13 +6508,20 @@
         <p:txBody>
           <a:bodyPr vert="horz" lIns="91440" tIns="45720" rIns="91440" bIns="45720" rtlCol="0" anchor="ctr"/>
           <a:lstStyle>
-            <a:lvl1pPr algn="ctr">
-              <a:defRPr sz="1200">
+            <a:lvl1pPr algn="l">
+              <a:defRPr sz="1000">
                 <a:solidFill>
                   <a:schemeClr val="tx1">
-                    <a:tint val="75000"/>
+                    <a:lumMod val="95000"/>
                   </a:schemeClr>
                 </a:solidFill>
+                <a:effectLst>
+                  <a:outerShdw blurRad="50800" dist="38100" dir="2700000" algn="tl" rotWithShape="0">
+                    <a:schemeClr val="bg1">
+                      <a:alpha val="43000"/>
+                    </a:schemeClr>
+                  </a:outerShdw>
+                </a:effectLst>
               </a:defRPr>
             </a:lvl1pPr>
           </a:lstStyle>
@@ -3983,13 +6532,7 @@
       </p:sp>
       <p:sp>
         <p:nvSpPr>
-          <p:cNvPr id="6" name="Espace réservé du numéro de diapositive 5">
-            <a:extLst>
-              <a:ext uri="{FF2B5EF4-FFF2-40B4-BE49-F238E27FC236}">
-                <a16:creationId xmlns:a16="http://schemas.microsoft.com/office/drawing/2014/main" id="{0155290D-E604-479C-9F8E-756BFF1BACC6}"/>
-              </a:ext>
-            </a:extLst>
-          </p:cNvPr>
+          <p:cNvPr id="6" name="Slide Number Placeholder 5"/>
           <p:cNvSpPr>
             <a:spLocks noGrp="1"/>
           </p:cNvSpPr>
@@ -3999,8 +6542,8 @@
         </p:nvSpPr>
         <p:spPr>
           <a:xfrm>
-            <a:off x="8610600" y="6356350"/>
-            <a:ext cx="2743200" cy="365125"/>
+            <a:off x="10514011" y="5883275"/>
+            <a:ext cx="753545" cy="365125"/>
           </a:xfrm>
           <a:prstGeom prst="rect">
             <a:avLst/>
@@ -4010,19 +6553,26 @@
           <a:bodyPr vert="horz" lIns="91440" tIns="45720" rIns="91440" bIns="45720" rtlCol="0" anchor="ctr"/>
           <a:lstStyle>
             <a:lvl1pPr algn="r">
-              <a:defRPr sz="1200">
+              <a:defRPr sz="1000">
                 <a:solidFill>
                   <a:schemeClr val="tx1">
-                    <a:tint val="75000"/>
+                    <a:lumMod val="95000"/>
                   </a:schemeClr>
                 </a:solidFill>
+                <a:effectLst>
+                  <a:outerShdw blurRad="50800" dist="38100" dir="2700000" algn="tl" rotWithShape="0">
+                    <a:schemeClr val="bg1">
+                      <a:alpha val="43000"/>
+                    </a:schemeClr>
+                  </a:outerShdw>
+                </a:effectLst>
               </a:defRPr>
             </a:lvl1pPr>
           </a:lstStyle>
           <a:p>
             <a:fld id="{72EF6A0C-AC1E-4942-ADEA-CE8CB825CBDD}" type="slidenum">
               <a:rPr lang="en-GB" smtClean="0"/>
-              <a:t>‹N°›</a:t>
+              <a:t>‹Nº›</a:t>
             </a:fld>
             <a:endParaRPr lang="en-GB"/>
           </a:p>
@@ -4031,55 +6581,469 @@
     </p:spTree>
     <p:extLst>
       <p:ext uri="{BB962C8B-B14F-4D97-AF65-F5344CB8AC3E}">
-        <p14:creationId xmlns:p14="http://schemas.microsoft.com/office/powerpoint/2010/main" val="401732409"/>
+        <p14:creationId xmlns:p14="http://schemas.microsoft.com/office/powerpoint/2010/main" val="438160229"/>
       </p:ext>
     </p:extLst>
   </p:cSld>
-  <p:clrMap bg1="lt1" tx1="dk1" bg2="lt2" tx2="dk2" accent1="accent1" accent2="accent2" accent3="accent3" accent4="accent4" accent5="accent5" accent6="accent6" hlink="hlink" folHlink="folHlink"/>
+  <p:clrMap bg1="dk1" tx1="lt1" bg2="dk2" tx2="lt2" accent1="accent1" accent2="accent2" accent3="accent3" accent4="accent4" accent5="accent5" accent6="accent6" hlink="hlink" folHlink="folHlink"/>
   <p:sldLayoutIdLst>
-    <p:sldLayoutId id="2147483649" r:id="rId1"/>
-    <p:sldLayoutId id="2147483650" r:id="rId2"/>
-    <p:sldLayoutId id="2147483651" r:id="rId3"/>
-    <p:sldLayoutId id="2147483652" r:id="rId4"/>
-    <p:sldLayoutId id="2147483653" r:id="rId5"/>
-    <p:sldLayoutId id="2147483654" r:id="rId6"/>
-    <p:sldLayoutId id="2147483655" r:id="rId7"/>
-    <p:sldLayoutId id="2147483656" r:id="rId8"/>
-    <p:sldLayoutId id="2147483657" r:id="rId9"/>
-    <p:sldLayoutId id="2147483658" r:id="rId10"/>
-    <p:sldLayoutId id="2147483659" r:id="rId11"/>
+    <p:sldLayoutId id="2147483679" r:id="rId1"/>
+    <p:sldLayoutId id="2147483680" r:id="rId2"/>
+    <p:sldLayoutId id="2147483681" r:id="rId3"/>
+    <p:sldLayoutId id="2147483682" r:id="rId4"/>
+    <p:sldLayoutId id="2147483683" r:id="rId5"/>
+    <p:sldLayoutId id="2147483684" r:id="rId6"/>
+    <p:sldLayoutId id="2147483685" r:id="rId7"/>
+    <p:sldLayoutId id="2147483686" r:id="rId8"/>
+    <p:sldLayoutId id="2147483687" r:id="rId9"/>
+    <p:sldLayoutId id="2147483688" r:id="rId10"/>
+    <p:sldLayoutId id="2147483689" r:id="rId11"/>
+    <p:sldLayoutId id="2147483690" r:id="rId12"/>
+    <p:sldLayoutId id="2147483691" r:id="rId13"/>
+    <p:sldLayoutId id="2147483692" r:id="rId14"/>
+    <p:sldLayoutId id="2147483693" r:id="rId15"/>
+    <p:sldLayoutId id="2147483694" r:id="rId16"/>
+    <p:sldLayoutId id="2147483695" r:id="rId17"/>
   </p:sldLayoutIdLst>
   <p:txStyles>
     <p:titleStyle>
-      <a:lvl1pPr algn="l" defTabSz="914400" rtl="0" eaLnBrk="1" latinLnBrk="0" hangingPunct="1">
-        <a:lnSpc>
-          <a:spcPct val="90000"/>
-        </a:lnSpc>
+      <a:lvl1pPr algn="ctr" defTabSz="457200" rtl="0" eaLnBrk="1" latinLnBrk="0" hangingPunct="1">
         <a:spcBef>
           <a:spcPct val="0"/>
         </a:spcBef>
         <a:buNone/>
-        <a:defRPr sz="4400" kern="1200">
+        <a:defRPr sz="4000" kern="1200">
+          <a:ln>
+            <a:solidFill>
+              <a:schemeClr val="bg1">
+                <a:lumMod val="75000"/>
+                <a:lumOff val="25000"/>
+                <a:alpha val="10000"/>
+              </a:schemeClr>
+            </a:solidFill>
+          </a:ln>
           <a:solidFill>
-            <a:schemeClr val="tx1"/>
+            <a:schemeClr val="tx2"/>
           </a:solidFill>
+          <a:effectLst>
+            <a:outerShdw blurRad="9525" dist="25400" dir="14640000" algn="tl" rotWithShape="0">
+              <a:schemeClr val="bg1">
+                <a:alpha val="30000"/>
+              </a:schemeClr>
+            </a:outerShdw>
+          </a:effectLst>
           <a:latin typeface="+mj-lt"/>
           <a:ea typeface="+mj-ea"/>
-          <a:cs typeface="+mj-cs"/>
+          <a:cs typeface="Trebuchet MS"/>
         </a:defRPr>
       </a:lvl1pPr>
+      <a:lvl2pPr eaLnBrk="1" hangingPunct="1">
+        <a:defRPr>
+          <a:solidFill>
+            <a:schemeClr val="tx2"/>
+          </a:solidFill>
+        </a:defRPr>
+      </a:lvl2pPr>
+      <a:lvl3pPr eaLnBrk="1" hangingPunct="1">
+        <a:defRPr>
+          <a:solidFill>
+            <a:schemeClr val="tx2"/>
+          </a:solidFill>
+        </a:defRPr>
+      </a:lvl3pPr>
+      <a:lvl4pPr eaLnBrk="1" hangingPunct="1">
+        <a:defRPr>
+          <a:solidFill>
+            <a:schemeClr val="tx2"/>
+          </a:solidFill>
+        </a:defRPr>
+      </a:lvl4pPr>
+      <a:lvl5pPr eaLnBrk="1" hangingPunct="1">
+        <a:defRPr>
+          <a:solidFill>
+            <a:schemeClr val="tx2"/>
+          </a:solidFill>
+        </a:defRPr>
+      </a:lvl5pPr>
+      <a:lvl6pPr eaLnBrk="1" hangingPunct="1">
+        <a:defRPr>
+          <a:solidFill>
+            <a:schemeClr val="tx2"/>
+          </a:solidFill>
+        </a:defRPr>
+      </a:lvl6pPr>
+      <a:lvl7pPr eaLnBrk="1" hangingPunct="1">
+        <a:defRPr>
+          <a:solidFill>
+            <a:schemeClr val="tx2"/>
+          </a:solidFill>
+        </a:defRPr>
+      </a:lvl7pPr>
+      <a:lvl8pPr eaLnBrk="1" hangingPunct="1">
+        <a:defRPr>
+          <a:solidFill>
+            <a:schemeClr val="tx2"/>
+          </a:solidFill>
+        </a:defRPr>
+      </a:lvl8pPr>
+      <a:lvl9pPr eaLnBrk="1" hangingPunct="1">
+        <a:defRPr>
+          <a:solidFill>
+            <a:schemeClr val="tx2"/>
+          </a:solidFill>
+        </a:defRPr>
+      </a:lvl9pPr>
     </p:titleStyle>
     <p:bodyStyle>
-      <a:lvl1pPr marL="228600" indent="-228600" algn="l" defTabSz="914400" rtl="0" eaLnBrk="1" latinLnBrk="0" hangingPunct="1">
-        <a:lnSpc>
-          <a:spcPct val="90000"/>
-        </a:lnSpc>
+      <a:lvl1pPr marL="342900" indent="-306000" algn="l" defTabSz="457200" rtl="0" eaLnBrk="1" latinLnBrk="0" hangingPunct="1">
         <a:spcBef>
-          <a:spcPts val="1000"/>
+          <a:spcPct val="20000"/>
         </a:spcBef>
-        <a:buFont typeface="Arial" panose="020B0604020202020204" pitchFamily="34" charset="0"/>
-        <a:buChar char="•"/>
-        <a:defRPr sz="2800" kern="1200">
+        <a:spcAft>
+          <a:spcPts val="600"/>
+        </a:spcAft>
+        <a:buClr>
+          <a:schemeClr val="tx2"/>
+        </a:buClr>
+        <a:buSzPct val="70000"/>
+        <a:buFont typeface="Wingdings 2" charset="2"/>
+        <a:buChar char=""/>
+        <a:defRPr sz="2000" kern="1200">
+          <a:ln>
+            <a:solidFill>
+              <a:schemeClr val="bg1">
+                <a:lumMod val="75000"/>
+                <a:lumOff val="25000"/>
+                <a:alpha val="10000"/>
+              </a:schemeClr>
+            </a:solidFill>
+          </a:ln>
+          <a:solidFill>
+            <a:schemeClr val="tx2"/>
+          </a:solidFill>
+          <a:effectLst>
+            <a:outerShdw blurRad="9525" dist="25400" dir="14640000" algn="tl" rotWithShape="0">
+              <a:schemeClr val="bg1">
+                <a:alpha val="30000"/>
+              </a:schemeClr>
+            </a:outerShdw>
+          </a:effectLst>
+          <a:latin typeface="+mn-lt"/>
+          <a:ea typeface="+mn-ea"/>
+          <a:cs typeface="+mn-cs"/>
+        </a:defRPr>
+      </a:lvl1pPr>
+      <a:lvl2pPr marL="720000" indent="-270000" algn="l" defTabSz="457200" rtl="0" eaLnBrk="1" latinLnBrk="0" hangingPunct="1">
+        <a:spcBef>
+          <a:spcPct val="20000"/>
+        </a:spcBef>
+        <a:spcAft>
+          <a:spcPts val="600"/>
+        </a:spcAft>
+        <a:buClr>
+          <a:schemeClr val="tx2"/>
+        </a:buClr>
+        <a:buSzPct val="70000"/>
+        <a:buFont typeface="Wingdings 2" charset="2"/>
+        <a:buChar char=""/>
+        <a:defRPr sz="1800" kern="1200">
+          <a:ln>
+            <a:solidFill>
+              <a:schemeClr val="bg1">
+                <a:lumMod val="75000"/>
+                <a:lumOff val="25000"/>
+                <a:alpha val="10000"/>
+              </a:schemeClr>
+            </a:solidFill>
+          </a:ln>
+          <a:solidFill>
+            <a:schemeClr val="tx2"/>
+          </a:solidFill>
+          <a:effectLst>
+            <a:outerShdw blurRad="9525" dist="25400" dir="14640000" algn="tl" rotWithShape="0">
+              <a:schemeClr val="bg1">
+                <a:alpha val="30000"/>
+              </a:schemeClr>
+            </a:outerShdw>
+          </a:effectLst>
+          <a:latin typeface="+mn-lt"/>
+          <a:ea typeface="+mn-ea"/>
+          <a:cs typeface="+mn-cs"/>
+        </a:defRPr>
+      </a:lvl2pPr>
+      <a:lvl3pPr marL="1026000" indent="-216000" algn="l" defTabSz="457200" rtl="0" eaLnBrk="1" latinLnBrk="0" hangingPunct="1">
+        <a:spcBef>
+          <a:spcPct val="20000"/>
+        </a:spcBef>
+        <a:spcAft>
+          <a:spcPts val="600"/>
+        </a:spcAft>
+        <a:buClr>
+          <a:schemeClr val="tx2"/>
+        </a:buClr>
+        <a:buSzPct val="70000"/>
+        <a:buFont typeface="Wingdings 2" charset="2"/>
+        <a:buChar char=""/>
+        <a:defRPr sz="1600" kern="1200">
+          <a:ln>
+            <a:solidFill>
+              <a:schemeClr val="bg1">
+                <a:lumMod val="75000"/>
+                <a:lumOff val="25000"/>
+                <a:alpha val="10000"/>
+              </a:schemeClr>
+            </a:solidFill>
+          </a:ln>
+          <a:solidFill>
+            <a:schemeClr val="tx2"/>
+          </a:solidFill>
+          <a:effectLst>
+            <a:outerShdw blurRad="9525" dist="25400" dir="14640000" algn="tl" rotWithShape="0">
+              <a:schemeClr val="bg1">
+                <a:alpha val="30000"/>
+              </a:schemeClr>
+            </a:outerShdw>
+          </a:effectLst>
+          <a:latin typeface="+mn-lt"/>
+          <a:ea typeface="+mn-ea"/>
+          <a:cs typeface="+mn-cs"/>
+        </a:defRPr>
+      </a:lvl3pPr>
+      <a:lvl4pPr marL="1386000" indent="-216000" algn="l" defTabSz="457200" rtl="0" eaLnBrk="1" latinLnBrk="0" hangingPunct="1">
+        <a:spcBef>
+          <a:spcPct val="20000"/>
+        </a:spcBef>
+        <a:spcAft>
+          <a:spcPts val="600"/>
+        </a:spcAft>
+        <a:buClr>
+          <a:schemeClr val="tx2"/>
+        </a:buClr>
+        <a:buSzPct val="70000"/>
+        <a:buFont typeface="Wingdings 2" charset="2"/>
+        <a:buChar char=""/>
+        <a:defRPr sz="1400" kern="1200">
+          <a:ln>
+            <a:solidFill>
+              <a:schemeClr val="bg1">
+                <a:lumMod val="75000"/>
+                <a:lumOff val="25000"/>
+                <a:alpha val="10000"/>
+              </a:schemeClr>
+            </a:solidFill>
+          </a:ln>
+          <a:solidFill>
+            <a:schemeClr val="tx2"/>
+          </a:solidFill>
+          <a:effectLst>
+            <a:outerShdw blurRad="9525" dist="25400" dir="14640000" algn="tl" rotWithShape="0">
+              <a:schemeClr val="bg1">
+                <a:alpha val="30000"/>
+              </a:schemeClr>
+            </a:outerShdw>
+          </a:effectLst>
+          <a:latin typeface="+mn-lt"/>
+          <a:ea typeface="+mn-ea"/>
+          <a:cs typeface="+mn-cs"/>
+        </a:defRPr>
+      </a:lvl4pPr>
+      <a:lvl5pPr marL="1674000" indent="-216000" algn="l" defTabSz="457200" rtl="0" eaLnBrk="1" latinLnBrk="0" hangingPunct="1">
+        <a:spcBef>
+          <a:spcPct val="20000"/>
+        </a:spcBef>
+        <a:spcAft>
+          <a:spcPts val="600"/>
+        </a:spcAft>
+        <a:buClr>
+          <a:schemeClr val="tx2"/>
+        </a:buClr>
+        <a:buSzPct val="70000"/>
+        <a:buFont typeface="Wingdings 2" charset="2"/>
+        <a:buChar char=""/>
+        <a:defRPr sz="1400" kern="1200">
+          <a:ln>
+            <a:solidFill>
+              <a:schemeClr val="bg1">
+                <a:lumMod val="75000"/>
+                <a:lumOff val="25000"/>
+                <a:alpha val="10000"/>
+              </a:schemeClr>
+            </a:solidFill>
+          </a:ln>
+          <a:solidFill>
+            <a:schemeClr val="tx2"/>
+          </a:solidFill>
+          <a:effectLst>
+            <a:outerShdw blurRad="9525" dist="25400" dir="14640000" algn="tl" rotWithShape="0">
+              <a:schemeClr val="bg1">
+                <a:alpha val="30000"/>
+              </a:schemeClr>
+            </a:outerShdw>
+          </a:effectLst>
+          <a:latin typeface="+mn-lt"/>
+          <a:ea typeface="+mn-ea"/>
+          <a:cs typeface="+mn-cs"/>
+        </a:defRPr>
+      </a:lvl5pPr>
+      <a:lvl6pPr marL="2014600" indent="-228600" algn="l" defTabSz="457200" rtl="0" eaLnBrk="1" latinLnBrk="0" hangingPunct="1">
+        <a:spcBef>
+          <a:spcPct val="20000"/>
+        </a:spcBef>
+        <a:spcAft>
+          <a:spcPts val="600"/>
+        </a:spcAft>
+        <a:buClr>
+          <a:schemeClr val="tx2"/>
+        </a:buClr>
+        <a:buSzPct val="70000"/>
+        <a:buFont typeface="Wingdings 2" charset="2"/>
+        <a:buChar char=""/>
+        <a:defRPr sz="1400" kern="1200">
+          <a:ln>
+            <a:solidFill>
+              <a:schemeClr val="bg1">
+                <a:lumMod val="75000"/>
+                <a:lumOff val="25000"/>
+                <a:alpha val="10000"/>
+              </a:schemeClr>
+            </a:solidFill>
+          </a:ln>
+          <a:solidFill>
+            <a:schemeClr val="tx2"/>
+          </a:solidFill>
+          <a:effectLst>
+            <a:outerShdw blurRad="9525" dist="25400" dir="14640000" algn="tl" rotWithShape="0">
+              <a:schemeClr val="bg1">
+                <a:alpha val="30000"/>
+              </a:schemeClr>
+            </a:outerShdw>
+          </a:effectLst>
+          <a:latin typeface="+mn-lt"/>
+          <a:ea typeface="+mn-ea"/>
+          <a:cs typeface="+mn-cs"/>
+        </a:defRPr>
+      </a:lvl6pPr>
+      <a:lvl7pPr marL="2401800" indent="-228600" algn="l" defTabSz="457200" rtl="0" eaLnBrk="1" latinLnBrk="0" hangingPunct="1">
+        <a:spcBef>
+          <a:spcPct val="20000"/>
+        </a:spcBef>
+        <a:spcAft>
+          <a:spcPts val="600"/>
+        </a:spcAft>
+        <a:buClr>
+          <a:schemeClr val="tx2"/>
+        </a:buClr>
+        <a:buSzPct val="70000"/>
+        <a:buFont typeface="Wingdings 2" charset="2"/>
+        <a:buChar char=""/>
+        <a:defRPr sz="1400" kern="1200">
+          <a:ln>
+            <a:solidFill>
+              <a:schemeClr val="bg1">
+                <a:lumMod val="75000"/>
+                <a:lumOff val="25000"/>
+                <a:alpha val="10000"/>
+              </a:schemeClr>
+            </a:solidFill>
+          </a:ln>
+          <a:solidFill>
+            <a:schemeClr val="tx2"/>
+          </a:solidFill>
+          <a:effectLst>
+            <a:outerShdw blurRad="9525" dist="25400" dir="14640000" algn="tl" rotWithShape="0">
+              <a:schemeClr val="bg1">
+                <a:alpha val="30000"/>
+              </a:schemeClr>
+            </a:outerShdw>
+          </a:effectLst>
+          <a:latin typeface="+mn-lt"/>
+          <a:ea typeface="+mn-ea"/>
+          <a:cs typeface="+mn-cs"/>
+        </a:defRPr>
+      </a:lvl7pPr>
+      <a:lvl8pPr marL="2789000" indent="-228600" algn="l" defTabSz="457200" rtl="0" eaLnBrk="1" latinLnBrk="0" hangingPunct="1">
+        <a:spcBef>
+          <a:spcPct val="20000"/>
+        </a:spcBef>
+        <a:spcAft>
+          <a:spcPts val="600"/>
+        </a:spcAft>
+        <a:buClr>
+          <a:schemeClr val="tx2"/>
+        </a:buClr>
+        <a:buSzPct val="70000"/>
+        <a:buFont typeface="Wingdings 2" charset="2"/>
+        <a:buChar char=""/>
+        <a:defRPr sz="1400" kern="1200">
+          <a:ln>
+            <a:solidFill>
+              <a:schemeClr val="bg1">
+                <a:lumMod val="75000"/>
+                <a:lumOff val="25000"/>
+                <a:alpha val="10000"/>
+              </a:schemeClr>
+            </a:solidFill>
+          </a:ln>
+          <a:solidFill>
+            <a:schemeClr val="tx2"/>
+          </a:solidFill>
+          <a:effectLst>
+            <a:outerShdw blurRad="9525" dist="25400" dir="14640000" algn="tl" rotWithShape="0">
+              <a:schemeClr val="bg1">
+                <a:alpha val="30000"/>
+              </a:schemeClr>
+            </a:outerShdw>
+          </a:effectLst>
+          <a:latin typeface="+mn-lt"/>
+          <a:ea typeface="+mn-ea"/>
+          <a:cs typeface="+mn-cs"/>
+        </a:defRPr>
+      </a:lvl8pPr>
+      <a:lvl9pPr marL="3106200" indent="-228600" algn="l" defTabSz="457200" rtl="0" eaLnBrk="1" latinLnBrk="0" hangingPunct="1">
+        <a:spcBef>
+          <a:spcPct val="20000"/>
+        </a:spcBef>
+        <a:spcAft>
+          <a:spcPts val="600"/>
+        </a:spcAft>
+        <a:buClr>
+          <a:schemeClr val="tx2"/>
+        </a:buClr>
+        <a:buSzPct val="70000"/>
+        <a:buFont typeface="Wingdings 2" charset="2"/>
+        <a:buChar char=""/>
+        <a:defRPr sz="1400" kern="1200">
+          <a:ln>
+            <a:solidFill>
+              <a:schemeClr val="bg1">
+                <a:lumMod val="75000"/>
+                <a:lumOff val="25000"/>
+                <a:alpha val="10000"/>
+              </a:schemeClr>
+            </a:solidFill>
+          </a:ln>
+          <a:solidFill>
+            <a:schemeClr val="tx2"/>
+          </a:solidFill>
+          <a:effectLst>
+            <a:outerShdw blurRad="9525" dist="25400" dir="14640000" algn="tl" rotWithShape="0">
+              <a:schemeClr val="bg1">
+                <a:alpha val="30000"/>
+              </a:schemeClr>
+            </a:outerShdw>
+          </a:effectLst>
+          <a:latin typeface="+mn-lt"/>
+          <a:ea typeface="+mn-ea"/>
+          <a:cs typeface="+mn-cs"/>
+        </a:defRPr>
+      </a:lvl9pPr>
+    </p:bodyStyle>
+    <p:otherStyle>
+      <a:defPPr>
+        <a:defRPr lang="en-US"/>
+      </a:defPPr>
+      <a:lvl1pPr marL="0" algn="l" defTabSz="457200" rtl="0" eaLnBrk="1" latinLnBrk="0" hangingPunct="1">
+        <a:defRPr sz="1800" kern="1200">
           <a:solidFill>
             <a:schemeClr val="tx1"/>
           </a:solidFill>
@@ -4088,16 +7052,8 @@
           <a:cs typeface="+mn-cs"/>
         </a:defRPr>
       </a:lvl1pPr>
-      <a:lvl2pPr marL="685800" indent="-228600" algn="l" defTabSz="914400" rtl="0" eaLnBrk="1" latinLnBrk="0" hangingPunct="1">
-        <a:lnSpc>
-          <a:spcPct val="90000"/>
-        </a:lnSpc>
-        <a:spcBef>
-          <a:spcPts val="500"/>
-        </a:spcBef>
-        <a:buFont typeface="Arial" panose="020B0604020202020204" pitchFamily="34" charset="0"/>
-        <a:buChar char="•"/>
-        <a:defRPr sz="2400" kern="1200">
+      <a:lvl2pPr marL="457200" algn="l" defTabSz="457200" rtl="0" eaLnBrk="1" latinLnBrk="0" hangingPunct="1">
+        <a:defRPr sz="1800" kern="1200">
           <a:solidFill>
             <a:schemeClr val="tx1"/>
           </a:solidFill>
@@ -4106,16 +7062,8 @@
           <a:cs typeface="+mn-cs"/>
         </a:defRPr>
       </a:lvl2pPr>
-      <a:lvl3pPr marL="1143000" indent="-228600" algn="l" defTabSz="914400" rtl="0" eaLnBrk="1" latinLnBrk="0" hangingPunct="1">
-        <a:lnSpc>
-          <a:spcPct val="90000"/>
-        </a:lnSpc>
-        <a:spcBef>
-          <a:spcPts val="500"/>
-        </a:spcBef>
-        <a:buFont typeface="Arial" panose="020B0604020202020204" pitchFamily="34" charset="0"/>
-        <a:buChar char="•"/>
-        <a:defRPr sz="2000" kern="1200">
+      <a:lvl3pPr marL="914400" algn="l" defTabSz="457200" rtl="0" eaLnBrk="1" latinLnBrk="0" hangingPunct="1">
+        <a:defRPr sz="1800" kern="1200">
           <a:solidFill>
             <a:schemeClr val="tx1"/>
           </a:solidFill>
@@ -4124,15 +7072,7 @@
           <a:cs typeface="+mn-cs"/>
         </a:defRPr>
       </a:lvl3pPr>
-      <a:lvl4pPr marL="1600200" indent="-228600" algn="l" defTabSz="914400" rtl="0" eaLnBrk="1" latinLnBrk="0" hangingPunct="1">
-        <a:lnSpc>
-          <a:spcPct val="90000"/>
-        </a:lnSpc>
-        <a:spcBef>
-          <a:spcPts val="500"/>
-        </a:spcBef>
-        <a:buFont typeface="Arial" panose="020B0604020202020204" pitchFamily="34" charset="0"/>
-        <a:buChar char="•"/>
+      <a:lvl4pPr marL="1371600" algn="l" defTabSz="457200" rtl="0" eaLnBrk="1" latinLnBrk="0" hangingPunct="1">
         <a:defRPr sz="1800" kern="1200">
           <a:solidFill>
             <a:schemeClr val="tx1"/>
@@ -4142,15 +7082,7 @@
           <a:cs typeface="+mn-cs"/>
         </a:defRPr>
       </a:lvl4pPr>
-      <a:lvl5pPr marL="2057400" indent="-228600" algn="l" defTabSz="914400" rtl="0" eaLnBrk="1" latinLnBrk="0" hangingPunct="1">
-        <a:lnSpc>
-          <a:spcPct val="90000"/>
-        </a:lnSpc>
-        <a:spcBef>
-          <a:spcPts val="500"/>
-        </a:spcBef>
-        <a:buFont typeface="Arial" panose="020B0604020202020204" pitchFamily="34" charset="0"/>
-        <a:buChar char="•"/>
+      <a:lvl5pPr marL="1828800" algn="l" defTabSz="457200" rtl="0" eaLnBrk="1" latinLnBrk="0" hangingPunct="1">
         <a:defRPr sz="1800" kern="1200">
           <a:solidFill>
             <a:schemeClr val="tx1"/>
@@ -4160,15 +7092,7 @@
           <a:cs typeface="+mn-cs"/>
         </a:defRPr>
       </a:lvl5pPr>
-      <a:lvl6pPr marL="2514600" indent="-228600" algn="l" defTabSz="914400" rtl="0" eaLnBrk="1" latinLnBrk="0" hangingPunct="1">
-        <a:lnSpc>
-          <a:spcPct val="90000"/>
-        </a:lnSpc>
-        <a:spcBef>
-          <a:spcPts val="500"/>
-        </a:spcBef>
-        <a:buFont typeface="Arial" panose="020B0604020202020204" pitchFamily="34" charset="0"/>
-        <a:buChar char="•"/>
+      <a:lvl6pPr marL="2286000" algn="l" defTabSz="457200" rtl="0" eaLnBrk="1" latinLnBrk="0" hangingPunct="1">
         <a:defRPr sz="1800" kern="1200">
           <a:solidFill>
             <a:schemeClr val="tx1"/>
@@ -4178,15 +7102,7 @@
           <a:cs typeface="+mn-cs"/>
         </a:defRPr>
       </a:lvl6pPr>
-      <a:lvl7pPr marL="2971800" indent="-228600" algn="l" defTabSz="914400" rtl="0" eaLnBrk="1" latinLnBrk="0" hangingPunct="1">
-        <a:lnSpc>
-          <a:spcPct val="90000"/>
-        </a:lnSpc>
-        <a:spcBef>
-          <a:spcPts val="500"/>
-        </a:spcBef>
-        <a:buFont typeface="Arial" panose="020B0604020202020204" pitchFamily="34" charset="0"/>
-        <a:buChar char="•"/>
+      <a:lvl7pPr marL="2743200" algn="l" defTabSz="457200" rtl="0" eaLnBrk="1" latinLnBrk="0" hangingPunct="1">
         <a:defRPr sz="1800" kern="1200">
           <a:solidFill>
             <a:schemeClr val="tx1"/>
@@ -4196,15 +7112,7 @@
           <a:cs typeface="+mn-cs"/>
         </a:defRPr>
       </a:lvl7pPr>
-      <a:lvl8pPr marL="3429000" indent="-228600" algn="l" defTabSz="914400" rtl="0" eaLnBrk="1" latinLnBrk="0" hangingPunct="1">
-        <a:lnSpc>
-          <a:spcPct val="90000"/>
-        </a:lnSpc>
-        <a:spcBef>
-          <a:spcPts val="500"/>
-        </a:spcBef>
-        <a:buFont typeface="Arial" panose="020B0604020202020204" pitchFamily="34" charset="0"/>
-        <a:buChar char="•"/>
+      <a:lvl8pPr marL="3200400" algn="l" defTabSz="457200" rtl="0" eaLnBrk="1" latinLnBrk="0" hangingPunct="1">
         <a:defRPr sz="1800" kern="1200">
           <a:solidFill>
             <a:schemeClr val="tx1"/>
@@ -4214,110 +7122,7 @@
           <a:cs typeface="+mn-cs"/>
         </a:defRPr>
       </a:lvl8pPr>
-      <a:lvl9pPr marL="3886200" indent="-228600" algn="l" defTabSz="914400" rtl="0" eaLnBrk="1" latinLnBrk="0" hangingPunct="1">
-        <a:lnSpc>
-          <a:spcPct val="90000"/>
-        </a:lnSpc>
-        <a:spcBef>
-          <a:spcPts val="500"/>
-        </a:spcBef>
-        <a:buFont typeface="Arial" panose="020B0604020202020204" pitchFamily="34" charset="0"/>
-        <a:buChar char="•"/>
-        <a:defRPr sz="1800" kern="1200">
-          <a:solidFill>
-            <a:schemeClr val="tx1"/>
-          </a:solidFill>
-          <a:latin typeface="+mn-lt"/>
-          <a:ea typeface="+mn-ea"/>
-          <a:cs typeface="+mn-cs"/>
-        </a:defRPr>
-      </a:lvl9pPr>
-    </p:bodyStyle>
-    <p:otherStyle>
-      <a:defPPr>
-        <a:defRPr lang="fr-FR"/>
-      </a:defPPr>
-      <a:lvl1pPr marL="0" algn="l" defTabSz="914400" rtl="0" eaLnBrk="1" latinLnBrk="0" hangingPunct="1">
-        <a:defRPr sz="1800" kern="1200">
-          <a:solidFill>
-            <a:schemeClr val="tx1"/>
-          </a:solidFill>
-          <a:latin typeface="+mn-lt"/>
-          <a:ea typeface="+mn-ea"/>
-          <a:cs typeface="+mn-cs"/>
-        </a:defRPr>
-      </a:lvl1pPr>
-      <a:lvl2pPr marL="457200" algn="l" defTabSz="914400" rtl="0" eaLnBrk="1" latinLnBrk="0" hangingPunct="1">
-        <a:defRPr sz="1800" kern="1200">
-          <a:solidFill>
-            <a:schemeClr val="tx1"/>
-          </a:solidFill>
-          <a:latin typeface="+mn-lt"/>
-          <a:ea typeface="+mn-ea"/>
-          <a:cs typeface="+mn-cs"/>
-        </a:defRPr>
-      </a:lvl2pPr>
-      <a:lvl3pPr marL="914400" algn="l" defTabSz="914400" rtl="0" eaLnBrk="1" latinLnBrk="0" hangingPunct="1">
-        <a:defRPr sz="1800" kern="1200">
-          <a:solidFill>
-            <a:schemeClr val="tx1"/>
-          </a:solidFill>
-          <a:latin typeface="+mn-lt"/>
-          <a:ea typeface="+mn-ea"/>
-          <a:cs typeface="+mn-cs"/>
-        </a:defRPr>
-      </a:lvl3pPr>
-      <a:lvl4pPr marL="1371600" algn="l" defTabSz="914400" rtl="0" eaLnBrk="1" latinLnBrk="0" hangingPunct="1">
-        <a:defRPr sz="1800" kern="1200">
-          <a:solidFill>
-            <a:schemeClr val="tx1"/>
-          </a:solidFill>
-          <a:latin typeface="+mn-lt"/>
-          <a:ea typeface="+mn-ea"/>
-          <a:cs typeface="+mn-cs"/>
-        </a:defRPr>
-      </a:lvl4pPr>
-      <a:lvl5pPr marL="1828800" algn="l" defTabSz="914400" rtl="0" eaLnBrk="1" latinLnBrk="0" hangingPunct="1">
-        <a:defRPr sz="1800" kern="1200">
-          <a:solidFill>
-            <a:schemeClr val="tx1"/>
-          </a:solidFill>
-          <a:latin typeface="+mn-lt"/>
-          <a:ea typeface="+mn-ea"/>
-          <a:cs typeface="+mn-cs"/>
-        </a:defRPr>
-      </a:lvl5pPr>
-      <a:lvl6pPr marL="2286000" algn="l" defTabSz="914400" rtl="0" eaLnBrk="1" latinLnBrk="0" hangingPunct="1">
-        <a:defRPr sz="1800" kern="1200">
-          <a:solidFill>
-            <a:schemeClr val="tx1"/>
-          </a:solidFill>
-          <a:latin typeface="+mn-lt"/>
-          <a:ea typeface="+mn-ea"/>
-          <a:cs typeface="+mn-cs"/>
-        </a:defRPr>
-      </a:lvl6pPr>
-      <a:lvl7pPr marL="2743200" algn="l" defTabSz="914400" rtl="0" eaLnBrk="1" latinLnBrk="0" hangingPunct="1">
-        <a:defRPr sz="1800" kern="1200">
-          <a:solidFill>
-            <a:schemeClr val="tx1"/>
-          </a:solidFill>
-          <a:latin typeface="+mn-lt"/>
-          <a:ea typeface="+mn-ea"/>
-          <a:cs typeface="+mn-cs"/>
-        </a:defRPr>
-      </a:lvl7pPr>
-      <a:lvl8pPr marL="3200400" algn="l" defTabSz="914400" rtl="0" eaLnBrk="1" latinLnBrk="0" hangingPunct="1">
-        <a:defRPr sz="1800" kern="1200">
-          <a:solidFill>
-            <a:schemeClr val="tx1"/>
-          </a:solidFill>
-          <a:latin typeface="+mn-lt"/>
-          <a:ea typeface="+mn-ea"/>
-          <a:cs typeface="+mn-cs"/>
-        </a:defRPr>
-      </a:lvl8pPr>
-      <a:lvl9pPr marL="3657600" algn="l" defTabSz="914400" rtl="0" eaLnBrk="1" latinLnBrk="0" hangingPunct="1">
+      <a:lvl9pPr marL="3657600" algn="l" defTabSz="457200" rtl="0" eaLnBrk="1" latinLnBrk="0" hangingPunct="1">
         <a:defRPr sz="1800" kern="1200">
           <a:solidFill>
             <a:schemeClr val="tx1"/>
@@ -4400,7 +7205,7 @@
           <a:p>
             <a:r>
               <a:rPr lang="en-GB" dirty="0"/>
-              <a:t>BURGERS Gerard</a:t>
+              <a:t>BURGUÉS Gerard</a:t>
             </a:r>
           </a:p>
           <a:p>
@@ -4533,8 +7338,8 @@
         </p:blipFill>
         <p:spPr>
           <a:xfrm>
-            <a:off x="6172200" y="3349893"/>
-            <a:ext cx="5181600" cy="1302802"/>
+            <a:off x="6202363" y="3124749"/>
+            <a:ext cx="5065712" cy="1273664"/>
           </a:xfrm>
           <a:prstGeom prst="rect">
             <a:avLst/>
@@ -4741,16 +7546,20 @@
           </a:p>
           <a:p>
             <a:r>
+              <a:rPr lang="en-GB" dirty="0" err="1"/>
+              <a:t>Fisherface</a:t>
+            </a:r>
+            <a:r>
               <a:rPr lang="en-GB" dirty="0"/>
-              <a:t>The goal is to maximise the ratio of the between scatter matrix and the </a:t>
+              <a:t> method is designed to recognize the face image by matching the results of its feature extraction. The system is expected to determine </a:t>
             </a:r>
             <a:r>
               <a:rPr lang="en-GB" dirty="0" err="1"/>
-              <a:t>whithin</a:t>
+              <a:t>wether</a:t>
             </a:r>
             <a:r>
               <a:rPr lang="en-GB" dirty="0"/>
-              <a:t> scatter matrix</a:t>
+              <a:t> the image to be tested is recognized correctly or not.</a:t>
             </a:r>
           </a:p>
           <a:p>
@@ -4834,44 +7643,108 @@
         </p:nvSpPr>
         <p:spPr/>
         <p:txBody>
-          <a:bodyPr/>
-          <a:lstStyle/>
-          <a:p>
-            <a:r>
-              <a:rPr lang="en-GB" dirty="0"/>
-              <a:t>Transform the picture in vector</a:t>
-            </a:r>
-          </a:p>
-          <a:p>
-            <a:r>
-              <a:rPr lang="en-GB" dirty="0"/>
-              <a:t> Calculate within class scatter and between class scatter</a:t>
-            </a:r>
-          </a:p>
-          <a:p>
-            <a:r>
-              <a:rPr lang="en-GB" dirty="0"/>
-              <a:t>Maximise the ratio</a:t>
-            </a:r>
-          </a:p>
-          <a:p>
-            <a:r>
-              <a:rPr lang="en-GB" dirty="0"/>
-              <a:t>Find the </a:t>
-            </a:r>
-            <a:r>
-              <a:rPr lang="en-GB" dirty="0" err="1"/>
-              <a:t>eightvector</a:t>
-            </a:r>
-            <a:endParaRPr lang="en-GB" dirty="0"/>
-          </a:p>
-          <a:p>
-            <a:r>
-              <a:rPr lang="en-GB" dirty="0"/>
-              <a:t>Calculate de weight for each face</a:t>
-            </a:r>
-          </a:p>
-          <a:p>
+          <a:bodyPr>
+            <a:normAutofit fontScale="92500" lnSpcReduction="10000"/>
+          </a:bodyPr>
+          <a:lstStyle/>
+          <a:p>
+            <a:r>
+              <a:rPr lang="en-US" b="1" dirty="0"/>
+              <a:t>Step 1</a:t>
+            </a:r>
+            <a:r>
+              <a:rPr lang="en-US" dirty="0"/>
+              <a:t> : </a:t>
+            </a:r>
+            <a:r>
+              <a:rPr lang="en-US" dirty="0" err="1"/>
+              <a:t>Retreive</a:t>
+            </a:r>
+            <a:r>
+              <a:rPr lang="en-US" dirty="0"/>
+              <a:t> data</a:t>
+            </a:r>
+          </a:p>
+          <a:p>
+            <a:pPr marL="36900" indent="0">
+              <a:buNone/>
+            </a:pPr>
+            <a:r>
+              <a:rPr lang="en-US" dirty="0"/>
+              <a:t>	Collection of data is done in form of face images . Collection can be done using photographs 	already saved or from a webcam. Face must be fully visible and must be facing forward.</a:t>
+            </a:r>
+          </a:p>
+          <a:p>
+            <a:r>
+              <a:rPr lang="en-US" b="1" dirty="0"/>
+              <a:t>Step 2</a:t>
+            </a:r>
+            <a:r>
+              <a:rPr lang="en-US" dirty="0"/>
+              <a:t> : Image Processing</a:t>
+            </a:r>
+          </a:p>
+          <a:p>
+            <a:pPr marL="36900" indent="0">
+              <a:buNone/>
+            </a:pPr>
+            <a:r>
+              <a:rPr lang="en-US" dirty="0"/>
+              <a:t>	a) Preprocessing stage : Getting images using camera or saved images and conversion from 	RGB to grayscale. Image data is divided into training and test data.</a:t>
+            </a:r>
+          </a:p>
+          <a:p>
+            <a:pPr marL="36900" indent="0">
+              <a:buNone/>
+            </a:pPr>
+            <a:r>
+              <a:rPr lang="en-US" dirty="0"/>
+              <a:t>	b) Processing stage : </a:t>
+            </a:r>
+            <a:r>
+              <a:rPr lang="en-US" dirty="0" err="1"/>
+              <a:t>Fisherface</a:t>
+            </a:r>
+            <a:r>
+              <a:rPr lang="en-US" dirty="0"/>
+              <a:t> method will be applied to generate feature vector of facial 	image data used by system and then to match vector of traits of training image with vector 	characteristic of test image using </a:t>
+            </a:r>
+            <a:r>
+              <a:rPr lang="en-US" dirty="0" err="1"/>
+              <a:t>euclidean</a:t>
+            </a:r>
+            <a:r>
+              <a:rPr lang="en-US" dirty="0"/>
+              <a:t> distance formula</a:t>
+            </a:r>
+          </a:p>
+          <a:p>
+            <a:r>
+              <a:rPr lang="en-US" b="1" dirty="0"/>
+              <a:t>Step 3</a:t>
+            </a:r>
+            <a:r>
+              <a:rPr lang="en-US" dirty="0"/>
+              <a:t> : Feature generation</a:t>
+            </a:r>
+          </a:p>
+          <a:p>
+            <a:pPr marL="36900" indent="0">
+              <a:buNone/>
+            </a:pPr>
+            <a:r>
+              <a:rPr lang="en-US"/>
+              <a:t>	Features </a:t>
+            </a:r>
+            <a:r>
+              <a:rPr lang="en-US" dirty="0"/>
+              <a:t>of the faces are extracted.</a:t>
+            </a:r>
+          </a:p>
+          <a:p>
+            <a:pPr marL="36900" indent="0">
+              <a:buNone/>
+            </a:pPr>
             <a:endParaRPr lang="en-GB" dirty="0"/>
           </a:p>
         </p:txBody>
@@ -4929,8 +7802,13 @@
           <a:p>
             <a:r>
               <a:rPr lang="en-GB" dirty="0"/>
-              <a:t>Thanks you for your intention</a:t>
-            </a:r>
+              <a:t>Thank you for your </a:t>
+            </a:r>
+            <a:r>
+              <a:rPr lang="en-GB" dirty="0" err="1"/>
+              <a:t>atention</a:t>
+            </a:r>
+            <a:endParaRPr lang="en-GB" dirty="0"/>
           </a:p>
         </p:txBody>
       </p:sp>
@@ -5241,15 +8119,14 @@
               </a:ext>
             </a:extLst>
           </a:blip>
-          <a:srcRect/>
           <a:stretch>
             <a:fillRect/>
           </a:stretch>
         </p:blipFill>
         <p:spPr bwMode="auto">
           <a:xfrm>
-            <a:off x="6172200" y="2233946"/>
-            <a:ext cx="5181600" cy="3534696"/>
+            <a:off x="6202363" y="2033760"/>
+            <a:ext cx="5065712" cy="3455642"/>
           </a:xfrm>
           <a:prstGeom prst="rect">
             <a:avLst/>
@@ -5353,8 +8230,8 @@
         </p:blipFill>
         <p:spPr>
           <a:xfrm>
-            <a:off x="4022752" y="1825625"/>
-            <a:ext cx="4146496" cy="4351338"/>
+            <a:off x="4157165" y="1731963"/>
+            <a:ext cx="3868145" cy="4059237"/>
           </a:xfrm>
           <a:prstGeom prst="rect">
             <a:avLst/>
@@ -5494,7 +8371,7 @@
         </p:blipFill>
         <p:spPr>
           <a:xfrm>
-            <a:off x="6715125" y="2591594"/>
+            <a:off x="6687344" y="2351881"/>
             <a:ext cx="4095750" cy="2819400"/>
           </a:xfrm>
           <a:prstGeom prst="rect">
@@ -5884,7 +8761,9 @@
         </p:nvSpPr>
         <p:spPr/>
         <p:txBody>
-          <a:bodyPr/>
+          <a:bodyPr>
+            <a:normAutofit fontScale="90000"/>
+          </a:bodyPr>
           <a:lstStyle/>
           <a:p>
             <a:r>
@@ -6093,15 +8972,14 @@
               </a:ext>
             </a:extLst>
           </a:blip>
-          <a:srcRect/>
           <a:stretch>
             <a:fillRect/>
           </a:stretch>
         </p:blipFill>
         <p:spPr bwMode="auto">
           <a:xfrm>
-            <a:off x="6172200" y="3278822"/>
-            <a:ext cx="5181600" cy="1444943"/>
+            <a:off x="6202363" y="3055268"/>
+            <a:ext cx="5065712" cy="1412627"/>
           </a:xfrm>
           <a:prstGeom prst="rect">
             <a:avLst/>
@@ -6132,9 +9010,9 @@
 </file>
 
 <file path=ppt/theme/theme1.xml><?xml version="1.0" encoding="utf-8"?>
-<a:theme xmlns:a="http://schemas.openxmlformats.org/drawingml/2006/main" name="Thème Office">
+<a:theme xmlns:a="http://schemas.openxmlformats.org/drawingml/2006/main" name="Pizarra">
   <a:themeElements>
-    <a:clrScheme name="Office">
+    <a:clrScheme name="Pizarra">
       <a:dk1>
         <a:sysClr val="windowText" lastClr="000000"/>
       </a:dk1>
@@ -6142,97 +9020,45 @@
         <a:sysClr val="window" lastClr="FFFFFF"/>
       </a:lt1>
       <a:dk2>
-        <a:srgbClr val="44546A"/>
+        <a:srgbClr val="212123"/>
       </a:dk2>
       <a:lt2>
-        <a:srgbClr val="E7E6E6"/>
+        <a:srgbClr val="DADADA"/>
       </a:lt2>
       <a:accent1>
-        <a:srgbClr val="4472C4"/>
+        <a:srgbClr val="BC451B"/>
       </a:accent1>
       <a:accent2>
-        <a:srgbClr val="ED7D31"/>
+        <a:srgbClr val="D3BA68"/>
       </a:accent2>
       <a:accent3>
-        <a:srgbClr val="A5A5A5"/>
+        <a:srgbClr val="BB8640"/>
       </a:accent3>
       <a:accent4>
-        <a:srgbClr val="FFC000"/>
+        <a:srgbClr val="AD9277"/>
       </a:accent4>
       <a:accent5>
-        <a:srgbClr val="5B9BD5"/>
+        <a:srgbClr val="A55A43"/>
       </a:accent5>
       <a:accent6>
-        <a:srgbClr val="70AD47"/>
+        <a:srgbClr val="AD9D7B"/>
       </a:accent6>
       <a:hlink>
-        <a:srgbClr val="0563C1"/>
+        <a:srgbClr val="E98052"/>
       </a:hlink>
       <a:folHlink>
-        <a:srgbClr val="954F72"/>
+        <a:srgbClr val="F4B69B"/>
       </a:folHlink>
     </a:clrScheme>
-    <a:fontScheme name="Office">
+    <a:fontScheme name="Pizarra">
       <a:majorFont>
-        <a:latin typeface="Calibri Light" panose="020F0302020204030204"/>
+        <a:latin typeface="Calisto MT" panose="02040603050505030304"/>
         <a:ea typeface=""/>
         <a:cs typeface=""/>
-        <a:font script="Jpan" typeface="游ゴシック Light"/>
-        <a:font script="Hang" typeface="맑은 고딕"/>
-        <a:font script="Hans" typeface="等线 Light"/>
-        <a:font script="Hant" typeface="新細明體"/>
-        <a:font script="Arab" typeface="Times New Roman"/>
-        <a:font script="Hebr" typeface="Times New Roman"/>
-        <a:font script="Thai" typeface="Angsana New"/>
-        <a:font script="Ethi" typeface="Nyala"/>
-        <a:font script="Beng" typeface="Vrinda"/>
-        <a:font script="Gujr" typeface="Shruti"/>
-        <a:font script="Khmr" typeface="MoolBoran"/>
-        <a:font script="Knda" typeface="Tunga"/>
-        <a:font script="Guru" typeface="Raavi"/>
-        <a:font script="Cans" typeface="Euphemia"/>
-        <a:font script="Cher" typeface="Plantagenet Cherokee"/>
-        <a:font script="Yiii" typeface="Microsoft Yi Baiti"/>
-        <a:font script="Tibt" typeface="Microsoft Himalaya"/>
-        <a:font script="Thaa" typeface="MV Boli"/>
-        <a:font script="Deva" typeface="Mangal"/>
-        <a:font script="Telu" typeface="Gautami"/>
-        <a:font script="Taml" typeface="Latha"/>
-        <a:font script="Syrc" typeface="Estrangelo Edessa"/>
-        <a:font script="Orya" typeface="Kalinga"/>
-        <a:font script="Mlym" typeface="Kartika"/>
-        <a:font script="Laoo" typeface="DokChampa"/>
-        <a:font script="Sinh" typeface="Iskoola Pota"/>
-        <a:font script="Mong" typeface="Mongolian Baiti"/>
-        <a:font script="Viet" typeface="Times New Roman"/>
-        <a:font script="Uigh" typeface="Microsoft Uighur"/>
-        <a:font script="Geor" typeface="Sylfaen"/>
-        <a:font script="Armn" typeface="Arial"/>
-        <a:font script="Bugi" typeface="Leelawadee UI"/>
-        <a:font script="Bopo" typeface="Microsoft JhengHei"/>
-        <a:font script="Java" typeface="Javanese Text"/>
-        <a:font script="Lisu" typeface="Segoe UI"/>
-        <a:font script="Mymr" typeface="Myanmar Text"/>
-        <a:font script="Nkoo" typeface="Ebrima"/>
-        <a:font script="Olck" typeface="Nirmala UI"/>
-        <a:font script="Osma" typeface="Ebrima"/>
-        <a:font script="Phag" typeface="Phagspa"/>
-        <a:font script="Syrn" typeface="Estrangelo Edessa"/>
-        <a:font script="Syrj" typeface="Estrangelo Edessa"/>
-        <a:font script="Syre" typeface="Estrangelo Edessa"/>
-        <a:font script="Sora" typeface="Nirmala UI"/>
-        <a:font script="Tale" typeface="Microsoft Tai Le"/>
-        <a:font script="Talu" typeface="Microsoft New Tai Lue"/>
-        <a:font script="Tfng" typeface="Ebrima"/>
-      </a:majorFont>
-      <a:minorFont>
-        <a:latin typeface="Calibri" panose="020F0502020204030204"/>
-        <a:ea typeface=""/>
-        <a:cs typeface=""/>
-        <a:font script="Jpan" typeface="游ゴシック"/>
-        <a:font script="Hang" typeface="맑은 고딕"/>
-        <a:font script="Hans" typeface="等线"/>
-        <a:font script="Hant" typeface="新細明體"/>
+        <a:font script="Jpan" typeface="ＭＳ Ｐゴシック"/>
+        <a:font script="Hang" typeface="돋움"/>
+        <a:font script="Hans" typeface="方正舒体"/>
+        <a:font script="Hant" typeface="微軟正黑體"/>
         <a:font script="Arab" typeface="Arial"/>
         <a:font script="Hebr" typeface="Arial"/>
         <a:font script="Thai" typeface="Cordia New"/>
@@ -6259,26 +9085,44 @@
         <a:font script="Viet" typeface="Arial"/>
         <a:font script="Uigh" typeface="Microsoft Uighur"/>
         <a:font script="Geor" typeface="Sylfaen"/>
-        <a:font script="Armn" typeface="Arial"/>
-        <a:font script="Bugi" typeface="Leelawadee UI"/>
-        <a:font script="Bopo" typeface="Microsoft JhengHei"/>
-        <a:font script="Java" typeface="Javanese Text"/>
-        <a:font script="Lisu" typeface="Segoe UI"/>
-        <a:font script="Mymr" typeface="Myanmar Text"/>
-        <a:font script="Nkoo" typeface="Ebrima"/>
-        <a:font script="Olck" typeface="Nirmala UI"/>
-        <a:font script="Osma" typeface="Ebrima"/>
-        <a:font script="Phag" typeface="Phagspa"/>
-        <a:font script="Syrn" typeface="Estrangelo Edessa"/>
-        <a:font script="Syrj" typeface="Estrangelo Edessa"/>
-        <a:font script="Syre" typeface="Estrangelo Edessa"/>
-        <a:font script="Sora" typeface="Nirmala UI"/>
-        <a:font script="Tale" typeface="Microsoft Tai Le"/>
-        <a:font script="Talu" typeface="Microsoft New Tai Lue"/>
-        <a:font script="Tfng" typeface="Ebrima"/>
+      </a:majorFont>
+      <a:minorFont>
+        <a:latin typeface="Calisto MT" panose="02040603050505030304"/>
+        <a:ea typeface=""/>
+        <a:cs typeface=""/>
+        <a:font script="Jpan" typeface="ＭＳ Ｐゴシック"/>
+        <a:font script="Hang" typeface="돋움"/>
+        <a:font script="Hans" typeface="方正舒体"/>
+        <a:font script="Hant" typeface="微軟正黑體"/>
+        <a:font script="Arab" typeface="Arial"/>
+        <a:font script="Hebr" typeface="Arial"/>
+        <a:font script="Thai" typeface="Cordia New"/>
+        <a:font script="Ethi" typeface="Nyala"/>
+        <a:font script="Beng" typeface="Vrinda"/>
+        <a:font script="Gujr" typeface="Shruti"/>
+        <a:font script="Khmr" typeface="DaunPenh"/>
+        <a:font script="Knda" typeface="Tunga"/>
+        <a:font script="Guru" typeface="Raavi"/>
+        <a:font script="Cans" typeface="Euphemia"/>
+        <a:font script="Cher" typeface="Plantagenet Cherokee"/>
+        <a:font script="Yiii" typeface="Microsoft Yi Baiti"/>
+        <a:font script="Tibt" typeface="Microsoft Himalaya"/>
+        <a:font script="Thaa" typeface="MV Boli"/>
+        <a:font script="Deva" typeface="Mangal"/>
+        <a:font script="Telu" typeface="Gautami"/>
+        <a:font script="Taml" typeface="Latha"/>
+        <a:font script="Syrc" typeface="Estrangelo Edessa"/>
+        <a:font script="Orya" typeface="Kalinga"/>
+        <a:font script="Mlym" typeface="Kartika"/>
+        <a:font script="Laoo" typeface="DokChampa"/>
+        <a:font script="Sinh" typeface="Iskoola Pota"/>
+        <a:font script="Mong" typeface="Mongolian Baiti"/>
+        <a:font script="Viet" typeface="Arial"/>
+        <a:font script="Uigh" typeface="Microsoft Uighur"/>
+        <a:font script="Geor" typeface="Sylfaen"/>
       </a:minorFont>
     </a:fontScheme>
-    <a:fmtScheme name="Office">
+    <a:fmtScheme name="Pizarra">
       <a:fillStyleLst>
         <a:solidFill>
           <a:schemeClr val="phClr"/>
@@ -6287,23 +9131,13 @@
           <a:gsLst>
             <a:gs pos="0">
               <a:schemeClr val="phClr">
+                <a:tint val="60000"/>
                 <a:lumMod val="110000"/>
-                <a:satMod val="105000"/>
-                <a:tint val="67000"/>
-              </a:schemeClr>
-            </a:gs>
-            <a:gs pos="50000">
-              <a:schemeClr val="phClr">
-                <a:lumMod val="105000"/>
-                <a:satMod val="103000"/>
-                <a:tint val="73000"/>
               </a:schemeClr>
             </a:gs>
             <a:gs pos="100000">
               <a:schemeClr val="phClr">
-                <a:lumMod val="105000"/>
-                <a:satMod val="109000"/>
-                <a:tint val="81000"/>
+                <a:tint val="88000"/>
               </a:schemeClr>
             </a:gs>
           </a:gsLst>
@@ -6313,23 +9147,14 @@
           <a:gsLst>
             <a:gs pos="0">
               <a:schemeClr val="phClr">
-                <a:satMod val="103000"/>
-                <a:lumMod val="102000"/>
-                <a:tint val="94000"/>
-              </a:schemeClr>
-            </a:gs>
-            <a:gs pos="50000">
-              <a:schemeClr val="phClr">
-                <a:satMod val="110000"/>
-                <a:lumMod val="100000"/>
-                <a:shade val="100000"/>
+                <a:tint val="96000"/>
+                <a:lumMod val="104000"/>
               </a:schemeClr>
             </a:gs>
             <a:gs pos="100000">
               <a:schemeClr val="phClr">
-                <a:lumMod val="99000"/>
-                <a:satMod val="120000"/>
-                <a:shade val="78000"/>
+                <a:shade val="90000"/>
+                <a:lumMod val="90000"/>
               </a:schemeClr>
             </a:gs>
           </a:gsLst>
@@ -6337,26 +9162,25 @@
         </a:gradFill>
       </a:fillStyleLst>
       <a:lnStyleLst>
-        <a:ln w="6350" cap="flat" cmpd="sng" algn="ctr">
+        <a:ln w="9525" cap="rnd" cmpd="sng" algn="ctr">
+          <a:solidFill>
+            <a:schemeClr val="phClr">
+              <a:shade val="90000"/>
+            </a:schemeClr>
+          </a:solidFill>
+          <a:prstDash val="solid"/>
+        </a:ln>
+        <a:ln w="15875" cap="rnd" cmpd="sng" algn="ctr">
           <a:solidFill>
             <a:schemeClr val="phClr"/>
           </a:solidFill>
           <a:prstDash val="solid"/>
-          <a:miter lim="800000"/>
         </a:ln>
-        <a:ln w="12700" cap="flat" cmpd="sng" algn="ctr">
+        <a:ln w="25400" cap="rnd" cmpd="sng" algn="ctr">
           <a:solidFill>
             <a:schemeClr val="phClr"/>
           </a:solidFill>
           <a:prstDash val="solid"/>
-          <a:miter lim="800000"/>
-        </a:ln>
-        <a:ln w="19050" cap="flat" cmpd="sng" algn="ctr">
-          <a:solidFill>
-            <a:schemeClr val="phClr"/>
-          </a:solidFill>
-          <a:prstDash val="solid"/>
-          <a:miter lim="800000"/>
         </a:ln>
       </a:lnStyleLst>
       <a:effectStyleLst>
@@ -6364,16 +9188,33 @@
           <a:effectLst/>
         </a:effectStyle>
         <a:effectStyle>
-          <a:effectLst/>
+          <a:effectLst>
+            <a:outerShdw blurRad="63500" dist="25400" dir="5400000" rotWithShape="0">
+              <a:srgbClr val="000000">
+                <a:alpha val="60000"/>
+              </a:srgbClr>
+            </a:outerShdw>
+          </a:effectLst>
         </a:effectStyle>
         <a:effectStyle>
           <a:effectLst>
-            <a:outerShdw blurRad="57150" dist="19050" dir="5400000" algn="ctr" rotWithShape="0">
+            <a:outerShdw blurRad="76200" dist="38100" dir="5400000" rotWithShape="0">
               <a:srgbClr val="000000">
-                <a:alpha val="63000"/>
+                <a:alpha val="75000"/>
               </a:srgbClr>
             </a:outerShdw>
           </a:effectLst>
+          <a:scene3d>
+            <a:camera prst="orthographicFront">
+              <a:rot lat="0" lon="0" rev="0"/>
+            </a:camera>
+            <a:lightRig rig="threePt" dir="t">
+              <a:rot lat="0" lon="0" rev="1200000"/>
+            </a:lightRig>
+          </a:scene3d>
+          <a:sp3d>
+            <a:bevelT w="63500" h="25400" prst="hardEdge"/>
+          </a:sp3d>
         </a:effectStyle>
       </a:effectStyleLst>
       <a:bgFillStyleLst>
@@ -6381,38 +9222,22 @@
           <a:schemeClr val="phClr"/>
         </a:solidFill>
         <a:solidFill>
-          <a:schemeClr val="phClr">
-            <a:tint val="95000"/>
-            <a:satMod val="170000"/>
-          </a:schemeClr>
+          <a:schemeClr val="phClr"/>
         </a:solidFill>
-        <a:gradFill rotWithShape="1">
-          <a:gsLst>
-            <a:gs pos="0">
+        <a:blipFill rotWithShape="1">
+          <a:blip xmlns:r="http://schemas.openxmlformats.org/officeDocument/2006/relationships" r:embed="rId1">
+            <a:duotone>
               <a:schemeClr val="phClr">
-                <a:tint val="93000"/>
-                <a:satMod val="150000"/>
-                <a:shade val="98000"/>
-                <a:lumMod val="102000"/>
+                <a:shade val="80000"/>
+                <a:lumMod val="80000"/>
               </a:schemeClr>
-            </a:gs>
-            <a:gs pos="50000">
               <a:schemeClr val="phClr">
                 <a:tint val="98000"/>
-                <a:satMod val="130000"/>
-                <a:shade val="90000"/>
-                <a:lumMod val="103000"/>
               </a:schemeClr>
-            </a:gs>
-            <a:gs pos="100000">
-              <a:schemeClr val="phClr">
-                <a:shade val="63000"/>
-                <a:satMod val="120000"/>
-              </a:schemeClr>
-            </a:gs>
-          </a:gsLst>
-          <a:lin ang="5400000" scaled="0"/>
-        </a:gradFill>
+            </a:duotone>
+          </a:blip>
+          <a:stretch/>
+        </a:blipFill>
       </a:bgFillStyleLst>
     </a:fmtScheme>
   </a:themeElements>
@@ -6420,7 +9245,7 @@
   <a:extraClrSchemeLst/>
   <a:extLst>
     <a:ext uri="{05A4C25C-085E-4340-85A3-A5531E510DB2}">
-      <thm15:themeFamily xmlns:thm15="http://schemas.microsoft.com/office/thememl/2012/main" name="Office Theme" id="{62F939B6-93AF-4DB8-9C6B-D6C7DFDC589F}" vid="{4A3C46E8-61CC-4603-A589-7422A47A8E4A}"/>
+      <thm15:themeFamily xmlns:thm15="http://schemas.microsoft.com/office/thememl/2012/main" name="Slate" id="{C3F70B94-7CE9-428E-ADC1-3269CC2C3385}" vid="{3F2DE9A5-64E6-437C-A389-CC4477E817E8}"/>
     </a:ext>
   </a:extLst>
 </a:theme>
@@ -6722,6 +9547,21 @@
 </file>
 
 <file path=customXml/item1.xml><?xml version="1.0" encoding="utf-8"?>
+<p:properties xmlns:p="http://schemas.microsoft.com/office/2006/metadata/properties" xmlns:xsi="http://www.w3.org/2001/XMLSchema-instance" xmlns:pc="http://schemas.microsoft.com/office/infopath/2007/PartnerControls">
+  <documentManagement/>
+</p:properties>
+</file>
+
+<file path=customXml/item2.xml><?xml version="1.0" encoding="utf-8"?>
+<?mso-contentType ?>
+<FormTemplates xmlns="http://schemas.microsoft.com/sharepoint/v3/contenttype/forms">
+  <Display>DocumentLibraryForm</Display>
+  <Edit>DocumentLibraryForm</Edit>
+  <New>DocumentLibraryForm</New>
+</FormTemplates>
+</file>
+
+<file path=customXml/item3.xml><?xml version="1.0" encoding="utf-8"?>
 <ct:contentTypeSchema xmlns:ct="http://schemas.microsoft.com/office/2006/metadata/contentType" xmlns:ma="http://schemas.microsoft.com/office/2006/metadata/properties/metaAttributes" ct:_="" ma:_="" ma:contentTypeName="Document" ma:contentTypeID="0x010100F0D812EB0939BE44B372FF1F45A9F73C" ma:contentTypeVersion="2" ma:contentTypeDescription="Create a new document." ma:contentTypeScope="" ma:versionID="76b6d928d5fa95074d113f48d9ac52a2">
   <xsd:schema xmlns:xsd="http://www.w3.org/2001/XMLSchema" xmlns:xs="http://www.w3.org/2001/XMLSchema" xmlns:p="http://schemas.microsoft.com/office/2006/metadata/properties" xmlns:ns3="63d4114e-1bef-4718-838e-9be3cc0e7df4" targetNamespace="http://schemas.microsoft.com/office/2006/metadata/properties" ma:root="true" ma:fieldsID="2440009a0c5786782a9d08209d9f7f91" ns3:_="">
     <xsd:import namespace="63d4114e-1bef-4718-838e-9be3cc0e7df4"/>
@@ -6853,22 +9693,31 @@
 </ct:contentTypeSchema>
 </file>
 
-<file path=customXml/item2.xml><?xml version="1.0" encoding="utf-8"?>
-<?mso-contentType ?>
-<FormTemplates xmlns="http://schemas.microsoft.com/sharepoint/v3/contenttype/forms">
-  <Display>DocumentLibraryForm</Display>
-  <Edit>DocumentLibraryForm</Edit>
-  <New>DocumentLibraryForm</New>
-</FormTemplates>
+<file path=customXml/itemProps1.xml><?xml version="1.0" encoding="utf-8"?>
+<ds:datastoreItem xmlns:ds="http://schemas.openxmlformats.org/officeDocument/2006/customXml" ds:itemID="{A3EB3E6A-DCB2-4DF7-BA81-7300996587E0}">
+  <ds:schemaRefs>
+    <ds:schemaRef ds:uri="http://purl.org/dc/terms/"/>
+    <ds:schemaRef ds:uri="http://schemas.openxmlformats.org/package/2006/metadata/core-properties"/>
+    <ds:schemaRef ds:uri="http://schemas.microsoft.com/office/2006/documentManagement/types"/>
+    <ds:schemaRef ds:uri="http://schemas.microsoft.com/office/infopath/2007/PartnerControls"/>
+    <ds:schemaRef ds:uri="http://purl.org/dc/elements/1.1/"/>
+    <ds:schemaRef ds:uri="http://schemas.microsoft.com/office/2006/metadata/properties"/>
+    <ds:schemaRef ds:uri="63d4114e-1bef-4718-838e-9be3cc0e7df4"/>
+    <ds:schemaRef ds:uri="http://www.w3.org/XML/1998/namespace"/>
+    <ds:schemaRef ds:uri="http://purl.org/dc/dcmitype/"/>
+  </ds:schemaRefs>
+</ds:datastoreItem>
 </file>
 
-<file path=customXml/item3.xml><?xml version="1.0" encoding="utf-8"?>
-<p:properties xmlns:p="http://schemas.microsoft.com/office/2006/metadata/properties" xmlns:xsi="http://www.w3.org/2001/XMLSchema-instance" xmlns:pc="http://schemas.microsoft.com/office/infopath/2007/PartnerControls">
-  <documentManagement/>
-</p:properties>
+<file path=customXml/itemProps2.xml><?xml version="1.0" encoding="utf-8"?>
+<ds:datastoreItem xmlns:ds="http://schemas.openxmlformats.org/officeDocument/2006/customXml" ds:itemID="{1569FCE4-28F8-41EA-B1FD-A3D66F289CDE}">
+  <ds:schemaRefs>
+    <ds:schemaRef ds:uri="http://schemas.microsoft.com/sharepoint/v3/contenttype/forms"/>
+  </ds:schemaRefs>
+</ds:datastoreItem>
 </file>
 
-<file path=customXml/itemProps1.xml><?xml version="1.0" encoding="utf-8"?>
+<file path=customXml/itemProps3.xml><?xml version="1.0" encoding="utf-8"?>
 <ds:datastoreItem xmlns:ds="http://schemas.openxmlformats.org/officeDocument/2006/customXml" ds:itemID="{748C317E-4940-444A-A781-D5C70EEE8D43}">
   <ds:schemaRefs>
     <ds:schemaRef ds:uri="http://schemas.microsoft.com/office/2006/metadata/contentType"/>
@@ -6884,28 +9733,4 @@
     <ds:schemaRef ds:uri="http://schemas.microsoft.com/internal/obd"/>
   </ds:schemaRefs>
 </ds:datastoreItem>
-</file>
-
-<file path=customXml/itemProps2.xml><?xml version="1.0" encoding="utf-8"?>
-<ds:datastoreItem xmlns:ds="http://schemas.openxmlformats.org/officeDocument/2006/customXml" ds:itemID="{1569FCE4-28F8-41EA-B1FD-A3D66F289CDE}">
-  <ds:schemaRefs>
-    <ds:schemaRef ds:uri="http://schemas.microsoft.com/sharepoint/v3/contenttype/forms"/>
-  </ds:schemaRefs>
-</ds:datastoreItem>
-</file>
-
-<file path=customXml/itemProps3.xml><?xml version="1.0" encoding="utf-8"?>
-<ds:datastoreItem xmlns:ds="http://schemas.openxmlformats.org/officeDocument/2006/customXml" ds:itemID="{A3EB3E6A-DCB2-4DF7-BA81-7300996587E0}">
-  <ds:schemaRefs>
-    <ds:schemaRef ds:uri="http://purl.org/dc/terms/"/>
-    <ds:schemaRef ds:uri="http://schemas.openxmlformats.org/package/2006/metadata/core-properties"/>
-    <ds:schemaRef ds:uri="http://schemas.microsoft.com/office/2006/documentManagement/types"/>
-    <ds:schemaRef ds:uri="http://schemas.microsoft.com/office/infopath/2007/PartnerControls"/>
-    <ds:schemaRef ds:uri="http://purl.org/dc/elements/1.1/"/>
-    <ds:schemaRef ds:uri="http://schemas.microsoft.com/office/2006/metadata/properties"/>
-    <ds:schemaRef ds:uri="63d4114e-1bef-4718-838e-9be3cc0e7df4"/>
-    <ds:schemaRef ds:uri="http://www.w3.org/XML/1998/namespace"/>
-    <ds:schemaRef ds:uri="http://purl.org/dc/dcmitype/"/>
-  </ds:schemaRefs>
-</ds:datastoreItem>
 </file>